--- a/Courses/Applied-Programmer/Programming-Basics/05-Подпрограми/15.Връщане-на-резултат-и-варианти-на-метод.pptx
+++ b/Courses/Applied-Programmer/Programming-Basics/05-Подпрограми/15.Връщане-на-резултат-и-варианти-на-метод.pptx
@@ -321,7 +321,7 @@
             <a:fld id="{FE5B4EDC-59C0-49C7-8ADA-5A781B329E02}" type="datetimeFigureOut">
               <a:rPr lang="en-US"/>
               <a:pPr/>
-              <a:t>16-Dec-19</a:t>
+              <a:t>09-Nov-20</a:t>
             </a:fld>
             <a:endParaRPr dirty="0"/>
           </a:p>
@@ -619,7 +619,7 @@
             <a:fld id="{F2D8D46A-B586-417D-BFBD-8C8FE0AAF762}" type="datetimeFigureOut">
               <a:rPr lang="en-US" smtClean="0"/>
               <a:pPr/>
-              <a:t>16-Dec-19</a:t>
+              <a:t>09-Nov-20</a:t>
             </a:fld>
             <a:endParaRPr lang="en-US" dirty="0"/>
           </a:p>
@@ -5223,7 +5223,7 @@
         </p:nvSpPr>
         <p:spPr>
           <a:xfrm>
-            <a:off x="836612" y="3209192"/>
+            <a:off x="871526" y="3093813"/>
             <a:ext cx="10439400" cy="2988098"/>
           </a:xfrm>
           <a:prstGeom prst="rect">
@@ -5488,7 +5488,7 @@
         </p:nvSpPr>
         <p:spPr bwMode="auto">
           <a:xfrm>
-            <a:off x="8990012" y="2355915"/>
+            <a:off x="8973574" y="2296652"/>
             <a:ext cx="1548000" cy="665924"/>
           </a:xfrm>
           <a:prstGeom prst="rect">
@@ -5572,7 +5572,7 @@
         </p:nvSpPr>
         <p:spPr bwMode="auto">
           <a:xfrm>
-            <a:off x="6756212" y="2355915"/>
+            <a:off x="6765076" y="2296652"/>
             <a:ext cx="1548000" cy="692085"/>
           </a:xfrm>
           <a:prstGeom prst="rect">
@@ -5713,7 +5713,7 @@
         </p:nvSpPr>
         <p:spPr bwMode="auto">
           <a:xfrm>
-            <a:off x="3884612" y="2333259"/>
+            <a:off x="3908410" y="2296652"/>
             <a:ext cx="1548000" cy="665924"/>
           </a:xfrm>
           <a:prstGeom prst="rect">
@@ -5797,7 +5797,7 @@
         </p:nvSpPr>
         <p:spPr bwMode="auto">
           <a:xfrm>
-            <a:off x="1650812" y="2333259"/>
+            <a:off x="1667143" y="2296652"/>
             <a:ext cx="1548000" cy="692085"/>
           </a:xfrm>
           <a:prstGeom prst="rect">
@@ -5984,6 +5984,98 @@
                   <a:tint val="75000"/>
                 </a:prstClr>
               </a:solidFill>
+            </a:endParaRPr>
+          </a:p>
+        </p:txBody>
+      </p:sp>
+      <p:sp>
+        <p:nvSpPr>
+          <p:cNvPr id="2" name="Текстово поле 1">
+            <a:extLst>
+              <a:ext uri="{FF2B5EF4-FFF2-40B4-BE49-F238E27FC236}">
+                <a16:creationId xmlns:a16="http://schemas.microsoft.com/office/drawing/2014/main" id="{4B744CC3-EA66-4903-A5E0-A91EAB3F6936}"/>
+              </a:ext>
+            </a:extLst>
+          </p:cNvPr>
+          <p:cNvSpPr txBox="1"/>
+          <p:nvPr/>
+        </p:nvSpPr>
+        <p:spPr>
+          <a:xfrm>
+            <a:off x="681026" y="6029045"/>
+            <a:ext cx="10820400" cy="865173"/>
+          </a:xfrm>
+          <a:prstGeom prst="rect">
+            <a:avLst/>
+          </a:prstGeom>
+          <a:noFill/>
+        </p:spPr>
+        <p:txBody>
+          <a:bodyPr wrap="square">
+            <a:spAutoFit/>
+          </a:bodyPr>
+          <a:lstStyle/>
+          <a:p>
+            <a:pPr marL="0" marR="0" algn="ctr">
+              <a:lnSpc>
+                <a:spcPct val="107000"/>
+              </a:lnSpc>
+              <a:spcBef>
+                <a:spcPts val="0"/>
+              </a:spcBef>
+              <a:spcAft>
+                <a:spcPts val="0"/>
+              </a:spcAft>
+            </a:pPr>
+            <a:r>
+              <a:rPr lang="bg-BG" sz="2400" dirty="0">
+                <a:effectLst/>
+                <a:latin typeface="Calibri" panose="020F0502020204030204" pitchFamily="34" charset="0"/>
+                <a:ea typeface="Calibri" panose="020F0502020204030204" pitchFamily="34" charset="0"/>
+                <a:cs typeface="Times New Roman" panose="02020603050405020304" pitchFamily="18" charset="0"/>
+              </a:rPr>
+              <a:t>Тествайте в </a:t>
+            </a:r>
+            <a:r>
+              <a:rPr lang="en-US" sz="2400" dirty="0">
+                <a:effectLst/>
+                <a:latin typeface="Calibri" panose="020F0502020204030204" pitchFamily="34" charset="0"/>
+                <a:ea typeface="Calibri" panose="020F0502020204030204" pitchFamily="34" charset="0"/>
+                <a:cs typeface="Times New Roman" panose="02020603050405020304" pitchFamily="18" charset="0"/>
+              </a:rPr>
+              <a:t>Judge:</a:t>
+            </a:r>
+          </a:p>
+          <a:p>
+            <a:pPr marL="0" marR="0" algn="ctr">
+              <a:lnSpc>
+                <a:spcPct val="107000"/>
+              </a:lnSpc>
+              <a:spcBef>
+                <a:spcPts val="0"/>
+              </a:spcBef>
+              <a:spcAft>
+                <a:spcPts val="0"/>
+              </a:spcAft>
+            </a:pPr>
+            <a:r>
+              <a:rPr lang="bg-BG" sz="2400" u="sng" dirty="0">
+                <a:solidFill>
+                  <a:srgbClr val="0563C1"/>
+                </a:solidFill>
+                <a:effectLst/>
+                <a:latin typeface="Calibri" panose="020F0502020204030204" pitchFamily="34" charset="0"/>
+                <a:ea typeface="Calibri" panose="020F0502020204030204" pitchFamily="34" charset="0"/>
+                <a:cs typeface="Times New Roman" panose="02020603050405020304" pitchFamily="18" charset="0"/>
+                <a:hlinkClick r:id="rId2"/>
+              </a:rPr>
+              <a:t>https://judge.softuni.bg/Contests/2644/Връщане-на-резултат-и-варианти-на-метод</a:t>
+            </a:r>
+            <a:endParaRPr lang="en-US" sz="2400" dirty="0">
+              <a:effectLst/>
+              <a:latin typeface="Calibri" panose="020F0502020204030204" pitchFamily="34" charset="0"/>
+              <a:ea typeface="Calibri" panose="020F0502020204030204" pitchFamily="34" charset="0"/>
+              <a:cs typeface="Times New Roman" panose="02020603050405020304" pitchFamily="18" charset="0"/>
             </a:endParaRPr>
           </a:p>
         </p:txBody>
@@ -9857,7 +9949,7 @@
         </p:nvGrpSpPr>
         <p:grpSpPr>
           <a:xfrm>
-            <a:off x="6780681" y="4468229"/>
+            <a:off x="6780681" y="4296216"/>
             <a:ext cx="4087868" cy="1640037"/>
             <a:chOff x="1522412" y="4468229"/>
             <a:chExt cx="4087868" cy="1640037"/>
@@ -10190,6 +10282,98 @@
                   <a:tint val="75000"/>
                 </a:prstClr>
               </a:solidFill>
+            </a:endParaRPr>
+          </a:p>
+        </p:txBody>
+      </p:sp>
+      <p:sp>
+        <p:nvSpPr>
+          <p:cNvPr id="2" name="Текстово поле 1">
+            <a:extLst>
+              <a:ext uri="{FF2B5EF4-FFF2-40B4-BE49-F238E27FC236}">
+                <a16:creationId xmlns:a16="http://schemas.microsoft.com/office/drawing/2014/main" id="{0250A560-B28B-4001-A522-DA71B66EC7C7}"/>
+              </a:ext>
+            </a:extLst>
+          </p:cNvPr>
+          <p:cNvSpPr txBox="1"/>
+          <p:nvPr/>
+        </p:nvSpPr>
+        <p:spPr>
+          <a:xfrm>
+            <a:off x="681026" y="5948106"/>
+            <a:ext cx="10820400" cy="865173"/>
+          </a:xfrm>
+          <a:prstGeom prst="rect">
+            <a:avLst/>
+          </a:prstGeom>
+          <a:noFill/>
+        </p:spPr>
+        <p:txBody>
+          <a:bodyPr wrap="square">
+            <a:spAutoFit/>
+          </a:bodyPr>
+          <a:lstStyle/>
+          <a:p>
+            <a:pPr marL="0" marR="0" algn="ctr">
+              <a:lnSpc>
+                <a:spcPct val="107000"/>
+              </a:lnSpc>
+              <a:spcBef>
+                <a:spcPts val="0"/>
+              </a:spcBef>
+              <a:spcAft>
+                <a:spcPts val="0"/>
+              </a:spcAft>
+            </a:pPr>
+            <a:r>
+              <a:rPr lang="bg-BG" sz="2400" dirty="0">
+                <a:effectLst/>
+                <a:latin typeface="Calibri" panose="020F0502020204030204" pitchFamily="34" charset="0"/>
+                <a:ea typeface="Calibri" panose="020F0502020204030204" pitchFamily="34" charset="0"/>
+                <a:cs typeface="Times New Roman" panose="02020603050405020304" pitchFamily="18" charset="0"/>
+              </a:rPr>
+              <a:t>Тествайте в </a:t>
+            </a:r>
+            <a:r>
+              <a:rPr lang="en-US" sz="2400" dirty="0">
+                <a:effectLst/>
+                <a:latin typeface="Calibri" panose="020F0502020204030204" pitchFamily="34" charset="0"/>
+                <a:ea typeface="Calibri" panose="020F0502020204030204" pitchFamily="34" charset="0"/>
+                <a:cs typeface="Times New Roman" panose="02020603050405020304" pitchFamily="18" charset="0"/>
+              </a:rPr>
+              <a:t>Judge:</a:t>
+            </a:r>
+          </a:p>
+          <a:p>
+            <a:pPr marL="0" marR="0" algn="ctr">
+              <a:lnSpc>
+                <a:spcPct val="107000"/>
+              </a:lnSpc>
+              <a:spcBef>
+                <a:spcPts val="0"/>
+              </a:spcBef>
+              <a:spcAft>
+                <a:spcPts val="0"/>
+              </a:spcAft>
+            </a:pPr>
+            <a:r>
+              <a:rPr lang="bg-BG" sz="2400" u="sng" dirty="0">
+                <a:solidFill>
+                  <a:srgbClr val="0563C1"/>
+                </a:solidFill>
+                <a:effectLst/>
+                <a:latin typeface="Calibri" panose="020F0502020204030204" pitchFamily="34" charset="0"/>
+                <a:ea typeface="Calibri" panose="020F0502020204030204" pitchFamily="34" charset="0"/>
+                <a:cs typeface="Times New Roman" panose="02020603050405020304" pitchFamily="18" charset="0"/>
+                <a:hlinkClick r:id="rId2"/>
+              </a:rPr>
+              <a:t>https://judge.softuni.bg/Contests/2644/Връщане-на-резултат-и-варианти-на-метод</a:t>
+            </a:r>
+            <a:endParaRPr lang="en-US" sz="2400" dirty="0">
+              <a:effectLst/>
+              <a:latin typeface="Calibri" panose="020F0502020204030204" pitchFamily="34" charset="0"/>
+              <a:ea typeface="Calibri" panose="020F0502020204030204" pitchFamily="34" charset="0"/>
+              <a:cs typeface="Times New Roman" panose="02020603050405020304" pitchFamily="18" charset="0"/>
             </a:endParaRPr>
           </a:p>
         </p:txBody>
@@ -11809,7 +11993,7 @@
         </p:nvSpPr>
         <p:spPr bwMode="auto">
           <a:xfrm>
-            <a:off x="2415001" y="4966082"/>
+            <a:off x="2415001" y="4762500"/>
             <a:ext cx="3209326" cy="1166061"/>
           </a:xfrm>
           <a:prstGeom prst="rect">
@@ -11958,7 +12142,7 @@
         </p:nvSpPr>
         <p:spPr bwMode="auto">
           <a:xfrm>
-            <a:off x="227012" y="4979164"/>
+            <a:off x="220849" y="4775582"/>
             <a:ext cx="1557628" cy="1139898"/>
           </a:xfrm>
           <a:prstGeom prst="rect">
@@ -12019,7 +12203,7 @@
         </p:nvSpPr>
         <p:spPr>
           <a:xfrm>
-            <a:off x="1898675" y="5358613"/>
+            <a:off x="1919211" y="5155031"/>
             <a:ext cx="457200" cy="381000"/>
           </a:xfrm>
           <a:prstGeom prst="rightArrow">
@@ -12061,7 +12245,7 @@
         </p:nvSpPr>
         <p:spPr bwMode="auto">
           <a:xfrm>
-            <a:off x="6275419" y="4953001"/>
+            <a:off x="6304903" y="4775582"/>
             <a:ext cx="3369873" cy="1166061"/>
           </a:xfrm>
           <a:prstGeom prst="rect">
@@ -12208,7 +12392,7 @@
         </p:nvSpPr>
         <p:spPr>
           <a:xfrm>
-            <a:off x="5744525" y="5345532"/>
+            <a:off x="5744582" y="5155031"/>
             <a:ext cx="457200" cy="381000"/>
           </a:xfrm>
           <a:prstGeom prst="rightArrow">
@@ -12248,7 +12432,7 @@
         </p:nvSpPr>
         <p:spPr>
           <a:xfrm>
-            <a:off x="9722472" y="5345531"/>
+            <a:off x="9777897" y="5155031"/>
             <a:ext cx="457200" cy="381000"/>
           </a:xfrm>
           <a:prstGeom prst="rightArrow">
@@ -12290,7 +12474,7 @@
         </p:nvSpPr>
         <p:spPr bwMode="auto">
           <a:xfrm>
-            <a:off x="10296384" y="4953000"/>
+            <a:off x="10320687" y="4765965"/>
             <a:ext cx="1460136" cy="1166062"/>
           </a:xfrm>
           <a:prstGeom prst="rect">
@@ -12399,6 +12583,98 @@
                   <a:tint val="75000"/>
                 </a:prstClr>
               </a:solidFill>
+            </a:endParaRPr>
+          </a:p>
+        </p:txBody>
+      </p:sp>
+      <p:sp>
+        <p:nvSpPr>
+          <p:cNvPr id="2" name="Текстово поле 1">
+            <a:extLst>
+              <a:ext uri="{FF2B5EF4-FFF2-40B4-BE49-F238E27FC236}">
+                <a16:creationId xmlns:a16="http://schemas.microsoft.com/office/drawing/2014/main" id="{C77DAC6B-89F3-4EF9-AFBE-D6508E28F53D}"/>
+              </a:ext>
+            </a:extLst>
+          </p:cNvPr>
+          <p:cNvSpPr txBox="1"/>
+          <p:nvPr/>
+        </p:nvSpPr>
+        <p:spPr>
+          <a:xfrm>
+            <a:off x="681026" y="5941643"/>
+            <a:ext cx="10820400" cy="865173"/>
+          </a:xfrm>
+          <a:prstGeom prst="rect">
+            <a:avLst/>
+          </a:prstGeom>
+          <a:noFill/>
+        </p:spPr>
+        <p:txBody>
+          <a:bodyPr wrap="square">
+            <a:spAutoFit/>
+          </a:bodyPr>
+          <a:lstStyle/>
+          <a:p>
+            <a:pPr marL="0" marR="0" algn="ctr">
+              <a:lnSpc>
+                <a:spcPct val="107000"/>
+              </a:lnSpc>
+              <a:spcBef>
+                <a:spcPts val="0"/>
+              </a:spcBef>
+              <a:spcAft>
+                <a:spcPts val="0"/>
+              </a:spcAft>
+            </a:pPr>
+            <a:r>
+              <a:rPr lang="bg-BG" sz="2400" dirty="0">
+                <a:effectLst/>
+                <a:latin typeface="Calibri" panose="020F0502020204030204" pitchFamily="34" charset="0"/>
+                <a:ea typeface="Calibri" panose="020F0502020204030204" pitchFamily="34" charset="0"/>
+                <a:cs typeface="Times New Roman" panose="02020603050405020304" pitchFamily="18" charset="0"/>
+              </a:rPr>
+              <a:t>Тествайте в </a:t>
+            </a:r>
+            <a:r>
+              <a:rPr lang="en-US" sz="2400" dirty="0">
+                <a:effectLst/>
+                <a:latin typeface="Calibri" panose="020F0502020204030204" pitchFamily="34" charset="0"/>
+                <a:ea typeface="Calibri" panose="020F0502020204030204" pitchFamily="34" charset="0"/>
+                <a:cs typeface="Times New Roman" panose="02020603050405020304" pitchFamily="18" charset="0"/>
+              </a:rPr>
+              <a:t>Judge:</a:t>
+            </a:r>
+          </a:p>
+          <a:p>
+            <a:pPr marL="0" marR="0" algn="ctr">
+              <a:lnSpc>
+                <a:spcPct val="107000"/>
+              </a:lnSpc>
+              <a:spcBef>
+                <a:spcPts val="0"/>
+              </a:spcBef>
+              <a:spcAft>
+                <a:spcPts val="0"/>
+              </a:spcAft>
+            </a:pPr>
+            <a:r>
+              <a:rPr lang="bg-BG" sz="2400" u="sng" dirty="0">
+                <a:solidFill>
+                  <a:srgbClr val="0563C1"/>
+                </a:solidFill>
+                <a:effectLst/>
+                <a:latin typeface="Calibri" panose="020F0502020204030204" pitchFamily="34" charset="0"/>
+                <a:ea typeface="Calibri" panose="020F0502020204030204" pitchFamily="34" charset="0"/>
+                <a:cs typeface="Times New Roman" panose="02020603050405020304" pitchFamily="18" charset="0"/>
+                <a:hlinkClick r:id="rId2"/>
+              </a:rPr>
+              <a:t>https://judge.softuni.bg/Contests/2644/Връщане-на-резултат-и-варианти-на-метод</a:t>
+            </a:r>
+            <a:endParaRPr lang="en-US" sz="2400" dirty="0">
+              <a:effectLst/>
+              <a:latin typeface="Calibri" panose="020F0502020204030204" pitchFamily="34" charset="0"/>
+              <a:ea typeface="Calibri" panose="020F0502020204030204" pitchFamily="34" charset="0"/>
+              <a:cs typeface="Times New Roman" panose="02020603050405020304" pitchFamily="18" charset="0"/>
             </a:endParaRPr>
           </a:p>
         </p:txBody>
@@ -14460,12 +14736,8 @@
               <a:t> </a:t>
             </a:r>
             <a:r>
-              <a:rPr lang="bg-BG" sz="3200" dirty="0" err="1"/>
-              <a:t>тип,съвместим</a:t>
-            </a:r>
-            <a:r>
               <a:rPr lang="bg-BG" sz="3200" dirty="0"/>
-              <a:t> с </a:t>
+              <a:t>тип, съвместим с </a:t>
             </a:r>
             <a:r>
               <a:rPr lang="bg-BG" sz="3200" dirty="0">
@@ -14509,7 +14781,7 @@
               <a:t> на </a:t>
             </a:r>
             <a:r>
-              <a:rPr lang="ru-RU" dirty="0" err="1"/>
+              <a:rPr lang="bg-BG" dirty="0"/>
               <a:t>връщаната</a:t>
             </a:r>
             <a:r>
@@ -18132,11 +18404,7 @@
             </a:r>
             <a:r>
               <a:rPr lang="bg-BG" dirty="0"/>
-              <a:t>Л</a:t>
-            </a:r>
-            <a:r>
-              <a:rPr lang="ru-RU" dirty="0" err="1"/>
-              <a:t>ице</a:t>
+              <a:t>Лице</a:t>
             </a:r>
             <a:r>
               <a:rPr lang="ru-RU" dirty="0"/>
@@ -19105,7 +19373,7 @@
         </p:nvSpPr>
         <p:spPr>
           <a:xfrm>
-            <a:off x="835024" y="4038600"/>
+            <a:off x="833426" y="3928058"/>
             <a:ext cx="10515600" cy="2064769"/>
           </a:xfrm>
           <a:prstGeom prst="rect">
@@ -19438,6 +19706,98 @@
                   <a:tint val="75000"/>
                 </a:prstClr>
               </a:solidFill>
+            </a:endParaRPr>
+          </a:p>
+        </p:txBody>
+      </p:sp>
+      <p:sp>
+        <p:nvSpPr>
+          <p:cNvPr id="9" name="Текстово поле 8">
+            <a:extLst>
+              <a:ext uri="{FF2B5EF4-FFF2-40B4-BE49-F238E27FC236}">
+                <a16:creationId xmlns:a16="http://schemas.microsoft.com/office/drawing/2014/main" id="{B775C725-2D35-46A8-AC07-A0FDF9684789}"/>
+              </a:ext>
+            </a:extLst>
+          </p:cNvPr>
+          <p:cNvSpPr txBox="1"/>
+          <p:nvPr/>
+        </p:nvSpPr>
+        <p:spPr>
+          <a:xfrm>
+            <a:off x="681026" y="5992827"/>
+            <a:ext cx="10820400" cy="865173"/>
+          </a:xfrm>
+          <a:prstGeom prst="rect">
+            <a:avLst/>
+          </a:prstGeom>
+          <a:noFill/>
+        </p:spPr>
+        <p:txBody>
+          <a:bodyPr wrap="square">
+            <a:spAutoFit/>
+          </a:bodyPr>
+          <a:lstStyle/>
+          <a:p>
+            <a:pPr marL="0" marR="0" algn="ctr">
+              <a:lnSpc>
+                <a:spcPct val="107000"/>
+              </a:lnSpc>
+              <a:spcBef>
+                <a:spcPts val="0"/>
+              </a:spcBef>
+              <a:spcAft>
+                <a:spcPts val="0"/>
+              </a:spcAft>
+            </a:pPr>
+            <a:r>
+              <a:rPr lang="bg-BG" sz="2400" dirty="0">
+                <a:effectLst/>
+                <a:latin typeface="Calibri" panose="020F0502020204030204" pitchFamily="34" charset="0"/>
+                <a:ea typeface="Calibri" panose="020F0502020204030204" pitchFamily="34" charset="0"/>
+                <a:cs typeface="Times New Roman" panose="02020603050405020304" pitchFamily="18" charset="0"/>
+              </a:rPr>
+              <a:t>Тествайте в </a:t>
+            </a:r>
+            <a:r>
+              <a:rPr lang="en-US" sz="2400" dirty="0">
+                <a:effectLst/>
+                <a:latin typeface="Calibri" panose="020F0502020204030204" pitchFamily="34" charset="0"/>
+                <a:ea typeface="Calibri" panose="020F0502020204030204" pitchFamily="34" charset="0"/>
+                <a:cs typeface="Times New Roman" panose="02020603050405020304" pitchFamily="18" charset="0"/>
+              </a:rPr>
+              <a:t>Judge:</a:t>
+            </a:r>
+          </a:p>
+          <a:p>
+            <a:pPr marL="0" marR="0" algn="ctr">
+              <a:lnSpc>
+                <a:spcPct val="107000"/>
+              </a:lnSpc>
+              <a:spcBef>
+                <a:spcPts val="0"/>
+              </a:spcBef>
+              <a:spcAft>
+                <a:spcPts val="0"/>
+              </a:spcAft>
+            </a:pPr>
+            <a:r>
+              <a:rPr lang="bg-BG" sz="2400" u="sng" dirty="0">
+                <a:solidFill>
+                  <a:srgbClr val="0563C1"/>
+                </a:solidFill>
+                <a:effectLst/>
+                <a:latin typeface="Calibri" panose="020F0502020204030204" pitchFamily="34" charset="0"/>
+                <a:ea typeface="Calibri" panose="020F0502020204030204" pitchFamily="34" charset="0"/>
+                <a:cs typeface="Times New Roman" panose="02020603050405020304" pitchFamily="18" charset="0"/>
+                <a:hlinkClick r:id="rId2"/>
+              </a:rPr>
+              <a:t>https://judge.softuni.bg/Contests/2644/Връщане-на-резултат-и-варианти-на-метод</a:t>
+            </a:r>
+            <a:endParaRPr lang="en-US" sz="2400" dirty="0">
+              <a:effectLst/>
+              <a:latin typeface="Calibri" panose="020F0502020204030204" pitchFamily="34" charset="0"/>
+              <a:ea typeface="Calibri" panose="020F0502020204030204" pitchFamily="34" charset="0"/>
+              <a:cs typeface="Times New Roman" panose="02020603050405020304" pitchFamily="18" charset="0"/>
             </a:endParaRPr>
           </a:p>
         </p:txBody>

--- a/Courses/Applied-Programmer/Programming-Basics/05-Подпрограми/15.Връщане-на-резултат-и-варианти-на-метод.pptx
+++ b/Courses/Applied-Programmer/Programming-Basics/05-Подпрограми/15.Връщане-на-резултат-и-варианти-на-метод.pptx
@@ -321,7 +321,7 @@
             <a:fld id="{FE5B4EDC-59C0-49C7-8ADA-5A781B329E02}" type="datetimeFigureOut">
               <a:rPr lang="en-US"/>
               <a:pPr/>
-              <a:t>09-Nov-20</a:t>
+              <a:t>10-Nov-20</a:t>
             </a:fld>
             <a:endParaRPr dirty="0"/>
           </a:p>
@@ -619,7 +619,7 @@
             <a:fld id="{F2D8D46A-B586-417D-BFBD-8C8FE0AAF762}" type="datetimeFigureOut">
               <a:rPr lang="en-US" smtClean="0"/>
               <a:pPr/>
-              <a:t>09-Nov-20</a:t>
+              <a:t>10-Nov-20</a:t>
             </a:fld>
             <a:endParaRPr lang="en-US" dirty="0"/>
           </a:p>
@@ -11963,7 +11963,7 @@
         <p:spPr/>
         <p:txBody>
           <a:bodyPr>
-            <a:normAutofit fontScale="90000"/>
+            <a:normAutofit/>
           </a:bodyPr>
           <a:lstStyle/>
           <a:p>
@@ -14773,7 +14773,7 @@
           <a:lstStyle/>
           <a:p>
             <a:r>
-              <a:rPr lang="ru-RU" dirty="0" err="1"/>
+              <a:rPr lang="bg-BG" dirty="0"/>
               <a:t>Типове</a:t>
             </a:r>
             <a:r>
@@ -15967,7 +15967,7 @@
               <a:rPr lang="en-US" dirty="0">
                 <a:latin typeface="Consolas" panose="020B0609020204030204" pitchFamily="49" charset="0"/>
               </a:rPr>
-              <a:t>Return</a:t>
+              <a:t>return</a:t>
             </a:r>
             <a:endParaRPr lang="en-US" dirty="0"/>
           </a:p>
@@ -16933,26 +16933,9 @@
           <a:lstStyle/>
           <a:p>
             <a:r>
-              <a:rPr lang="ru-RU" dirty="0" err="1"/>
-              <a:t>Употреба</a:t>
-            </a:r>
-            <a:r>
-              <a:rPr lang="ru-RU" dirty="0"/>
-              <a:t> на </a:t>
-            </a:r>
-            <a:r>
-              <a:rPr lang="ru-RU" dirty="0" err="1"/>
-              <a:t>връщаната</a:t>
-            </a:r>
-            <a:r>
-              <a:rPr lang="ru-RU" dirty="0"/>
-              <a:t> </a:t>
-            </a:r>
-            <a:r>
-              <a:rPr lang="ru-RU" dirty="0" err="1"/>
-              <a:t>стойност</a:t>
-            </a:r>
-            <a:endParaRPr lang="ru-RU" dirty="0"/>
+              <a:rPr lang="bg-BG" dirty="0"/>
+              <a:t>Употреба на връщаната стойност</a:t>
+            </a:r>
           </a:p>
         </p:txBody>
       </p:sp>
@@ -17373,16 +17356,13 @@
           <a:p>
             <a:r>
               <a:rPr lang="en-US" dirty="0"/>
-              <a:t>decimal total = </a:t>
-            </a:r>
-            <a:r>
-              <a:rPr lang="en-US" dirty="0" err="1"/>
-              <a:t>GetPrice</a:t>
-            </a:r>
-            <a:r>
-              <a:rPr lang="en-US" dirty="0"/>
-              <a:t>() * quantity * 1.20m;</a:t>
-            </a:r>
+              <a:t>decimal total </a:t>
+            </a:r>
+            <a:r>
+              <a:rPr lang="en-US"/>
+              <a:t>= GetPrice() * quantity * 1.20m;</a:t>
+            </a:r>
+            <a:endParaRPr lang="en-US" dirty="0"/>
           </a:p>
         </p:txBody>
       </p:sp>
@@ -17589,29 +17569,10 @@
           </a:lstStyle>
           <a:p>
             <a:r>
-              <a:rPr lang="en-US" dirty="0" err="1"/>
-              <a:t>int</a:t>
-            </a:r>
-            <a:r>
-              <a:rPr lang="en-US" dirty="0"/>
-              <a:t> age = </a:t>
-            </a:r>
-            <a:r>
-              <a:rPr lang="en-US" dirty="0" err="1"/>
-              <a:t>int.Parse</a:t>
-            </a:r>
-            <a:r>
-              <a:rPr lang="en-US" dirty="0"/>
-              <a:t>(</a:t>
-            </a:r>
-            <a:r>
-              <a:rPr lang="en-US" dirty="0" err="1"/>
-              <a:t>Console.ReadLine</a:t>
-            </a:r>
-            <a:r>
-              <a:rPr lang="en-US" dirty="0"/>
-              <a:t>());</a:t>
-            </a:r>
+              <a:rPr lang="en-US"/>
+              <a:t>int age = int.Parse(Console.ReadLine());</a:t>
+            </a:r>
+            <a:endParaRPr lang="en-US" dirty="0"/>
           </a:p>
         </p:txBody>
       </p:sp>

--- a/Courses/Applied-Programmer/Programming-Basics/05-Подпрограми/15.Връщане-на-резултат-и-варианти-на-метод.pptx
+++ b/Courses/Applied-Programmer/Programming-Basics/05-Подпрограми/15.Връщане-на-резултат-и-варианти-на-метод.pptx
@@ -321,7 +321,7 @@
             <a:fld id="{FE5B4EDC-59C0-49C7-8ADA-5A781B329E02}" type="datetimeFigureOut">
               <a:rPr lang="en-US"/>
               <a:pPr/>
-              <a:t>10-Nov-20</a:t>
+              <a:t>11-Nov-20</a:t>
             </a:fld>
             <a:endParaRPr dirty="0"/>
           </a:p>
@@ -619,7 +619,7 @@
             <a:fld id="{F2D8D46A-B586-417D-BFBD-8C8FE0AAF762}" type="datetimeFigureOut">
               <a:rPr lang="en-US" smtClean="0"/>
               <a:pPr/>
-              <a:t>10-Nov-20</a:t>
+              <a:t>11-Nov-20</a:t>
             </a:fld>
             <a:endParaRPr lang="en-US" dirty="0"/>
           </a:p>
@@ -4142,7 +4142,7 @@
         </p:blipFill>
         <p:spPr bwMode="auto">
           <a:xfrm>
-            <a:off x="745783" y="4076772"/>
+            <a:off x="838420" y="4390770"/>
             <a:ext cx="2175525" cy="761165"/>
           </a:xfrm>
           <a:prstGeom prst="roundRect">
@@ -4181,7 +4181,7 @@
         </p:nvSpPr>
         <p:spPr bwMode="auto">
           <a:xfrm>
-            <a:off x="760413" y="4998598"/>
+            <a:off x="783685" y="5184219"/>
             <a:ext cx="3187614" cy="444343"/>
           </a:xfrm>
           <a:prstGeom prst="rect">
@@ -4416,7 +4416,7 @@
               <a:t>Учителски</a:t>
             </a:r>
             <a:r>
-              <a:rPr lang="bg-BG"/>
+              <a:rPr lang="bg-BG" dirty="0"/>
               <a:t> екип</a:t>
             </a:r>
           </a:p>
@@ -4438,7 +4438,7 @@
         </p:nvSpPr>
         <p:spPr bwMode="auto">
           <a:xfrm>
-            <a:off x="760412" y="5403725"/>
+            <a:off x="793935" y="5548857"/>
             <a:ext cx="3187613" cy="382788"/>
           </a:xfrm>
           <a:prstGeom prst="rect">
@@ -4672,7 +4672,7 @@
           </a:lstStyle>
           <a:p>
             <a:r>
-              <a:rPr lang="bg-BG"/>
+              <a:rPr lang="bg-BG" dirty="0"/>
               <a:t>Обучение за ИТ кариера</a:t>
             </a:r>
           </a:p>
@@ -4694,7 +4694,7 @@
         </p:nvSpPr>
         <p:spPr bwMode="auto">
           <a:xfrm>
-            <a:off x="760412" y="5690893"/>
+            <a:off x="760412" y="5871159"/>
             <a:ext cx="3810000" cy="458462"/>
           </a:xfrm>
           <a:prstGeom prst="rect">
@@ -4925,12 +4925,12 @@
           </a:lstStyle>
           <a:p>
             <a:r>
-              <a:rPr lang="en-GB">
+              <a:rPr lang="en-GB" dirty="0">
                 <a:hlinkClick r:id="rId6"/>
               </a:rPr>
               <a:t>https://it-kariera.mon.bg/e-learning/</a:t>
             </a:r>
-            <a:endParaRPr lang="en-GB"/>
+            <a:endParaRPr lang="en-GB" dirty="0"/>
           </a:p>
         </p:txBody>
       </p:sp>
@@ -5074,6 +5074,138 @@
           </a:prstGeom>
         </p:spPr>
       </p:pic>
+      <p:sp>
+        <p:nvSpPr>
+          <p:cNvPr id="11" name="Текстово поле 1">
+            <a:extLst>
+              <a:ext uri="{FF2B5EF4-FFF2-40B4-BE49-F238E27FC236}">
+                <a16:creationId xmlns:a16="http://schemas.microsoft.com/office/drawing/2014/main" id="{B398007E-9BC4-479A-87BF-1B270134F51F}"/>
+              </a:ext>
+            </a:extLst>
+          </p:cNvPr>
+          <p:cNvSpPr txBox="1"/>
+          <p:nvPr/>
+        </p:nvSpPr>
+        <p:spPr>
+          <a:xfrm>
+            <a:off x="708684" y="6292514"/>
+            <a:ext cx="11216029" cy="369332"/>
+          </a:xfrm>
+          <a:prstGeom prst="rect">
+            <a:avLst/>
+          </a:prstGeom>
+          <a:noFill/>
+        </p:spPr>
+        <p:txBody>
+          <a:bodyPr wrap="square" rtlCol="0">
+            <a:spAutoFit/>
+          </a:bodyPr>
+          <a:lstStyle>
+            <a:defPPr>
+              <a:defRPr lang="en-US"/>
+            </a:defPPr>
+            <a:lvl1pPr marL="0" algn="l" defTabSz="1218987" rtl="0" eaLnBrk="1" latinLnBrk="0" hangingPunct="1">
+              <a:defRPr sz="2400" kern="1200">
+                <a:solidFill>
+                  <a:schemeClr val="tx1"/>
+                </a:solidFill>
+                <a:latin typeface="+mn-lt"/>
+                <a:ea typeface="+mn-ea"/>
+                <a:cs typeface="+mn-cs"/>
+              </a:defRPr>
+            </a:lvl1pPr>
+            <a:lvl2pPr marL="609493" algn="l" defTabSz="1218987" rtl="0" eaLnBrk="1" latinLnBrk="0" hangingPunct="1">
+              <a:defRPr sz="2400" kern="1200">
+                <a:solidFill>
+                  <a:schemeClr val="tx1"/>
+                </a:solidFill>
+                <a:latin typeface="+mn-lt"/>
+                <a:ea typeface="+mn-ea"/>
+                <a:cs typeface="+mn-cs"/>
+              </a:defRPr>
+            </a:lvl2pPr>
+            <a:lvl3pPr marL="1218987" algn="l" defTabSz="1218987" rtl="0" eaLnBrk="1" latinLnBrk="0" hangingPunct="1">
+              <a:defRPr sz="2400" kern="1200">
+                <a:solidFill>
+                  <a:schemeClr val="tx1"/>
+                </a:solidFill>
+                <a:latin typeface="+mn-lt"/>
+                <a:ea typeface="+mn-ea"/>
+                <a:cs typeface="+mn-cs"/>
+              </a:defRPr>
+            </a:lvl3pPr>
+            <a:lvl4pPr marL="1828480" algn="l" defTabSz="1218987" rtl="0" eaLnBrk="1" latinLnBrk="0" hangingPunct="1">
+              <a:defRPr sz="2400" kern="1200">
+                <a:solidFill>
+                  <a:schemeClr val="tx1"/>
+                </a:solidFill>
+                <a:latin typeface="+mn-lt"/>
+                <a:ea typeface="+mn-ea"/>
+                <a:cs typeface="+mn-cs"/>
+              </a:defRPr>
+            </a:lvl4pPr>
+            <a:lvl5pPr marL="2437973" algn="l" defTabSz="1218987" rtl="0" eaLnBrk="1" latinLnBrk="0" hangingPunct="1">
+              <a:defRPr sz="2400" kern="1200">
+                <a:solidFill>
+                  <a:schemeClr val="tx1"/>
+                </a:solidFill>
+                <a:latin typeface="+mn-lt"/>
+                <a:ea typeface="+mn-ea"/>
+                <a:cs typeface="+mn-cs"/>
+              </a:defRPr>
+            </a:lvl5pPr>
+            <a:lvl6pPr marL="3047467" algn="l" defTabSz="1218987" rtl="0" eaLnBrk="1" latinLnBrk="0" hangingPunct="1">
+              <a:defRPr sz="2400" kern="1200">
+                <a:solidFill>
+                  <a:schemeClr val="tx1"/>
+                </a:solidFill>
+                <a:latin typeface="+mn-lt"/>
+                <a:ea typeface="+mn-ea"/>
+                <a:cs typeface="+mn-cs"/>
+              </a:defRPr>
+            </a:lvl6pPr>
+            <a:lvl7pPr marL="3656960" algn="l" defTabSz="1218987" rtl="0" eaLnBrk="1" latinLnBrk="0" hangingPunct="1">
+              <a:defRPr sz="2400" kern="1200">
+                <a:solidFill>
+                  <a:schemeClr val="tx1"/>
+                </a:solidFill>
+                <a:latin typeface="+mn-lt"/>
+                <a:ea typeface="+mn-ea"/>
+                <a:cs typeface="+mn-cs"/>
+              </a:defRPr>
+            </a:lvl7pPr>
+            <a:lvl8pPr marL="4266453" algn="l" defTabSz="1218987" rtl="0" eaLnBrk="1" latinLnBrk="0" hangingPunct="1">
+              <a:defRPr sz="2400" kern="1200">
+                <a:solidFill>
+                  <a:schemeClr val="tx1"/>
+                </a:solidFill>
+                <a:latin typeface="+mn-lt"/>
+                <a:ea typeface="+mn-ea"/>
+                <a:cs typeface="+mn-cs"/>
+              </a:defRPr>
+            </a:lvl8pPr>
+            <a:lvl9pPr marL="4875947" algn="l" defTabSz="1218987" rtl="0" eaLnBrk="1" latinLnBrk="0" hangingPunct="1">
+              <a:defRPr sz="2400" kern="1200">
+                <a:solidFill>
+                  <a:schemeClr val="tx1"/>
+                </a:solidFill>
+                <a:latin typeface="+mn-lt"/>
+                <a:ea typeface="+mn-ea"/>
+                <a:cs typeface="+mn-cs"/>
+              </a:defRPr>
+            </a:lvl9pPr>
+          </a:lstStyle>
+          <a:p>
+            <a:r>
+              <a:rPr lang="en-US" sz="1800" b="1" dirty="0">
+                <a:hlinkClick r:id="rId8"/>
+              </a:rPr>
+              <a:t>https://github.com/BG-IT-Edu/School-Programming/tree/main/Courses/Applied-Programmer/Programming-Basics</a:t>
+            </a:r>
+            <a:endParaRPr lang="bg-BG" sz="1800" b="1" dirty="0"/>
+          </a:p>
+        </p:txBody>
+      </p:sp>
     </p:spTree>
     <p:extLst>
       <p:ext uri="{BB962C8B-B14F-4D97-AF65-F5344CB8AC3E}">
@@ -6090,6 +6222,667 @@
   <p:clrMapOvr>
     <a:masterClrMapping/>
   </p:clrMapOvr>
+  <p:timing>
+    <p:tnLst>
+      <p:par>
+        <p:cTn id="1" dur="indefinite" restart="never" nodeType="tmRoot">
+          <p:childTnLst>
+            <p:seq concurrent="1" nextAc="seek">
+              <p:cTn id="2" dur="indefinite" nodeType="mainSeq">
+                <p:childTnLst>
+                  <p:par>
+                    <p:cTn id="3" fill="hold">
+                      <p:stCondLst>
+                        <p:cond delay="indefinite"/>
+                      </p:stCondLst>
+                      <p:childTnLst>
+                        <p:par>
+                          <p:cTn id="4" fill="hold">
+                            <p:stCondLst>
+                              <p:cond delay="0"/>
+                            </p:stCondLst>
+                            <p:childTnLst>
+                              <p:par>
+                                <p:cTn id="5" presetID="1" presetClass="entr" presetSubtype="0" fill="hold" grpId="0" nodeType="clickEffect">
+                                  <p:stCondLst>
+                                    <p:cond delay="0"/>
+                                  </p:stCondLst>
+                                  <p:childTnLst>
+                                    <p:set>
+                                      <p:cBhvr>
+                                        <p:cTn id="6" dur="1" fill="hold">
+                                          <p:stCondLst>
+                                            <p:cond delay="0"/>
+                                          </p:stCondLst>
+                                        </p:cTn>
+                                        <p:tgtEl>
+                                          <p:spTgt spid="11"/>
+                                        </p:tgtEl>
+                                        <p:attrNameLst>
+                                          <p:attrName>style.visibility</p:attrName>
+                                        </p:attrNameLst>
+                                      </p:cBhvr>
+                                      <p:to>
+                                        <p:strVal val="visible"/>
+                                      </p:to>
+                                    </p:set>
+                                  </p:childTnLst>
+                                </p:cTn>
+                              </p:par>
+                              <p:par>
+                                <p:cTn id="7" presetID="1" presetClass="entr" presetSubtype="0" fill="hold" grpId="0" nodeType="withEffect">
+                                  <p:stCondLst>
+                                    <p:cond delay="0"/>
+                                  </p:stCondLst>
+                                  <p:childTnLst>
+                                    <p:set>
+                                      <p:cBhvr>
+                                        <p:cTn id="8" dur="1" fill="hold">
+                                          <p:stCondLst>
+                                            <p:cond delay="0"/>
+                                          </p:stCondLst>
+                                        </p:cTn>
+                                        <p:tgtEl>
+                                          <p:spTgt spid="12"/>
+                                        </p:tgtEl>
+                                        <p:attrNameLst>
+                                          <p:attrName>style.visibility</p:attrName>
+                                        </p:attrNameLst>
+                                      </p:cBhvr>
+                                      <p:to>
+                                        <p:strVal val="visible"/>
+                                      </p:to>
+                                    </p:set>
+                                  </p:childTnLst>
+                                </p:cTn>
+                              </p:par>
+                              <p:par>
+                                <p:cTn id="9" presetID="1" presetClass="entr" presetSubtype="0" fill="hold" grpId="0" nodeType="withEffect">
+                                  <p:stCondLst>
+                                    <p:cond delay="0"/>
+                                  </p:stCondLst>
+                                  <p:childTnLst>
+                                    <p:set>
+                                      <p:cBhvr>
+                                        <p:cTn id="10" dur="1" fill="hold">
+                                          <p:stCondLst>
+                                            <p:cond delay="0"/>
+                                          </p:stCondLst>
+                                        </p:cTn>
+                                        <p:tgtEl>
+                                          <p:spTgt spid="10"/>
+                                        </p:tgtEl>
+                                        <p:attrNameLst>
+                                          <p:attrName>style.visibility</p:attrName>
+                                        </p:attrNameLst>
+                                      </p:cBhvr>
+                                      <p:to>
+                                        <p:strVal val="visible"/>
+                                      </p:to>
+                                    </p:set>
+                                  </p:childTnLst>
+                                </p:cTn>
+                              </p:par>
+                            </p:childTnLst>
+                          </p:cTn>
+                        </p:par>
+                      </p:childTnLst>
+                    </p:cTn>
+                  </p:par>
+                  <p:par>
+                    <p:cTn id="11" fill="hold">
+                      <p:stCondLst>
+                        <p:cond delay="indefinite"/>
+                      </p:stCondLst>
+                      <p:childTnLst>
+                        <p:par>
+                          <p:cTn id="12" fill="hold">
+                            <p:stCondLst>
+                              <p:cond delay="0"/>
+                            </p:stCondLst>
+                            <p:childTnLst>
+                              <p:par>
+                                <p:cTn id="13" presetID="1" presetClass="entr" presetSubtype="0" fill="hold" grpId="0" nodeType="clickEffect">
+                                  <p:stCondLst>
+                                    <p:cond delay="0"/>
+                                  </p:stCondLst>
+                                  <p:childTnLst>
+                                    <p:set>
+                                      <p:cBhvr>
+                                        <p:cTn id="14" dur="1" fill="hold">
+                                          <p:stCondLst>
+                                            <p:cond delay="0"/>
+                                          </p:stCondLst>
+                                        </p:cTn>
+                                        <p:tgtEl>
+                                          <p:spTgt spid="7"/>
+                                        </p:tgtEl>
+                                        <p:attrNameLst>
+                                          <p:attrName>style.visibility</p:attrName>
+                                        </p:attrNameLst>
+                                      </p:cBhvr>
+                                      <p:to>
+                                        <p:strVal val="visible"/>
+                                      </p:to>
+                                    </p:set>
+                                  </p:childTnLst>
+                                </p:cTn>
+                              </p:par>
+                              <p:par>
+                                <p:cTn id="15" presetID="1" presetClass="entr" presetSubtype="0" fill="hold" grpId="0" nodeType="withEffect">
+                                  <p:stCondLst>
+                                    <p:cond delay="0"/>
+                                  </p:stCondLst>
+                                  <p:childTnLst>
+                                    <p:set>
+                                      <p:cBhvr>
+                                        <p:cTn id="16" dur="1" fill="hold">
+                                          <p:stCondLst>
+                                            <p:cond delay="0"/>
+                                          </p:stCondLst>
+                                        </p:cTn>
+                                        <p:tgtEl>
+                                          <p:spTgt spid="8"/>
+                                        </p:tgtEl>
+                                        <p:attrNameLst>
+                                          <p:attrName>style.visibility</p:attrName>
+                                        </p:attrNameLst>
+                                      </p:cBhvr>
+                                      <p:to>
+                                        <p:strVal val="visible"/>
+                                      </p:to>
+                                    </p:set>
+                                  </p:childTnLst>
+                                </p:cTn>
+                              </p:par>
+                              <p:par>
+                                <p:cTn id="17" presetID="1" presetClass="entr" presetSubtype="0" fill="hold" grpId="0" nodeType="withEffect">
+                                  <p:stCondLst>
+                                    <p:cond delay="0"/>
+                                  </p:stCondLst>
+                                  <p:childTnLst>
+                                    <p:set>
+                                      <p:cBhvr>
+                                        <p:cTn id="18" dur="1" fill="hold">
+                                          <p:stCondLst>
+                                            <p:cond delay="0"/>
+                                          </p:stCondLst>
+                                        </p:cTn>
+                                        <p:tgtEl>
+                                          <p:spTgt spid="6"/>
+                                        </p:tgtEl>
+                                        <p:attrNameLst>
+                                          <p:attrName>style.visibility</p:attrName>
+                                        </p:attrNameLst>
+                                      </p:cBhvr>
+                                      <p:to>
+                                        <p:strVal val="visible"/>
+                                      </p:to>
+                                    </p:set>
+                                  </p:childTnLst>
+                                </p:cTn>
+                              </p:par>
+                            </p:childTnLst>
+                          </p:cTn>
+                        </p:par>
+                      </p:childTnLst>
+                    </p:cTn>
+                  </p:par>
+                  <p:par>
+                    <p:cTn id="19" fill="hold">
+                      <p:stCondLst>
+                        <p:cond delay="indefinite"/>
+                      </p:stCondLst>
+                      <p:childTnLst>
+                        <p:par>
+                          <p:cTn id="20" fill="hold">
+                            <p:stCondLst>
+                              <p:cond delay="0"/>
+                            </p:stCondLst>
+                            <p:childTnLst>
+                              <p:par>
+                                <p:cTn id="21" presetID="1" presetClass="entr" presetSubtype="0" fill="hold" grpId="0" nodeType="clickEffect">
+                                  <p:stCondLst>
+                                    <p:cond delay="0"/>
+                                  </p:stCondLst>
+                                  <p:childTnLst>
+                                    <p:set>
+                                      <p:cBhvr>
+                                        <p:cTn id="22" dur="1" fill="hold">
+                                          <p:stCondLst>
+                                            <p:cond delay="0"/>
+                                          </p:stCondLst>
+                                        </p:cTn>
+                                        <p:tgtEl>
+                                          <p:spTgt spid="5"/>
+                                        </p:tgtEl>
+                                        <p:attrNameLst>
+                                          <p:attrName>style.visibility</p:attrName>
+                                        </p:attrNameLst>
+                                      </p:cBhvr>
+                                      <p:to>
+                                        <p:strVal val="visible"/>
+                                      </p:to>
+                                    </p:set>
+                                  </p:childTnLst>
+                                </p:cTn>
+                              </p:par>
+                              <p:par>
+                                <p:cTn id="23" presetID="1" presetClass="entr" presetSubtype="0" fill="hold" nodeType="withEffect">
+                                  <p:stCondLst>
+                                    <p:cond delay="0"/>
+                                  </p:stCondLst>
+                                  <p:childTnLst>
+                                    <p:set>
+                                      <p:cBhvr>
+                                        <p:cTn id="24" dur="1" fill="hold">
+                                          <p:stCondLst>
+                                            <p:cond delay="0"/>
+                                          </p:stCondLst>
+                                        </p:cTn>
+                                        <p:tgtEl>
+                                          <p:spTgt spid="5">
+                                            <p:txEl>
+                                              <p:pRg st="0" end="0"/>
+                                            </p:txEl>
+                                          </p:spTgt>
+                                        </p:tgtEl>
+                                        <p:attrNameLst>
+                                          <p:attrName>style.visibility</p:attrName>
+                                        </p:attrNameLst>
+                                      </p:cBhvr>
+                                      <p:to>
+                                        <p:strVal val="visible"/>
+                                      </p:to>
+                                    </p:set>
+                                  </p:childTnLst>
+                                </p:cTn>
+                              </p:par>
+                              <p:par>
+                                <p:cTn id="25" presetID="1" presetClass="entr" presetSubtype="0" fill="hold" nodeType="withEffect">
+                                  <p:stCondLst>
+                                    <p:cond delay="0"/>
+                                  </p:stCondLst>
+                                  <p:childTnLst>
+                                    <p:set>
+                                      <p:cBhvr>
+                                        <p:cTn id="26" dur="1" fill="hold">
+                                          <p:stCondLst>
+                                            <p:cond delay="0"/>
+                                          </p:stCondLst>
+                                        </p:cTn>
+                                        <p:tgtEl>
+                                          <p:spTgt spid="5">
+                                            <p:txEl>
+                                              <p:pRg st="1" end="1"/>
+                                            </p:txEl>
+                                          </p:spTgt>
+                                        </p:tgtEl>
+                                        <p:attrNameLst>
+                                          <p:attrName>style.visibility</p:attrName>
+                                        </p:attrNameLst>
+                                      </p:cBhvr>
+                                      <p:to>
+                                        <p:strVal val="visible"/>
+                                      </p:to>
+                                    </p:set>
+                                  </p:childTnLst>
+                                </p:cTn>
+                              </p:par>
+                              <p:par>
+                                <p:cTn id="27" presetID="1" presetClass="entr" presetSubtype="0" fill="hold" nodeType="withEffect">
+                                  <p:stCondLst>
+                                    <p:cond delay="0"/>
+                                  </p:stCondLst>
+                                  <p:childTnLst>
+                                    <p:set>
+                                      <p:cBhvr>
+                                        <p:cTn id="28" dur="1" fill="hold">
+                                          <p:stCondLst>
+                                            <p:cond delay="0"/>
+                                          </p:stCondLst>
+                                        </p:cTn>
+                                        <p:tgtEl>
+                                          <p:spTgt spid="5">
+                                            <p:txEl>
+                                              <p:pRg st="8" end="8"/>
+                                            </p:txEl>
+                                          </p:spTgt>
+                                        </p:tgtEl>
+                                        <p:attrNameLst>
+                                          <p:attrName>style.visibility</p:attrName>
+                                        </p:attrNameLst>
+                                      </p:cBhvr>
+                                      <p:to>
+                                        <p:strVal val="visible"/>
+                                      </p:to>
+                                    </p:set>
+                                  </p:childTnLst>
+                                </p:cTn>
+                              </p:par>
+                            </p:childTnLst>
+                          </p:cTn>
+                        </p:par>
+                      </p:childTnLst>
+                    </p:cTn>
+                  </p:par>
+                  <p:par>
+                    <p:cTn id="29" fill="hold">
+                      <p:stCondLst>
+                        <p:cond delay="indefinite"/>
+                      </p:stCondLst>
+                      <p:childTnLst>
+                        <p:par>
+                          <p:cTn id="30" fill="hold">
+                            <p:stCondLst>
+                              <p:cond delay="0"/>
+                            </p:stCondLst>
+                            <p:childTnLst>
+                              <p:par>
+                                <p:cTn id="31" presetID="1" presetClass="entr" presetSubtype="0" fill="hold" nodeType="clickEffect">
+                                  <p:stCondLst>
+                                    <p:cond delay="0"/>
+                                  </p:stCondLst>
+                                  <p:childTnLst>
+                                    <p:set>
+                                      <p:cBhvr>
+                                        <p:cTn id="32" dur="1" fill="hold">
+                                          <p:stCondLst>
+                                            <p:cond delay="0"/>
+                                          </p:stCondLst>
+                                        </p:cTn>
+                                        <p:tgtEl>
+                                          <p:spTgt spid="5">
+                                            <p:txEl>
+                                              <p:pRg st="2" end="2"/>
+                                            </p:txEl>
+                                          </p:spTgt>
+                                        </p:tgtEl>
+                                        <p:attrNameLst>
+                                          <p:attrName>style.visibility</p:attrName>
+                                        </p:attrNameLst>
+                                      </p:cBhvr>
+                                      <p:to>
+                                        <p:strVal val="visible"/>
+                                      </p:to>
+                                    </p:set>
+                                  </p:childTnLst>
+                                </p:cTn>
+                              </p:par>
+                            </p:childTnLst>
+                          </p:cTn>
+                        </p:par>
+                      </p:childTnLst>
+                    </p:cTn>
+                  </p:par>
+                  <p:par>
+                    <p:cTn id="33" fill="hold">
+                      <p:stCondLst>
+                        <p:cond delay="indefinite"/>
+                      </p:stCondLst>
+                      <p:childTnLst>
+                        <p:par>
+                          <p:cTn id="34" fill="hold">
+                            <p:stCondLst>
+                              <p:cond delay="0"/>
+                            </p:stCondLst>
+                            <p:childTnLst>
+                              <p:par>
+                                <p:cTn id="35" presetID="1" presetClass="entr" presetSubtype="0" fill="hold" nodeType="clickEffect">
+                                  <p:stCondLst>
+                                    <p:cond delay="0"/>
+                                  </p:stCondLst>
+                                  <p:childTnLst>
+                                    <p:set>
+                                      <p:cBhvr>
+                                        <p:cTn id="36" dur="1" fill="hold">
+                                          <p:stCondLst>
+                                            <p:cond delay="0"/>
+                                          </p:stCondLst>
+                                        </p:cTn>
+                                        <p:tgtEl>
+                                          <p:spTgt spid="5">
+                                            <p:txEl>
+                                              <p:pRg st="3" end="3"/>
+                                            </p:txEl>
+                                          </p:spTgt>
+                                        </p:tgtEl>
+                                        <p:attrNameLst>
+                                          <p:attrName>style.visibility</p:attrName>
+                                        </p:attrNameLst>
+                                      </p:cBhvr>
+                                      <p:to>
+                                        <p:strVal val="visible"/>
+                                      </p:to>
+                                    </p:set>
+                                  </p:childTnLst>
+                                </p:cTn>
+                              </p:par>
+                              <p:par>
+                                <p:cTn id="37" presetID="1" presetClass="entr" presetSubtype="0" fill="hold" nodeType="withEffect">
+                                  <p:stCondLst>
+                                    <p:cond delay="0"/>
+                                  </p:stCondLst>
+                                  <p:childTnLst>
+                                    <p:set>
+                                      <p:cBhvr>
+                                        <p:cTn id="38" dur="1" fill="hold">
+                                          <p:stCondLst>
+                                            <p:cond delay="0"/>
+                                          </p:stCondLst>
+                                        </p:cTn>
+                                        <p:tgtEl>
+                                          <p:spTgt spid="5">
+                                            <p:txEl>
+                                              <p:pRg st="4" end="4"/>
+                                            </p:txEl>
+                                          </p:spTgt>
+                                        </p:tgtEl>
+                                        <p:attrNameLst>
+                                          <p:attrName>style.visibility</p:attrName>
+                                        </p:attrNameLst>
+                                      </p:cBhvr>
+                                      <p:to>
+                                        <p:strVal val="visible"/>
+                                      </p:to>
+                                    </p:set>
+                                  </p:childTnLst>
+                                </p:cTn>
+                              </p:par>
+                              <p:par>
+                                <p:cTn id="39" presetID="1" presetClass="entr" presetSubtype="0" fill="hold" nodeType="withEffect">
+                                  <p:stCondLst>
+                                    <p:cond delay="0"/>
+                                  </p:stCondLst>
+                                  <p:childTnLst>
+                                    <p:set>
+                                      <p:cBhvr>
+                                        <p:cTn id="40" dur="1" fill="hold">
+                                          <p:stCondLst>
+                                            <p:cond delay="0"/>
+                                          </p:stCondLst>
+                                        </p:cTn>
+                                        <p:tgtEl>
+                                          <p:spTgt spid="5">
+                                            <p:txEl>
+                                              <p:pRg st="5" end="5"/>
+                                            </p:txEl>
+                                          </p:spTgt>
+                                        </p:tgtEl>
+                                        <p:attrNameLst>
+                                          <p:attrName>style.visibility</p:attrName>
+                                        </p:attrNameLst>
+                                      </p:cBhvr>
+                                      <p:to>
+                                        <p:strVal val="visible"/>
+                                      </p:to>
+                                    </p:set>
+                                  </p:childTnLst>
+                                </p:cTn>
+                              </p:par>
+                              <p:par>
+                                <p:cTn id="41" presetID="1" presetClass="entr" presetSubtype="0" fill="hold" nodeType="withEffect">
+                                  <p:stCondLst>
+                                    <p:cond delay="0"/>
+                                  </p:stCondLst>
+                                  <p:childTnLst>
+                                    <p:set>
+                                      <p:cBhvr>
+                                        <p:cTn id="42" dur="1" fill="hold">
+                                          <p:stCondLst>
+                                            <p:cond delay="0"/>
+                                          </p:stCondLst>
+                                        </p:cTn>
+                                        <p:tgtEl>
+                                          <p:spTgt spid="5">
+                                            <p:txEl>
+                                              <p:pRg st="6" end="6"/>
+                                            </p:txEl>
+                                          </p:spTgt>
+                                        </p:tgtEl>
+                                        <p:attrNameLst>
+                                          <p:attrName>style.visibility</p:attrName>
+                                        </p:attrNameLst>
+                                      </p:cBhvr>
+                                      <p:to>
+                                        <p:strVal val="visible"/>
+                                      </p:to>
+                                    </p:set>
+                                  </p:childTnLst>
+                                </p:cTn>
+                              </p:par>
+                            </p:childTnLst>
+                          </p:cTn>
+                        </p:par>
+                      </p:childTnLst>
+                    </p:cTn>
+                  </p:par>
+                  <p:par>
+                    <p:cTn id="43" fill="hold">
+                      <p:stCondLst>
+                        <p:cond delay="indefinite"/>
+                      </p:stCondLst>
+                      <p:childTnLst>
+                        <p:par>
+                          <p:cTn id="44" fill="hold">
+                            <p:stCondLst>
+                              <p:cond delay="0"/>
+                            </p:stCondLst>
+                            <p:childTnLst>
+                              <p:par>
+                                <p:cTn id="45" presetID="1" presetClass="entr" presetSubtype="0" fill="hold" nodeType="clickEffect">
+                                  <p:stCondLst>
+                                    <p:cond delay="0"/>
+                                  </p:stCondLst>
+                                  <p:childTnLst>
+                                    <p:set>
+                                      <p:cBhvr>
+                                        <p:cTn id="46" dur="1" fill="hold">
+                                          <p:stCondLst>
+                                            <p:cond delay="0"/>
+                                          </p:stCondLst>
+                                        </p:cTn>
+                                        <p:tgtEl>
+                                          <p:spTgt spid="5">
+                                            <p:txEl>
+                                              <p:pRg st="7" end="7"/>
+                                            </p:txEl>
+                                          </p:spTgt>
+                                        </p:tgtEl>
+                                        <p:attrNameLst>
+                                          <p:attrName>style.visibility</p:attrName>
+                                        </p:attrNameLst>
+                                      </p:cBhvr>
+                                      <p:to>
+                                        <p:strVal val="visible"/>
+                                      </p:to>
+                                    </p:set>
+                                  </p:childTnLst>
+                                </p:cTn>
+                              </p:par>
+                            </p:childTnLst>
+                          </p:cTn>
+                        </p:par>
+                      </p:childTnLst>
+                    </p:cTn>
+                  </p:par>
+                  <p:par>
+                    <p:cTn id="47" fill="hold">
+                      <p:stCondLst>
+                        <p:cond delay="indefinite"/>
+                      </p:stCondLst>
+                      <p:childTnLst>
+                        <p:par>
+                          <p:cTn id="48" fill="hold">
+                            <p:stCondLst>
+                              <p:cond delay="0"/>
+                            </p:stCondLst>
+                            <p:childTnLst>
+                              <p:par>
+                                <p:cTn id="49" presetID="1" presetClass="entr" presetSubtype="0" fill="hold" grpId="0" nodeType="clickEffect">
+                                  <p:stCondLst>
+                                    <p:cond delay="0"/>
+                                  </p:stCondLst>
+                                  <p:childTnLst>
+                                    <p:set>
+                                      <p:cBhvr>
+                                        <p:cTn id="50" dur="1" fill="hold">
+                                          <p:stCondLst>
+                                            <p:cond delay="0"/>
+                                          </p:stCondLst>
+                                        </p:cTn>
+                                        <p:tgtEl>
+                                          <p:spTgt spid="2"/>
+                                        </p:tgtEl>
+                                        <p:attrNameLst>
+                                          <p:attrName>style.visibility</p:attrName>
+                                        </p:attrNameLst>
+                                      </p:cBhvr>
+                                      <p:to>
+                                        <p:strVal val="visible"/>
+                                      </p:to>
+                                    </p:set>
+                                  </p:childTnLst>
+                                </p:cTn>
+                              </p:par>
+                            </p:childTnLst>
+                          </p:cTn>
+                        </p:par>
+                      </p:childTnLst>
+                    </p:cTn>
+                  </p:par>
+                </p:childTnLst>
+              </p:cTn>
+              <p:prevCondLst>
+                <p:cond evt="onPrev" delay="0">
+                  <p:tgtEl>
+                    <p:sldTgt/>
+                  </p:tgtEl>
+                </p:cond>
+              </p:prevCondLst>
+              <p:nextCondLst>
+                <p:cond evt="onNext" delay="0">
+                  <p:tgtEl>
+                    <p:sldTgt/>
+                  </p:tgtEl>
+                </p:cond>
+              </p:nextCondLst>
+            </p:seq>
+          </p:childTnLst>
+        </p:cTn>
+      </p:par>
+    </p:tnLst>
+    <p:bldLst>
+      <p:bldP spid="5" grpId="0" animBg="1"/>
+      <p:bldP spid="6" grpId="0" animBg="1"/>
+      <p:bldP spid="7" grpId="0" animBg="1"/>
+      <p:bldP spid="8" grpId="0" animBg="1"/>
+      <p:bldP spid="10" grpId="0" animBg="1"/>
+      <p:bldP spid="11" grpId="0" animBg="1"/>
+      <p:bldP spid="12" grpId="0" animBg="1"/>
+      <p:bldP spid="2" grpId="0"/>
+    </p:bldLst>
+  </p:timing>
 </p:sld>
 </file>
 
@@ -7052,6 +7845,202 @@
                                           </p:stCondLst>
                                         </p:cTn>
                                         <p:tgtEl>
+                                          <p:spTgt spid="7"/>
+                                        </p:tgtEl>
+                                        <p:attrNameLst>
+                                          <p:attrName>style.visibility</p:attrName>
+                                        </p:attrNameLst>
+                                      </p:cBhvr>
+                                      <p:to>
+                                        <p:strVal val="visible"/>
+                                      </p:to>
+                                    </p:set>
+                                  </p:childTnLst>
+                                </p:cTn>
+                              </p:par>
+                              <p:par>
+                                <p:cTn id="7" presetID="1" presetClass="entr" presetSubtype="0" fill="hold" nodeType="withEffect">
+                                  <p:stCondLst>
+                                    <p:cond delay="0"/>
+                                  </p:stCondLst>
+                                  <p:childTnLst>
+                                    <p:set>
+                                      <p:cBhvr>
+                                        <p:cTn id="8" dur="1" fill="hold">
+                                          <p:stCondLst>
+                                            <p:cond delay="0"/>
+                                          </p:stCondLst>
+                                        </p:cTn>
+                                        <p:tgtEl>
+                                          <p:spTgt spid="7">
+                                            <p:txEl>
+                                              <p:pRg st="1" end="1"/>
+                                            </p:txEl>
+                                          </p:spTgt>
+                                        </p:tgtEl>
+                                        <p:attrNameLst>
+                                          <p:attrName>style.visibility</p:attrName>
+                                        </p:attrNameLst>
+                                      </p:cBhvr>
+                                      <p:to>
+                                        <p:strVal val="visible"/>
+                                      </p:to>
+                                    </p:set>
+                                  </p:childTnLst>
+                                </p:cTn>
+                              </p:par>
+                              <p:par>
+                                <p:cTn id="9" presetID="1" presetClass="entr" presetSubtype="0" fill="hold" nodeType="withEffect">
+                                  <p:stCondLst>
+                                    <p:cond delay="0"/>
+                                  </p:stCondLst>
+                                  <p:childTnLst>
+                                    <p:set>
+                                      <p:cBhvr>
+                                        <p:cTn id="10" dur="1" fill="hold">
+                                          <p:stCondLst>
+                                            <p:cond delay="0"/>
+                                          </p:stCondLst>
+                                        </p:cTn>
+                                        <p:tgtEl>
+                                          <p:spTgt spid="7">
+                                            <p:txEl>
+                                              <p:pRg st="2" end="2"/>
+                                            </p:txEl>
+                                          </p:spTgt>
+                                        </p:tgtEl>
+                                        <p:attrNameLst>
+                                          <p:attrName>style.visibility</p:attrName>
+                                        </p:attrNameLst>
+                                      </p:cBhvr>
+                                      <p:to>
+                                        <p:strVal val="visible"/>
+                                      </p:to>
+                                    </p:set>
+                                  </p:childTnLst>
+                                </p:cTn>
+                              </p:par>
+                              <p:par>
+                                <p:cTn id="11" presetID="1" presetClass="entr" presetSubtype="0" fill="hold" nodeType="withEffect">
+                                  <p:stCondLst>
+                                    <p:cond delay="0"/>
+                                  </p:stCondLst>
+                                  <p:childTnLst>
+                                    <p:set>
+                                      <p:cBhvr>
+                                        <p:cTn id="12" dur="1" fill="hold">
+                                          <p:stCondLst>
+                                            <p:cond delay="0"/>
+                                          </p:stCondLst>
+                                        </p:cTn>
+                                        <p:tgtEl>
+                                          <p:spTgt spid="7">
+                                            <p:txEl>
+                                              <p:pRg st="3" end="3"/>
+                                            </p:txEl>
+                                          </p:spTgt>
+                                        </p:tgtEl>
+                                        <p:attrNameLst>
+                                          <p:attrName>style.visibility</p:attrName>
+                                        </p:attrNameLst>
+                                      </p:cBhvr>
+                                      <p:to>
+                                        <p:strVal val="visible"/>
+                                      </p:to>
+                                    </p:set>
+                                  </p:childTnLst>
+                                </p:cTn>
+                              </p:par>
+                              <p:par>
+                                <p:cTn id="13" presetID="1" presetClass="entr" presetSubtype="0" fill="hold" nodeType="withEffect">
+                                  <p:stCondLst>
+                                    <p:cond delay="0"/>
+                                  </p:stCondLst>
+                                  <p:childTnLst>
+                                    <p:set>
+                                      <p:cBhvr>
+                                        <p:cTn id="14" dur="1" fill="hold">
+                                          <p:stCondLst>
+                                            <p:cond delay="0"/>
+                                          </p:stCondLst>
+                                        </p:cTn>
+                                        <p:tgtEl>
+                                          <p:spTgt spid="7">
+                                            <p:txEl>
+                                              <p:pRg st="4" end="4"/>
+                                            </p:txEl>
+                                          </p:spTgt>
+                                        </p:tgtEl>
+                                        <p:attrNameLst>
+                                          <p:attrName>style.visibility</p:attrName>
+                                        </p:attrNameLst>
+                                      </p:cBhvr>
+                                      <p:to>
+                                        <p:strVal val="visible"/>
+                                      </p:to>
+                                    </p:set>
+                                  </p:childTnLst>
+                                </p:cTn>
+                              </p:par>
+                            </p:childTnLst>
+                          </p:cTn>
+                        </p:par>
+                      </p:childTnLst>
+                    </p:cTn>
+                  </p:par>
+                  <p:par>
+                    <p:cTn id="15" fill="hold">
+                      <p:stCondLst>
+                        <p:cond delay="indefinite"/>
+                      </p:stCondLst>
+                      <p:childTnLst>
+                        <p:par>
+                          <p:cTn id="16" fill="hold">
+                            <p:stCondLst>
+                              <p:cond delay="0"/>
+                            </p:stCondLst>
+                            <p:childTnLst>
+                              <p:par>
+                                <p:cTn id="17" presetID="1" presetClass="entr" presetSubtype="0" fill="hold" grpId="0" nodeType="clickEffect">
+                                  <p:stCondLst>
+                                    <p:cond delay="0"/>
+                                  </p:stCondLst>
+                                  <p:childTnLst>
+                                    <p:set>
+                                      <p:cBhvr>
+                                        <p:cTn id="18" dur="1" fill="hold">
+                                          <p:stCondLst>
+                                            <p:cond delay="0"/>
+                                          </p:stCondLst>
+                                        </p:cTn>
+                                        <p:tgtEl>
+                                          <p:spTgt spid="8"/>
+                                        </p:tgtEl>
+                                        <p:attrNameLst>
+                                          <p:attrName>style.visibility</p:attrName>
+                                        </p:attrNameLst>
+                                      </p:cBhvr>
+                                      <p:to>
+                                        <p:strVal val="visible"/>
+                                      </p:to>
+                                    </p:set>
+                                  </p:childTnLst>
+                                </p:cTn>
+                              </p:par>
+                              <p:par>
+                                <p:cTn id="19" presetID="1" presetClass="entr" presetSubtype="0" fill="hold" grpId="0" nodeType="withEffect">
+                                  <p:stCondLst>
+                                    <p:cond delay="0"/>
+                                  </p:stCondLst>
+                                  <p:childTnLst>
+                                    <p:set>
+                                      <p:cBhvr>
+                                        <p:cTn id="20" dur="1" fill="hold">
+                                          <p:stCondLst>
+                                            <p:cond delay="0"/>
+                                          </p:stCondLst>
+                                        </p:cTn>
+                                        <p:tgtEl>
                                           <p:spTgt spid="12"/>
                                         </p:tgtEl>
                                         <p:attrNameLst>
@@ -7065,21 +8054,92 @@
                                   </p:childTnLst>
                                 </p:cTn>
                               </p:par>
+                            </p:childTnLst>
+                          </p:cTn>
+                        </p:par>
+                      </p:childTnLst>
+                    </p:cTn>
+                  </p:par>
+                  <p:par>
+                    <p:cTn id="21" fill="hold">
+                      <p:stCondLst>
+                        <p:cond delay="indefinite"/>
+                      </p:stCondLst>
+                      <p:childTnLst>
+                        <p:par>
+                          <p:cTn id="22" fill="hold">
+                            <p:stCondLst>
+                              <p:cond delay="0"/>
+                            </p:stCondLst>
+                            <p:childTnLst>
                               <p:par>
-                                <p:cTn id="7" presetID="1" presetClass="entr" presetSubtype="0" fill="hold" grpId="0" nodeType="withEffect">
+                                <p:cTn id="23" presetID="1" presetClass="entr" presetSubtype="0" fill="hold" nodeType="clickEffect">
                                   <p:stCondLst>
                                     <p:cond delay="0"/>
                                   </p:stCondLst>
                                   <p:childTnLst>
                                     <p:set>
                                       <p:cBhvr>
-                                        <p:cTn id="8" dur="1" fill="hold">
+                                        <p:cTn id="24" dur="1" fill="hold">
                                           <p:stCondLst>
                                             <p:cond delay="0"/>
                                           </p:stCondLst>
                                         </p:cTn>
                                         <p:tgtEl>
-                                          <p:spTgt spid="8"/>
+                                          <p:spTgt spid="3">
+                                            <p:txEl>
+                                              <p:pRg st="4" end="4"/>
+                                            </p:txEl>
+                                          </p:spTgt>
+                                        </p:tgtEl>
+                                        <p:attrNameLst>
+                                          <p:attrName>style.visibility</p:attrName>
+                                        </p:attrNameLst>
+                                      </p:cBhvr>
+                                      <p:to>
+                                        <p:strVal val="visible"/>
+                                      </p:to>
+                                    </p:set>
+                                  </p:childTnLst>
+                                </p:cTn>
+                              </p:par>
+                            </p:childTnLst>
+                          </p:cTn>
+                        </p:par>
+                      </p:childTnLst>
+                    </p:cTn>
+                  </p:par>
+                  <p:par>
+                    <p:cTn id="25" fill="hold">
+                      <p:stCondLst>
+                        <p:cond delay="indefinite"/>
+                      </p:stCondLst>
+                      <p:childTnLst>
+                        <p:par>
+                          <p:cTn id="26" fill="hold">
+                            <p:stCondLst>
+                              <p:cond delay="0"/>
+                            </p:stCondLst>
+                            <p:childTnLst>
+                              <p:par>
+                                <p:cTn id="27" presetID="1" presetClass="entr" presetSubtype="0" fill="hold" nodeType="clickEffect">
+                                  <p:stCondLst>
+                                    <p:cond delay="0"/>
+                                  </p:stCondLst>
+                                  <p:childTnLst>
+                                    <p:set>
+                                      <p:cBhvr>
+                                        <p:cTn id="28" dur="1" fill="hold">
+                                          <p:stCondLst>
+                                            <p:cond delay="0"/>
+                                          </p:stCondLst>
+                                        </p:cTn>
+                                        <p:tgtEl>
+                                          <p:spTgt spid="3">
+                                            <p:txEl>
+                                              <p:pRg st="5" end="5"/>
+                                            </p:txEl>
+                                          </p:spTgt>
                                         </p:tgtEl>
                                         <p:attrNameLst>
                                           <p:attrName>style.visibility</p:attrName>
@@ -7121,6 +8181,7 @@
     </p:tnLst>
     <p:bldLst>
       <p:bldP spid="8" grpId="0" animBg="1"/>
+      <p:bldP spid="7" grpId="0" animBg="1"/>
       <p:bldP spid="12" grpId="0" animBg="1"/>
     </p:bldLst>
   </p:timing>
@@ -8278,33 +9339,15 @@
                                   </p:childTnLst>
                                 </p:cTn>
                               </p:par>
-                            </p:childTnLst>
-                          </p:cTn>
-                        </p:par>
-                      </p:childTnLst>
-                    </p:cTn>
-                  </p:par>
-                  <p:par>
-                    <p:cTn id="14" fill="hold">
-                      <p:stCondLst>
-                        <p:cond delay="indefinite"/>
-                      </p:stCondLst>
-                      <p:childTnLst>
-                        <p:par>
-                          <p:cTn id="15" fill="hold">
-                            <p:stCondLst>
-                              <p:cond delay="0"/>
-                            </p:stCondLst>
-                            <p:childTnLst>
                               <p:par>
-                                <p:cTn id="16" presetID="10" presetClass="entr" presetSubtype="0" fill="hold" grpId="0" nodeType="clickEffect">
+                                <p:cTn id="14" presetID="10" presetClass="entr" presetSubtype="0" fill="hold" grpId="0" nodeType="withEffect">
                                   <p:stCondLst>
                                     <p:cond delay="0"/>
                                   </p:stCondLst>
                                   <p:childTnLst>
                                     <p:set>
                                       <p:cBhvr>
-                                        <p:cTn id="17" dur="1" fill="hold">
+                                        <p:cTn id="15" dur="1" fill="hold">
                                           <p:stCondLst>
                                             <p:cond delay="0"/>
                                           </p:stCondLst>
@@ -8322,7 +9365,7 @@
                                     </p:set>
                                     <p:animEffect transition="in" filter="fade">
                                       <p:cBhvr>
-                                        <p:cTn id="18" dur="500"/>
+                                        <p:cTn id="16" dur="500"/>
                                         <p:tgtEl>
                                           <p:spTgt spid="13"/>
                                         </p:tgtEl>
@@ -8331,33 +9374,15 @@
                                   </p:childTnLst>
                                 </p:cTn>
                               </p:par>
-                            </p:childTnLst>
-                          </p:cTn>
-                        </p:par>
-                      </p:childTnLst>
-                    </p:cTn>
-                  </p:par>
-                  <p:par>
-                    <p:cTn id="19" fill="hold">
-                      <p:stCondLst>
-                        <p:cond delay="indefinite"/>
-                      </p:stCondLst>
-                      <p:childTnLst>
-                        <p:par>
-                          <p:cTn id="20" fill="hold">
-                            <p:stCondLst>
-                              <p:cond delay="0"/>
-                            </p:stCondLst>
-                            <p:childTnLst>
                               <p:par>
-                                <p:cTn id="21" presetID="10" presetClass="entr" presetSubtype="0" fill="hold" grpId="0" nodeType="clickEffect">
+                                <p:cTn id="17" presetID="10" presetClass="entr" presetSubtype="0" fill="hold" grpId="0" nodeType="withEffect">
                                   <p:stCondLst>
                                     <p:cond delay="0"/>
                                   </p:stCondLst>
                                   <p:childTnLst>
                                     <p:set>
                                       <p:cBhvr>
-                                        <p:cTn id="22" dur="1" fill="hold">
+                                        <p:cTn id="18" dur="1" fill="hold">
                                           <p:stCondLst>
                                             <p:cond delay="0"/>
                                           </p:stCondLst>
@@ -8375,7 +9400,7 @@
                                     </p:set>
                                     <p:animEffect transition="in" filter="fade">
                                       <p:cBhvr>
-                                        <p:cTn id="23" dur="500"/>
+                                        <p:cTn id="19" dur="500"/>
                                         <p:tgtEl>
                                           <p:spTgt spid="14"/>
                                         </p:tgtEl>
@@ -8652,7 +9677,7 @@
         <p:spPr bwMode="auto">
           <a:xfrm>
             <a:off x="919148" y="2438400"/>
-            <a:ext cx="10439400" cy="1374735"/>
+            <a:ext cx="10439400" cy="1133324"/>
           </a:xfrm>
           <a:prstGeom prst="rect">
             <a:avLst/>
@@ -8691,34 +9716,6 @@
               </a:buClr>
               <a:buSzPct val="70000"/>
             </a:pPr>
-            <a:endParaRPr lang="en-US" b="1" noProof="1">
-              <a:solidFill>
-                <a:schemeClr val="tx2"/>
-              </a:solidFill>
-              <a:effectLst>
-                <a:outerShdw blurRad="38100" dist="38100" dir="2700000" algn="tl">
-                  <a:srgbClr val="000000">
-                    <a:alpha val="43137"/>
-                  </a:srgbClr>
-                </a:outerShdw>
-              </a:effectLst>
-              <a:latin typeface="Consolas" pitchFamily="49" charset="0"/>
-              <a:cs typeface="Consolas" pitchFamily="49" charset="0"/>
-            </a:endParaRPr>
-          </a:p>
-          <a:p>
-            <a:pPr eaLnBrk="0" hangingPunct="0">
-              <a:lnSpc>
-                <a:spcPts val="2000"/>
-              </a:lnSpc>
-              <a:buClr>
-                <a:schemeClr val="accent5">
-                  <a:lumMod val="40000"/>
-                  <a:lumOff val="60000"/>
-                </a:schemeClr>
-              </a:buClr>
-              <a:buSzPct val="70000"/>
-            </a:pPr>
             <a:r>
               <a:rPr lang="en-US" b="1" noProof="1">
                 <a:solidFill>
@@ -8916,7 +9913,7 @@
         <p:spPr bwMode="auto">
           <a:xfrm>
             <a:off x="919148" y="4001549"/>
-            <a:ext cx="10439400" cy="1374735"/>
+            <a:ext cx="10439400" cy="1133324"/>
           </a:xfrm>
           <a:prstGeom prst="rect">
             <a:avLst/>
@@ -8942,34 +9939,6 @@
             <a:spAutoFit/>
           </a:bodyPr>
           <a:lstStyle/>
-          <a:p>
-            <a:pPr eaLnBrk="0" hangingPunct="0">
-              <a:lnSpc>
-                <a:spcPts val="2000"/>
-              </a:lnSpc>
-              <a:buClr>
-                <a:schemeClr val="accent5">
-                  <a:lumMod val="40000"/>
-                  <a:lumOff val="60000"/>
-                </a:schemeClr>
-              </a:buClr>
-              <a:buSzPct val="70000"/>
-            </a:pPr>
-            <a:endParaRPr lang="en-US" b="1" noProof="1">
-              <a:solidFill>
-                <a:schemeClr val="tx2"/>
-              </a:solidFill>
-              <a:effectLst>
-                <a:outerShdw blurRad="38100" dist="38100" dir="2700000" algn="tl">
-                  <a:srgbClr val="000000">
-                    <a:alpha val="43137"/>
-                  </a:srgbClr>
-                </a:outerShdw>
-              </a:effectLst>
-              <a:latin typeface="Consolas" pitchFamily="49" charset="0"/>
-              <a:cs typeface="Consolas" pitchFamily="49" charset="0"/>
-            </a:endParaRPr>
-          </a:p>
           <a:p>
             <a:pPr eaLnBrk="0" hangingPunct="0">
               <a:lnSpc>
@@ -9202,6 +10171,228 @@
   <p:clrMapOvr>
     <a:masterClrMapping/>
   </p:clrMapOvr>
+  <p:timing>
+    <p:tnLst>
+      <p:par>
+        <p:cTn id="1" dur="indefinite" restart="never" nodeType="tmRoot">
+          <p:childTnLst>
+            <p:seq concurrent="1" nextAc="seek">
+              <p:cTn id="2" dur="indefinite" nodeType="mainSeq">
+                <p:childTnLst>
+                  <p:par>
+                    <p:cTn id="3" fill="hold">
+                      <p:stCondLst>
+                        <p:cond delay="indefinite"/>
+                      </p:stCondLst>
+                      <p:childTnLst>
+                        <p:par>
+                          <p:cTn id="4" fill="hold">
+                            <p:stCondLst>
+                              <p:cond delay="0"/>
+                            </p:stCondLst>
+                            <p:childTnLst>
+                              <p:par>
+                                <p:cTn id="5" presetID="1" presetClass="entr" presetSubtype="0" fill="hold" nodeType="clickEffect">
+                                  <p:stCondLst>
+                                    <p:cond delay="0"/>
+                                  </p:stCondLst>
+                                  <p:childTnLst>
+                                    <p:set>
+                                      <p:cBhvr>
+                                        <p:cTn id="6" dur="1" fill="hold">
+                                          <p:stCondLst>
+                                            <p:cond delay="0"/>
+                                          </p:stCondLst>
+                                        </p:cTn>
+                                        <p:tgtEl>
+                                          <p:spTgt spid="3">
+                                            <p:txEl>
+                                              <p:pRg st="1" end="1"/>
+                                            </p:txEl>
+                                          </p:spTgt>
+                                        </p:tgtEl>
+                                        <p:attrNameLst>
+                                          <p:attrName>style.visibility</p:attrName>
+                                        </p:attrNameLst>
+                                      </p:cBhvr>
+                                      <p:to>
+                                        <p:strVal val="visible"/>
+                                      </p:to>
+                                    </p:set>
+                                  </p:childTnLst>
+                                </p:cTn>
+                              </p:par>
+                            </p:childTnLst>
+                          </p:cTn>
+                        </p:par>
+                      </p:childTnLst>
+                    </p:cTn>
+                  </p:par>
+                  <p:par>
+                    <p:cTn id="7" fill="hold">
+                      <p:stCondLst>
+                        <p:cond delay="indefinite"/>
+                      </p:stCondLst>
+                      <p:childTnLst>
+                        <p:par>
+                          <p:cTn id="8" fill="hold">
+                            <p:stCondLst>
+                              <p:cond delay="0"/>
+                            </p:stCondLst>
+                            <p:childTnLst>
+                              <p:par>
+                                <p:cTn id="9" presetID="1" presetClass="entr" presetSubtype="0" fill="hold" grpId="0" nodeType="clickEffect">
+                                  <p:stCondLst>
+                                    <p:cond delay="0"/>
+                                  </p:stCondLst>
+                                  <p:childTnLst>
+                                    <p:set>
+                                      <p:cBhvr>
+                                        <p:cTn id="10" dur="1" fill="hold">
+                                          <p:stCondLst>
+                                            <p:cond delay="0"/>
+                                          </p:stCondLst>
+                                        </p:cTn>
+                                        <p:tgtEl>
+                                          <p:spTgt spid="7"/>
+                                        </p:tgtEl>
+                                        <p:attrNameLst>
+                                          <p:attrName>style.visibility</p:attrName>
+                                        </p:attrNameLst>
+                                      </p:cBhvr>
+                                      <p:to>
+                                        <p:strVal val="visible"/>
+                                      </p:to>
+                                    </p:set>
+                                  </p:childTnLst>
+                                </p:cTn>
+                              </p:par>
+                            </p:childTnLst>
+                          </p:cTn>
+                        </p:par>
+                      </p:childTnLst>
+                    </p:cTn>
+                  </p:par>
+                  <p:par>
+                    <p:cTn id="11" fill="hold">
+                      <p:stCondLst>
+                        <p:cond delay="indefinite"/>
+                      </p:stCondLst>
+                      <p:childTnLst>
+                        <p:par>
+                          <p:cTn id="12" fill="hold">
+                            <p:stCondLst>
+                              <p:cond delay="0"/>
+                            </p:stCondLst>
+                            <p:childTnLst>
+                              <p:par>
+                                <p:cTn id="13" presetID="1" presetClass="entr" presetSubtype="0" fill="hold" grpId="0" nodeType="clickEffect">
+                                  <p:stCondLst>
+                                    <p:cond delay="0"/>
+                                  </p:stCondLst>
+                                  <p:childTnLst>
+                                    <p:set>
+                                      <p:cBhvr>
+                                        <p:cTn id="14" dur="1" fill="hold">
+                                          <p:stCondLst>
+                                            <p:cond delay="0"/>
+                                          </p:stCondLst>
+                                        </p:cTn>
+                                        <p:tgtEl>
+                                          <p:spTgt spid="9"/>
+                                        </p:tgtEl>
+                                        <p:attrNameLst>
+                                          <p:attrName>style.visibility</p:attrName>
+                                        </p:attrNameLst>
+                                      </p:cBhvr>
+                                      <p:to>
+                                        <p:strVal val="visible"/>
+                                      </p:to>
+                                    </p:set>
+                                  </p:childTnLst>
+                                </p:cTn>
+                              </p:par>
+                            </p:childTnLst>
+                          </p:cTn>
+                        </p:par>
+                      </p:childTnLst>
+                    </p:cTn>
+                  </p:par>
+                  <p:par>
+                    <p:cTn id="15" fill="hold">
+                      <p:stCondLst>
+                        <p:cond delay="indefinite"/>
+                      </p:stCondLst>
+                      <p:childTnLst>
+                        <p:par>
+                          <p:cTn id="16" fill="hold">
+                            <p:stCondLst>
+                              <p:cond delay="0"/>
+                            </p:stCondLst>
+                            <p:childTnLst>
+                              <p:par>
+                                <p:cTn id="17" presetID="1" presetClass="entr" presetSubtype="0" fill="hold" nodeType="clickEffect">
+                                  <p:stCondLst>
+                                    <p:cond delay="0"/>
+                                  </p:stCondLst>
+                                  <p:childTnLst>
+                                    <p:set>
+                                      <p:cBhvr>
+                                        <p:cTn id="18" dur="1" fill="hold">
+                                          <p:stCondLst>
+                                            <p:cond delay="0"/>
+                                          </p:stCondLst>
+                                        </p:cTn>
+                                        <p:tgtEl>
+                                          <p:spTgt spid="3">
+                                            <p:txEl>
+                                              <p:pRg st="7" end="7"/>
+                                            </p:txEl>
+                                          </p:spTgt>
+                                        </p:tgtEl>
+                                        <p:attrNameLst>
+                                          <p:attrName>style.visibility</p:attrName>
+                                        </p:attrNameLst>
+                                      </p:cBhvr>
+                                      <p:to>
+                                        <p:strVal val="visible"/>
+                                      </p:to>
+                                    </p:set>
+                                  </p:childTnLst>
+                                </p:cTn>
+                              </p:par>
+                            </p:childTnLst>
+                          </p:cTn>
+                        </p:par>
+                      </p:childTnLst>
+                    </p:cTn>
+                  </p:par>
+                </p:childTnLst>
+              </p:cTn>
+              <p:prevCondLst>
+                <p:cond evt="onPrev" delay="0">
+                  <p:tgtEl>
+                    <p:sldTgt/>
+                  </p:tgtEl>
+                </p:cond>
+              </p:prevCondLst>
+              <p:nextCondLst>
+                <p:cond evt="onNext" delay="0">
+                  <p:tgtEl>
+                    <p:sldTgt/>
+                  </p:tgtEl>
+                </p:cond>
+              </p:nextCondLst>
+            </p:seq>
+          </p:childTnLst>
+        </p:cTn>
+      </p:par>
+    </p:tnLst>
+    <p:bldLst>
+      <p:bldP spid="7" grpId="0" animBg="1"/>
+      <p:bldP spid="9" grpId="0" animBg="1"/>
+    </p:bldLst>
+  </p:timing>
 </p:sld>
 </file>
 
@@ -9310,9 +10501,21 @@
               <a:rPr lang="en-US" dirty="0"/>
               <a:t>. </a:t>
             </a:r>
+            <a:endParaRPr lang="bg-BG" dirty="0"/>
+          </a:p>
+          <a:p>
             <a:r>
               <a:rPr lang="bg-BG" dirty="0"/>
-              <a:t>Стойностите могат да бъдат </a:t>
+              <a:t>Стойностите могат да бъдат</a:t>
+            </a:r>
+          </a:p>
+          <a:p>
+            <a:pPr marL="0" indent="0">
+              <a:buNone/>
+            </a:pPr>
+            <a:r>
+              <a:rPr lang="bg-BG" dirty="0"/>
+              <a:t> </a:t>
             </a:r>
             <a:r>
               <a:rPr lang="en-US" dirty="0" err="1">
@@ -9402,7 +10605,7 @@
         </p:nvGrpSpPr>
         <p:grpSpPr>
           <a:xfrm>
-            <a:off x="6780681" y="2438400"/>
+            <a:off x="6790895" y="2150872"/>
             <a:ext cx="4101807" cy="1640037"/>
             <a:chOff x="6780681" y="3401429"/>
             <a:chExt cx="4101807" cy="1640037"/>
@@ -9693,7 +10896,7 @@
         </p:nvGrpSpPr>
         <p:grpSpPr>
           <a:xfrm>
-            <a:off x="1523139" y="3453485"/>
+            <a:off x="1347916" y="4063344"/>
             <a:ext cx="4087141" cy="1640037"/>
             <a:chOff x="1523139" y="2438400"/>
             <a:chExt cx="4087141" cy="1640037"/>
@@ -9949,7 +11152,7 @@
         </p:nvGrpSpPr>
         <p:grpSpPr>
           <a:xfrm>
-            <a:off x="6780681" y="4296216"/>
+            <a:off x="6753041" y="4063344"/>
             <a:ext cx="4087868" cy="1640037"/>
             <a:chOff x="1522412" y="4468229"/>
             <a:chExt cx="4087868" cy="1640037"/>
@@ -10388,6 +11591,299 @@
   <p:clrMapOvr>
     <a:masterClrMapping/>
   </p:clrMapOvr>
+  <p:timing>
+    <p:tnLst>
+      <p:par>
+        <p:cTn id="1" dur="indefinite" restart="never" nodeType="tmRoot">
+          <p:childTnLst>
+            <p:seq concurrent="1" nextAc="seek">
+              <p:cTn id="2" dur="indefinite" nodeType="mainSeq">
+                <p:childTnLst>
+                  <p:par>
+                    <p:cTn id="3" fill="hold">
+                      <p:stCondLst>
+                        <p:cond delay="indefinite"/>
+                      </p:stCondLst>
+                      <p:childTnLst>
+                        <p:par>
+                          <p:cTn id="4" fill="hold">
+                            <p:stCondLst>
+                              <p:cond delay="0"/>
+                            </p:stCondLst>
+                            <p:childTnLst>
+                              <p:par>
+                                <p:cTn id="5" presetID="1" presetClass="entr" presetSubtype="0" fill="hold" nodeType="clickEffect">
+                                  <p:stCondLst>
+                                    <p:cond delay="0"/>
+                                  </p:stCondLst>
+                                  <p:childTnLst>
+                                    <p:set>
+                                      <p:cBhvr>
+                                        <p:cTn id="6" dur="1" fill="hold">
+                                          <p:stCondLst>
+                                            <p:cond delay="0"/>
+                                          </p:stCondLst>
+                                        </p:cTn>
+                                        <p:tgtEl>
+                                          <p:spTgt spid="9">
+                                            <p:txEl>
+                                              <p:pRg st="1" end="1"/>
+                                            </p:txEl>
+                                          </p:spTgt>
+                                        </p:tgtEl>
+                                        <p:attrNameLst>
+                                          <p:attrName>style.visibility</p:attrName>
+                                        </p:attrNameLst>
+                                      </p:cBhvr>
+                                      <p:to>
+                                        <p:strVal val="visible"/>
+                                      </p:to>
+                                    </p:set>
+                                  </p:childTnLst>
+                                </p:cTn>
+                              </p:par>
+                              <p:par>
+                                <p:cTn id="7" presetID="1" presetClass="entr" presetSubtype="0" fill="hold" nodeType="withEffect">
+                                  <p:stCondLst>
+                                    <p:cond delay="0"/>
+                                  </p:stCondLst>
+                                  <p:childTnLst>
+                                    <p:set>
+                                      <p:cBhvr>
+                                        <p:cTn id="8" dur="1" fill="hold">
+                                          <p:stCondLst>
+                                            <p:cond delay="0"/>
+                                          </p:stCondLst>
+                                        </p:cTn>
+                                        <p:tgtEl>
+                                          <p:spTgt spid="9">
+                                            <p:txEl>
+                                              <p:pRg st="2" end="2"/>
+                                            </p:txEl>
+                                          </p:spTgt>
+                                        </p:tgtEl>
+                                        <p:attrNameLst>
+                                          <p:attrName>style.visibility</p:attrName>
+                                        </p:attrNameLst>
+                                      </p:cBhvr>
+                                      <p:to>
+                                        <p:strVal val="visible"/>
+                                      </p:to>
+                                    </p:set>
+                                  </p:childTnLst>
+                                </p:cTn>
+                              </p:par>
+                            </p:childTnLst>
+                          </p:cTn>
+                        </p:par>
+                      </p:childTnLst>
+                    </p:cTn>
+                  </p:par>
+                  <p:par>
+                    <p:cTn id="9" fill="hold">
+                      <p:stCondLst>
+                        <p:cond delay="indefinite"/>
+                      </p:stCondLst>
+                      <p:childTnLst>
+                        <p:par>
+                          <p:cTn id="10" fill="hold">
+                            <p:stCondLst>
+                              <p:cond delay="0"/>
+                            </p:stCondLst>
+                            <p:childTnLst>
+                              <p:par>
+                                <p:cTn id="11" presetID="1" presetClass="entr" presetSubtype="0" fill="hold" nodeType="clickEffect">
+                                  <p:stCondLst>
+                                    <p:cond delay="0"/>
+                                  </p:stCondLst>
+                                  <p:childTnLst>
+                                    <p:set>
+                                      <p:cBhvr>
+                                        <p:cTn id="12" dur="1" fill="hold">
+                                          <p:stCondLst>
+                                            <p:cond delay="0"/>
+                                          </p:stCondLst>
+                                        </p:cTn>
+                                        <p:tgtEl>
+                                          <p:spTgt spid="19"/>
+                                        </p:tgtEl>
+                                        <p:attrNameLst>
+                                          <p:attrName>style.visibility</p:attrName>
+                                        </p:attrNameLst>
+                                      </p:cBhvr>
+                                      <p:to>
+                                        <p:strVal val="visible"/>
+                                      </p:to>
+                                    </p:set>
+                                  </p:childTnLst>
+                                </p:cTn>
+                              </p:par>
+                            </p:childTnLst>
+                          </p:cTn>
+                        </p:par>
+                      </p:childTnLst>
+                    </p:cTn>
+                  </p:par>
+                  <p:par>
+                    <p:cTn id="13" fill="hold">
+                      <p:stCondLst>
+                        <p:cond delay="indefinite"/>
+                      </p:stCondLst>
+                      <p:childTnLst>
+                        <p:par>
+                          <p:cTn id="14" fill="hold">
+                            <p:stCondLst>
+                              <p:cond delay="0"/>
+                            </p:stCondLst>
+                            <p:childTnLst>
+                              <p:par>
+                                <p:cTn id="15" presetID="1" presetClass="entr" presetSubtype="0" fill="hold" nodeType="clickEffect">
+                                  <p:stCondLst>
+                                    <p:cond delay="0"/>
+                                  </p:stCondLst>
+                                  <p:childTnLst>
+                                    <p:set>
+                                      <p:cBhvr>
+                                        <p:cTn id="16" dur="1" fill="hold">
+                                          <p:stCondLst>
+                                            <p:cond delay="0"/>
+                                          </p:stCondLst>
+                                        </p:cTn>
+                                        <p:tgtEl>
+                                          <p:spTgt spid="17"/>
+                                        </p:tgtEl>
+                                        <p:attrNameLst>
+                                          <p:attrName>style.visibility</p:attrName>
+                                        </p:attrNameLst>
+                                      </p:cBhvr>
+                                      <p:to>
+                                        <p:strVal val="visible"/>
+                                      </p:to>
+                                    </p:set>
+                                  </p:childTnLst>
+                                </p:cTn>
+                              </p:par>
+                            </p:childTnLst>
+                          </p:cTn>
+                        </p:par>
+                      </p:childTnLst>
+                    </p:cTn>
+                  </p:par>
+                  <p:par>
+                    <p:cTn id="17" fill="hold">
+                      <p:stCondLst>
+                        <p:cond delay="indefinite"/>
+                      </p:stCondLst>
+                      <p:childTnLst>
+                        <p:par>
+                          <p:cTn id="18" fill="hold">
+                            <p:stCondLst>
+                              <p:cond delay="0"/>
+                            </p:stCondLst>
+                            <p:childTnLst>
+                              <p:par>
+                                <p:cTn id="19" presetID="1" presetClass="entr" presetSubtype="0" fill="hold" nodeType="clickEffect">
+                                  <p:stCondLst>
+                                    <p:cond delay="0"/>
+                                  </p:stCondLst>
+                                  <p:childTnLst>
+                                    <p:set>
+                                      <p:cBhvr>
+                                        <p:cTn id="20" dur="1" fill="hold">
+                                          <p:stCondLst>
+                                            <p:cond delay="0"/>
+                                          </p:stCondLst>
+                                        </p:cTn>
+                                        <p:tgtEl>
+                                          <p:spTgt spid="18"/>
+                                        </p:tgtEl>
+                                        <p:attrNameLst>
+                                          <p:attrName>style.visibility</p:attrName>
+                                        </p:attrNameLst>
+                                      </p:cBhvr>
+                                      <p:to>
+                                        <p:strVal val="visible"/>
+                                      </p:to>
+                                    </p:set>
+                                  </p:childTnLst>
+                                </p:cTn>
+                              </p:par>
+                            </p:childTnLst>
+                          </p:cTn>
+                        </p:par>
+                      </p:childTnLst>
+                    </p:cTn>
+                  </p:par>
+                  <p:par>
+                    <p:cTn id="21" fill="hold">
+                      <p:stCondLst>
+                        <p:cond delay="indefinite"/>
+                      </p:stCondLst>
+                      <p:childTnLst>
+                        <p:par>
+                          <p:cTn id="22" fill="hold">
+                            <p:stCondLst>
+                              <p:cond delay="0"/>
+                            </p:stCondLst>
+                            <p:childTnLst>
+                              <p:par>
+                                <p:cTn id="23" presetID="1" presetClass="entr" presetSubtype="0" fill="hold" grpId="0" nodeType="clickEffect">
+                                  <p:stCondLst>
+                                    <p:cond delay="0"/>
+                                  </p:stCondLst>
+                                  <p:childTnLst>
+                                    <p:set>
+                                      <p:cBhvr>
+                                        <p:cTn id="24" dur="1" fill="hold">
+                                          <p:stCondLst>
+                                            <p:cond delay="0"/>
+                                          </p:stCondLst>
+                                        </p:cTn>
+                                        <p:tgtEl>
+                                          <p:spTgt spid="2"/>
+                                        </p:tgtEl>
+                                        <p:attrNameLst>
+                                          <p:attrName>style.visibility</p:attrName>
+                                        </p:attrNameLst>
+                                      </p:cBhvr>
+                                      <p:to>
+                                        <p:strVal val="visible"/>
+                                      </p:to>
+                                    </p:set>
+                                  </p:childTnLst>
+                                </p:cTn>
+                              </p:par>
+                            </p:childTnLst>
+                          </p:cTn>
+                        </p:par>
+                      </p:childTnLst>
+                    </p:cTn>
+                  </p:par>
+                </p:childTnLst>
+              </p:cTn>
+              <p:prevCondLst>
+                <p:cond evt="onPrev" delay="0">
+                  <p:tgtEl>
+                    <p:sldTgt/>
+                  </p:tgtEl>
+                </p:cond>
+              </p:prevCondLst>
+              <p:nextCondLst>
+                <p:cond evt="onNext" delay="0">
+                  <p:tgtEl>
+                    <p:sldTgt/>
+                  </p:tgtEl>
+                </p:cond>
+              </p:nextCondLst>
+            </p:seq>
+          </p:childTnLst>
+        </p:cTn>
+      </p:par>
+    </p:tnLst>
+    <p:bldLst>
+      <p:bldP spid="2" grpId="0"/>
+    </p:bldLst>
+  </p:timing>
 </p:sld>
 </file>
 
@@ -11631,7 +13127,7 @@
                                           </p:stCondLst>
                                         </p:cTn>
                                         <p:tgtEl>
-                                          <p:spTgt spid="8"/>
+                                          <p:spTgt spid="5"/>
                                         </p:tgtEl>
                                         <p:attrNameLst>
                                           <p:attrName>style.visibility</p:attrName>
@@ -11644,26 +13140,39 @@
                                   </p:childTnLst>
                                 </p:cTn>
                               </p:par>
-                            </p:childTnLst>
-                          </p:cTn>
-                        </p:par>
-                      </p:childTnLst>
-                    </p:cTn>
-                  </p:par>
-                  <p:par>
-                    <p:cTn id="7" fill="hold">
-                      <p:stCondLst>
-                        <p:cond delay="indefinite"/>
-                      </p:stCondLst>
-                      <p:childTnLst>
-                        <p:par>
-                          <p:cTn id="8" fill="hold">
-                            <p:stCondLst>
-                              <p:cond delay="0"/>
-                            </p:stCondLst>
-                            <p:childTnLst>
                               <p:par>
-                                <p:cTn id="9" presetID="1" presetClass="entr" presetSubtype="0" fill="hold" grpId="0" nodeType="clickEffect">
+                                <p:cTn id="7" presetID="1" presetClass="entr" presetSubtype="0" fill="hold" nodeType="withEffect">
+                                  <p:stCondLst>
+                                    <p:cond delay="0"/>
+                                  </p:stCondLst>
+                                  <p:childTnLst>
+                                    <p:set>
+                                      <p:cBhvr>
+                                        <p:cTn id="8" dur="1" fill="hold">
+                                          <p:stCondLst>
+                                            <p:cond delay="0"/>
+                                          </p:stCondLst>
+                                        </p:cTn>
+                                        <p:tgtEl>
+                                          <p:spTgt spid="5">
+                                            <p:txEl>
+                                              <p:pRg st="0" end="0"/>
+                                            </p:txEl>
+                                          </p:spTgt>
+                                        </p:tgtEl>
+                                        <p:attrNameLst>
+                                          <p:attrName>style.visibility</p:attrName>
+                                        </p:attrNameLst>
+                                      </p:cBhvr>
+                                      <p:to>
+                                        <p:strVal val="visible"/>
+                                      </p:to>
+                                    </p:set>
+                                  </p:childTnLst>
+                                </p:cTn>
+                              </p:par>
+                              <p:par>
+                                <p:cTn id="9" presetID="1" presetClass="entr" presetSubtype="0" fill="hold" nodeType="withEffect">
                                   <p:stCondLst>
                                     <p:cond delay="0"/>
                                   </p:stCondLst>
@@ -11676,7 +13185,11 @@
                                           </p:stCondLst>
                                         </p:cTn>
                                         <p:tgtEl>
-                                          <p:spTgt spid="9"/>
+                                          <p:spTgt spid="5">
+                                            <p:txEl>
+                                              <p:pRg st="1" end="1"/>
+                                            </p:txEl>
+                                          </p:spTgt>
                                         </p:tgtEl>
                                         <p:attrNameLst>
                                           <p:attrName>style.visibility</p:attrName>
@@ -11703,7 +13216,104 @@
                                           </p:stCondLst>
                                         </p:cTn>
                                         <p:tgtEl>
-                                          <p:spTgt spid="12"/>
+                                          <p:spTgt spid="5">
+                                            <p:txEl>
+                                              <p:pRg st="2" end="2"/>
+                                            </p:txEl>
+                                          </p:spTgt>
+                                        </p:tgtEl>
+                                        <p:attrNameLst>
+                                          <p:attrName>style.visibility</p:attrName>
+                                        </p:attrNameLst>
+                                      </p:cBhvr>
+                                      <p:to>
+                                        <p:strVal val="visible"/>
+                                      </p:to>
+                                    </p:set>
+                                  </p:childTnLst>
+                                </p:cTn>
+                              </p:par>
+                              <p:par>
+                                <p:cTn id="13" presetID="1" presetClass="entr" presetSubtype="0" fill="hold" nodeType="withEffect">
+                                  <p:stCondLst>
+                                    <p:cond delay="0"/>
+                                  </p:stCondLst>
+                                  <p:childTnLst>
+                                    <p:set>
+                                      <p:cBhvr>
+                                        <p:cTn id="14" dur="1" fill="hold">
+                                          <p:stCondLst>
+                                            <p:cond delay="0"/>
+                                          </p:stCondLst>
+                                        </p:cTn>
+                                        <p:tgtEl>
+                                          <p:spTgt spid="5">
+                                            <p:txEl>
+                                              <p:pRg st="3" end="3"/>
+                                            </p:txEl>
+                                          </p:spTgt>
+                                        </p:tgtEl>
+                                        <p:attrNameLst>
+                                          <p:attrName>style.visibility</p:attrName>
+                                        </p:attrNameLst>
+                                      </p:cBhvr>
+                                      <p:to>
+                                        <p:strVal val="visible"/>
+                                      </p:to>
+                                    </p:set>
+                                  </p:childTnLst>
+                                </p:cTn>
+                              </p:par>
+                              <p:par>
+                                <p:cTn id="15" presetID="1" presetClass="entr" presetSubtype="0" fill="hold" nodeType="withEffect">
+                                  <p:stCondLst>
+                                    <p:cond delay="0"/>
+                                  </p:stCondLst>
+                                  <p:childTnLst>
+                                    <p:set>
+                                      <p:cBhvr>
+                                        <p:cTn id="16" dur="1" fill="hold">
+                                          <p:stCondLst>
+                                            <p:cond delay="0"/>
+                                          </p:stCondLst>
+                                        </p:cTn>
+                                        <p:tgtEl>
+                                          <p:spTgt spid="5">
+                                            <p:txEl>
+                                              <p:pRg st="4" end="4"/>
+                                            </p:txEl>
+                                          </p:spTgt>
+                                        </p:tgtEl>
+                                        <p:attrNameLst>
+                                          <p:attrName>style.visibility</p:attrName>
+                                        </p:attrNameLst>
+                                      </p:cBhvr>
+                                      <p:to>
+                                        <p:strVal val="visible"/>
+                                      </p:to>
+                                    </p:set>
+                                  </p:childTnLst>
+                                </p:cTn>
+                              </p:par>
+                              <p:par>
+                                <p:cTn id="17" presetID="1" presetClass="entr" presetSubtype="0" fill="hold" nodeType="withEffect">
+                                  <p:stCondLst>
+                                    <p:cond delay="0"/>
+                                  </p:stCondLst>
+                                  <p:childTnLst>
+                                    <p:set>
+                                      <p:cBhvr>
+                                        <p:cTn id="18" dur="1" fill="hold">
+                                          <p:stCondLst>
+                                            <p:cond delay="0"/>
+                                          </p:stCondLst>
+                                        </p:cTn>
+                                        <p:tgtEl>
+                                          <p:spTgt spid="5">
+                                            <p:txEl>
+                                              <p:pRg st="5" end="5"/>
+                                            </p:txEl>
+                                          </p:spTgt>
                                         </p:tgtEl>
                                         <p:attrNameLst>
                                           <p:attrName>style.visibility</p:attrName>
@@ -11723,32 +13333,367 @@
                     </p:cTn>
                   </p:par>
                   <p:par>
-                    <p:cTn id="13" fill="hold">
+                    <p:cTn id="19" fill="hold">
                       <p:stCondLst>
                         <p:cond delay="indefinite"/>
                       </p:stCondLst>
                       <p:childTnLst>
                         <p:par>
-                          <p:cTn id="14" fill="hold">
+                          <p:cTn id="20" fill="hold">
                             <p:stCondLst>
                               <p:cond delay="0"/>
                             </p:stCondLst>
                             <p:childTnLst>
                               <p:par>
-                                <p:cTn id="15" presetID="1" presetClass="entr" presetSubtype="0" fill="hold" grpId="0" nodeType="clickEffect">
+                                <p:cTn id="21" presetID="1" presetClass="entr" presetSubtype="0" fill="hold" grpId="0" nodeType="clickEffect">
                                   <p:stCondLst>
                                     <p:cond delay="0"/>
                                   </p:stCondLst>
                                   <p:childTnLst>
                                     <p:set>
                                       <p:cBhvr>
-                                        <p:cTn id="16" dur="1" fill="hold">
+                                        <p:cTn id="22" dur="1" fill="hold">
+                                          <p:stCondLst>
+                                            <p:cond delay="0"/>
+                                          </p:stCondLst>
+                                        </p:cTn>
+                                        <p:tgtEl>
+                                          <p:spTgt spid="4"/>
+                                        </p:tgtEl>
+                                        <p:attrNameLst>
+                                          <p:attrName>style.visibility</p:attrName>
+                                        </p:attrNameLst>
+                                      </p:cBhvr>
+                                      <p:to>
+                                        <p:strVal val="visible"/>
+                                      </p:to>
+                                    </p:set>
+                                  </p:childTnLst>
+                                </p:cTn>
+                              </p:par>
+                              <p:par>
+                                <p:cTn id="23" presetID="1" presetClass="entr" presetSubtype="0" fill="hold" nodeType="withEffect">
+                                  <p:stCondLst>
+                                    <p:cond delay="0"/>
+                                  </p:stCondLst>
+                                  <p:childTnLst>
+                                    <p:set>
+                                      <p:cBhvr>
+                                        <p:cTn id="24" dur="1" fill="hold">
+                                          <p:stCondLst>
+                                            <p:cond delay="0"/>
+                                          </p:stCondLst>
+                                        </p:cTn>
+                                        <p:tgtEl>
+                                          <p:spTgt spid="4">
+                                            <p:txEl>
+                                              <p:pRg st="0" end="0"/>
+                                            </p:txEl>
+                                          </p:spTgt>
+                                        </p:tgtEl>
+                                        <p:attrNameLst>
+                                          <p:attrName>style.visibility</p:attrName>
+                                        </p:attrNameLst>
+                                      </p:cBhvr>
+                                      <p:to>
+                                        <p:strVal val="visible"/>
+                                      </p:to>
+                                    </p:set>
+                                  </p:childTnLst>
+                                </p:cTn>
+                              </p:par>
+                              <p:par>
+                                <p:cTn id="25" presetID="1" presetClass="entr" presetSubtype="0" fill="hold" nodeType="withEffect">
+                                  <p:stCondLst>
+                                    <p:cond delay="0"/>
+                                  </p:stCondLst>
+                                  <p:childTnLst>
+                                    <p:set>
+                                      <p:cBhvr>
+                                        <p:cTn id="26" dur="1" fill="hold">
+                                          <p:stCondLst>
+                                            <p:cond delay="0"/>
+                                          </p:stCondLst>
+                                        </p:cTn>
+                                        <p:tgtEl>
+                                          <p:spTgt spid="4">
+                                            <p:txEl>
+                                              <p:pRg st="1" end="1"/>
+                                            </p:txEl>
+                                          </p:spTgt>
+                                        </p:tgtEl>
+                                        <p:attrNameLst>
+                                          <p:attrName>style.visibility</p:attrName>
+                                        </p:attrNameLst>
+                                      </p:cBhvr>
+                                      <p:to>
+                                        <p:strVal val="visible"/>
+                                      </p:to>
+                                    </p:set>
+                                  </p:childTnLst>
+                                </p:cTn>
+                              </p:par>
+                              <p:par>
+                                <p:cTn id="27" presetID="1" presetClass="entr" presetSubtype="0" fill="hold" nodeType="withEffect">
+                                  <p:stCondLst>
+                                    <p:cond delay="0"/>
+                                  </p:stCondLst>
+                                  <p:childTnLst>
+                                    <p:set>
+                                      <p:cBhvr>
+                                        <p:cTn id="28" dur="1" fill="hold">
+                                          <p:stCondLst>
+                                            <p:cond delay="0"/>
+                                          </p:stCondLst>
+                                        </p:cTn>
+                                        <p:tgtEl>
+                                          <p:spTgt spid="4">
+                                            <p:txEl>
+                                              <p:pRg st="2" end="2"/>
+                                            </p:txEl>
+                                          </p:spTgt>
+                                        </p:tgtEl>
+                                        <p:attrNameLst>
+                                          <p:attrName>style.visibility</p:attrName>
+                                        </p:attrNameLst>
+                                      </p:cBhvr>
+                                      <p:to>
+                                        <p:strVal val="visible"/>
+                                      </p:to>
+                                    </p:set>
+                                  </p:childTnLst>
+                                </p:cTn>
+                              </p:par>
+                              <p:par>
+                                <p:cTn id="29" presetID="1" presetClass="entr" presetSubtype="0" fill="hold" nodeType="withEffect">
+                                  <p:stCondLst>
+                                    <p:cond delay="0"/>
+                                  </p:stCondLst>
+                                  <p:childTnLst>
+                                    <p:set>
+                                      <p:cBhvr>
+                                        <p:cTn id="30" dur="1" fill="hold">
+                                          <p:stCondLst>
+                                            <p:cond delay="0"/>
+                                          </p:stCondLst>
+                                        </p:cTn>
+                                        <p:tgtEl>
+                                          <p:spTgt spid="4">
+                                            <p:txEl>
+                                              <p:pRg st="3" end="3"/>
+                                            </p:txEl>
+                                          </p:spTgt>
+                                        </p:tgtEl>
+                                        <p:attrNameLst>
+                                          <p:attrName>style.visibility</p:attrName>
+                                        </p:attrNameLst>
+                                      </p:cBhvr>
+                                      <p:to>
+                                        <p:strVal val="visible"/>
+                                      </p:to>
+                                    </p:set>
+                                  </p:childTnLst>
+                                </p:cTn>
+                              </p:par>
+                              <p:par>
+                                <p:cTn id="31" presetID="1" presetClass="entr" presetSubtype="0" fill="hold" nodeType="withEffect">
+                                  <p:stCondLst>
+                                    <p:cond delay="0"/>
+                                  </p:stCondLst>
+                                  <p:childTnLst>
+                                    <p:set>
+                                      <p:cBhvr>
+                                        <p:cTn id="32" dur="1" fill="hold">
+                                          <p:stCondLst>
+                                            <p:cond delay="0"/>
+                                          </p:stCondLst>
+                                        </p:cTn>
+                                        <p:tgtEl>
+                                          <p:spTgt spid="4">
+                                            <p:txEl>
+                                              <p:pRg st="4" end="4"/>
+                                            </p:txEl>
+                                          </p:spTgt>
+                                        </p:tgtEl>
+                                        <p:attrNameLst>
+                                          <p:attrName>style.visibility</p:attrName>
+                                        </p:attrNameLst>
+                                      </p:cBhvr>
+                                      <p:to>
+                                        <p:strVal val="visible"/>
+                                      </p:to>
+                                    </p:set>
+                                  </p:childTnLst>
+                                </p:cTn>
+                              </p:par>
+                            </p:childTnLst>
+                          </p:cTn>
+                        </p:par>
+                      </p:childTnLst>
+                    </p:cTn>
+                  </p:par>
+                  <p:par>
+                    <p:cTn id="33" fill="hold">
+                      <p:stCondLst>
+                        <p:cond delay="indefinite"/>
+                      </p:stCondLst>
+                      <p:childTnLst>
+                        <p:par>
+                          <p:cTn id="34" fill="hold">
+                            <p:stCondLst>
+                              <p:cond delay="0"/>
+                            </p:stCondLst>
+                            <p:childTnLst>
+                              <p:par>
+                                <p:cTn id="35" presetID="1" presetClass="entr" presetSubtype="0" fill="hold" grpId="0" nodeType="clickEffect">
+                                  <p:stCondLst>
+                                    <p:cond delay="0"/>
+                                  </p:stCondLst>
+                                  <p:childTnLst>
+                                    <p:set>
+                                      <p:cBhvr>
+                                        <p:cTn id="36" dur="1" fill="hold">
+                                          <p:stCondLst>
+                                            <p:cond delay="0"/>
+                                          </p:stCondLst>
+                                        </p:cTn>
+                                        <p:tgtEl>
+                                          <p:spTgt spid="8"/>
+                                        </p:tgtEl>
+                                        <p:attrNameLst>
+                                          <p:attrName>style.visibility</p:attrName>
+                                        </p:attrNameLst>
+                                      </p:cBhvr>
+                                      <p:to>
+                                        <p:strVal val="visible"/>
+                                      </p:to>
+                                    </p:set>
+                                  </p:childTnLst>
+                                </p:cTn>
+                              </p:par>
+                            </p:childTnLst>
+                          </p:cTn>
+                        </p:par>
+                      </p:childTnLst>
+                    </p:cTn>
+                  </p:par>
+                  <p:par>
+                    <p:cTn id="37" fill="hold">
+                      <p:stCondLst>
+                        <p:cond delay="indefinite"/>
+                      </p:stCondLst>
+                      <p:childTnLst>
+                        <p:par>
+                          <p:cTn id="38" fill="hold">
+                            <p:stCondLst>
+                              <p:cond delay="0"/>
+                            </p:stCondLst>
+                            <p:childTnLst>
+                              <p:par>
+                                <p:cTn id="39" presetID="1" presetClass="entr" presetSubtype="0" fill="hold" grpId="0" nodeType="clickEffect">
+                                  <p:stCondLst>
+                                    <p:cond delay="0"/>
+                                  </p:stCondLst>
+                                  <p:childTnLst>
+                                    <p:set>
+                                      <p:cBhvr>
+                                        <p:cTn id="40" dur="1" fill="hold">
+                                          <p:stCondLst>
+                                            <p:cond delay="0"/>
+                                          </p:stCondLst>
+                                        </p:cTn>
+                                        <p:tgtEl>
+                                          <p:spTgt spid="9"/>
+                                        </p:tgtEl>
+                                        <p:attrNameLst>
+                                          <p:attrName>style.visibility</p:attrName>
+                                        </p:attrNameLst>
+                                      </p:cBhvr>
+                                      <p:to>
+                                        <p:strVal val="visible"/>
+                                      </p:to>
+                                    </p:set>
+                                  </p:childTnLst>
+                                </p:cTn>
+                              </p:par>
+                            </p:childTnLst>
+                          </p:cTn>
+                        </p:par>
+                      </p:childTnLst>
+                    </p:cTn>
+                  </p:par>
+                  <p:par>
+                    <p:cTn id="41" fill="hold">
+                      <p:stCondLst>
+                        <p:cond delay="indefinite"/>
+                      </p:stCondLst>
+                      <p:childTnLst>
+                        <p:par>
+                          <p:cTn id="42" fill="hold">
+                            <p:stCondLst>
+                              <p:cond delay="0"/>
+                            </p:stCondLst>
+                            <p:childTnLst>
+                              <p:par>
+                                <p:cTn id="43" presetID="1" presetClass="entr" presetSubtype="0" fill="hold" grpId="0" nodeType="clickEffect">
+                                  <p:stCondLst>
+                                    <p:cond delay="0"/>
+                                  </p:stCondLst>
+                                  <p:childTnLst>
+                                    <p:set>
+                                      <p:cBhvr>
+                                        <p:cTn id="44" dur="1" fill="hold">
                                           <p:stCondLst>
                                             <p:cond delay="0"/>
                                           </p:stCondLst>
                                         </p:cTn>
                                         <p:tgtEl>
                                           <p:spTgt spid="10"/>
+                                        </p:tgtEl>
+                                        <p:attrNameLst>
+                                          <p:attrName>style.visibility</p:attrName>
+                                        </p:attrNameLst>
+                                      </p:cBhvr>
+                                      <p:to>
+                                        <p:strVal val="visible"/>
+                                      </p:to>
+                                    </p:set>
+                                  </p:childTnLst>
+                                </p:cTn>
+                              </p:par>
+                            </p:childTnLst>
+                          </p:cTn>
+                        </p:par>
+                      </p:childTnLst>
+                    </p:cTn>
+                  </p:par>
+                  <p:par>
+                    <p:cTn id="45" fill="hold">
+                      <p:stCondLst>
+                        <p:cond delay="indefinite"/>
+                      </p:stCondLst>
+                      <p:childTnLst>
+                        <p:par>
+                          <p:cTn id="46" fill="hold">
+                            <p:stCondLst>
+                              <p:cond delay="0"/>
+                            </p:stCondLst>
+                            <p:childTnLst>
+                              <p:par>
+                                <p:cTn id="47" presetID="1" presetClass="entr" presetSubtype="0" fill="hold" nodeType="clickEffect">
+                                  <p:stCondLst>
+                                    <p:cond delay="0"/>
+                                  </p:stCondLst>
+                                  <p:childTnLst>
+                                    <p:set>
+                                      <p:cBhvr>
+                                        <p:cTn id="48" dur="1" fill="hold">
+                                          <p:stCondLst>
+                                            <p:cond delay="0"/>
+                                          </p:stCondLst>
+                                        </p:cTn>
+                                        <p:tgtEl>
+                                          <p:spTgt spid="12"/>
                                         </p:tgtEl>
                                         <p:attrNameLst>
                                           <p:attrName>style.visibility</p:attrName>
@@ -11789,6 +13734,8 @@
       </p:par>
     </p:tnLst>
     <p:bldLst>
+      <p:bldP spid="4" grpId="0" animBg="1"/>
+      <p:bldP spid="5" grpId="0" animBg="1"/>
       <p:bldP spid="8" grpId="0" animBg="1"/>
       <p:bldP spid="9" grpId="0" animBg="1"/>
       <p:bldP spid="10" grpId="0" animBg="1"/>
@@ -12697,6 +14644,499 @@
       <p:transition/>
     </mc:Fallback>
   </mc:AlternateContent>
+  <p:timing>
+    <p:tnLst>
+      <p:par>
+        <p:cTn id="1" dur="indefinite" restart="never" nodeType="tmRoot">
+          <p:childTnLst>
+            <p:seq concurrent="1" nextAc="seek">
+              <p:cTn id="2" dur="indefinite" nodeType="mainSeq">
+                <p:childTnLst>
+                  <p:par>
+                    <p:cTn id="3" fill="hold">
+                      <p:stCondLst>
+                        <p:cond delay="indefinite"/>
+                      </p:stCondLst>
+                      <p:childTnLst>
+                        <p:par>
+                          <p:cTn id="4" fill="hold">
+                            <p:stCondLst>
+                              <p:cond delay="0"/>
+                            </p:stCondLst>
+                            <p:childTnLst>
+                              <p:par>
+                                <p:cTn id="5" presetID="1" presetClass="entr" presetSubtype="0" fill="hold" nodeType="clickEffect">
+                                  <p:stCondLst>
+                                    <p:cond delay="0"/>
+                                  </p:stCondLst>
+                                  <p:childTnLst>
+                                    <p:set>
+                                      <p:cBhvr>
+                                        <p:cTn id="6" dur="1" fill="hold">
+                                          <p:stCondLst>
+                                            <p:cond delay="0"/>
+                                          </p:stCondLst>
+                                        </p:cTn>
+                                        <p:tgtEl>
+                                          <p:spTgt spid="7">
+                                            <p:txEl>
+                                              <p:pRg st="1" end="1"/>
+                                            </p:txEl>
+                                          </p:spTgt>
+                                        </p:tgtEl>
+                                        <p:attrNameLst>
+                                          <p:attrName>style.visibility</p:attrName>
+                                        </p:attrNameLst>
+                                      </p:cBhvr>
+                                      <p:to>
+                                        <p:strVal val="visible"/>
+                                      </p:to>
+                                    </p:set>
+                                  </p:childTnLst>
+                                </p:cTn>
+                              </p:par>
+                            </p:childTnLst>
+                          </p:cTn>
+                        </p:par>
+                      </p:childTnLst>
+                    </p:cTn>
+                  </p:par>
+                  <p:par>
+                    <p:cTn id="7" fill="hold">
+                      <p:stCondLst>
+                        <p:cond delay="indefinite"/>
+                      </p:stCondLst>
+                      <p:childTnLst>
+                        <p:par>
+                          <p:cTn id="8" fill="hold">
+                            <p:stCondLst>
+                              <p:cond delay="0"/>
+                            </p:stCondLst>
+                            <p:childTnLst>
+                              <p:par>
+                                <p:cTn id="9" presetID="1" presetClass="entr" presetSubtype="0" fill="hold" nodeType="clickEffect">
+                                  <p:stCondLst>
+                                    <p:cond delay="0"/>
+                                  </p:stCondLst>
+                                  <p:childTnLst>
+                                    <p:set>
+                                      <p:cBhvr>
+                                        <p:cTn id="10" dur="1" fill="hold">
+                                          <p:stCondLst>
+                                            <p:cond delay="0"/>
+                                          </p:stCondLst>
+                                        </p:cTn>
+                                        <p:tgtEl>
+                                          <p:spTgt spid="7">
+                                            <p:txEl>
+                                              <p:pRg st="2" end="2"/>
+                                            </p:txEl>
+                                          </p:spTgt>
+                                        </p:tgtEl>
+                                        <p:attrNameLst>
+                                          <p:attrName>style.visibility</p:attrName>
+                                        </p:attrNameLst>
+                                      </p:cBhvr>
+                                      <p:to>
+                                        <p:strVal val="visible"/>
+                                      </p:to>
+                                    </p:set>
+                                  </p:childTnLst>
+                                </p:cTn>
+                              </p:par>
+                            </p:childTnLst>
+                          </p:cTn>
+                        </p:par>
+                      </p:childTnLst>
+                    </p:cTn>
+                  </p:par>
+                  <p:par>
+                    <p:cTn id="11" fill="hold">
+                      <p:stCondLst>
+                        <p:cond delay="indefinite"/>
+                      </p:stCondLst>
+                      <p:childTnLst>
+                        <p:par>
+                          <p:cTn id="12" fill="hold">
+                            <p:stCondLst>
+                              <p:cond delay="0"/>
+                            </p:stCondLst>
+                            <p:childTnLst>
+                              <p:par>
+                                <p:cTn id="13" presetID="1" presetClass="entr" presetSubtype="0" fill="hold" nodeType="clickEffect">
+                                  <p:stCondLst>
+                                    <p:cond delay="0"/>
+                                  </p:stCondLst>
+                                  <p:childTnLst>
+                                    <p:set>
+                                      <p:cBhvr>
+                                        <p:cTn id="14" dur="1" fill="hold">
+                                          <p:stCondLst>
+                                            <p:cond delay="0"/>
+                                          </p:stCondLst>
+                                        </p:cTn>
+                                        <p:tgtEl>
+                                          <p:spTgt spid="7">
+                                            <p:txEl>
+                                              <p:pRg st="3" end="3"/>
+                                            </p:txEl>
+                                          </p:spTgt>
+                                        </p:tgtEl>
+                                        <p:attrNameLst>
+                                          <p:attrName>style.visibility</p:attrName>
+                                        </p:attrNameLst>
+                                      </p:cBhvr>
+                                      <p:to>
+                                        <p:strVal val="visible"/>
+                                      </p:to>
+                                    </p:set>
+                                  </p:childTnLst>
+                                </p:cTn>
+                              </p:par>
+                            </p:childTnLst>
+                          </p:cTn>
+                        </p:par>
+                      </p:childTnLst>
+                    </p:cTn>
+                  </p:par>
+                  <p:par>
+                    <p:cTn id="15" fill="hold">
+                      <p:stCondLst>
+                        <p:cond delay="indefinite"/>
+                      </p:stCondLst>
+                      <p:childTnLst>
+                        <p:par>
+                          <p:cTn id="16" fill="hold">
+                            <p:stCondLst>
+                              <p:cond delay="0"/>
+                            </p:stCondLst>
+                            <p:childTnLst>
+                              <p:par>
+                                <p:cTn id="17" presetID="1" presetClass="entr" presetSubtype="0" fill="hold" grpId="0" nodeType="clickEffect">
+                                  <p:stCondLst>
+                                    <p:cond delay="0"/>
+                                  </p:stCondLst>
+                                  <p:childTnLst>
+                                    <p:set>
+                                      <p:cBhvr>
+                                        <p:cTn id="18" dur="1" fill="hold">
+                                          <p:stCondLst>
+                                            <p:cond delay="0"/>
+                                          </p:stCondLst>
+                                        </p:cTn>
+                                        <p:tgtEl>
+                                          <p:spTgt spid="5"/>
+                                        </p:tgtEl>
+                                        <p:attrNameLst>
+                                          <p:attrName>style.visibility</p:attrName>
+                                        </p:attrNameLst>
+                                      </p:cBhvr>
+                                      <p:to>
+                                        <p:strVal val="visible"/>
+                                      </p:to>
+                                    </p:set>
+                                  </p:childTnLst>
+                                </p:cTn>
+                              </p:par>
+                              <p:par>
+                                <p:cTn id="19" presetID="1" presetClass="entr" presetSubtype="0" fill="hold" grpId="0" nodeType="withEffect">
+                                  <p:stCondLst>
+                                    <p:cond delay="0"/>
+                                  </p:stCondLst>
+                                  <p:childTnLst>
+                                    <p:set>
+                                      <p:cBhvr>
+                                        <p:cTn id="20" dur="1" fill="hold">
+                                          <p:stCondLst>
+                                            <p:cond delay="0"/>
+                                          </p:stCondLst>
+                                        </p:cTn>
+                                        <p:tgtEl>
+                                          <p:spTgt spid="8"/>
+                                        </p:tgtEl>
+                                        <p:attrNameLst>
+                                          <p:attrName>style.visibility</p:attrName>
+                                        </p:attrNameLst>
+                                      </p:cBhvr>
+                                      <p:to>
+                                        <p:strVal val="visible"/>
+                                      </p:to>
+                                    </p:set>
+                                  </p:childTnLst>
+                                </p:cTn>
+                              </p:par>
+                            </p:childTnLst>
+                          </p:cTn>
+                        </p:par>
+                      </p:childTnLst>
+                    </p:cTn>
+                  </p:par>
+                  <p:par>
+                    <p:cTn id="21" fill="hold">
+                      <p:stCondLst>
+                        <p:cond delay="indefinite"/>
+                      </p:stCondLst>
+                      <p:childTnLst>
+                        <p:par>
+                          <p:cTn id="22" fill="hold">
+                            <p:stCondLst>
+                              <p:cond delay="0"/>
+                            </p:stCondLst>
+                            <p:childTnLst>
+                              <p:par>
+                                <p:cTn id="23" presetID="1" presetClass="entr" presetSubtype="0" fill="hold" grpId="0" nodeType="clickEffect">
+                                  <p:stCondLst>
+                                    <p:cond delay="0"/>
+                                  </p:stCondLst>
+                                  <p:childTnLst>
+                                    <p:set>
+                                      <p:cBhvr>
+                                        <p:cTn id="24" dur="1" fill="hold">
+                                          <p:stCondLst>
+                                            <p:cond delay="0"/>
+                                          </p:stCondLst>
+                                        </p:cTn>
+                                        <p:tgtEl>
+                                          <p:spTgt spid="4"/>
+                                        </p:tgtEl>
+                                        <p:attrNameLst>
+                                          <p:attrName>style.visibility</p:attrName>
+                                        </p:attrNameLst>
+                                      </p:cBhvr>
+                                      <p:to>
+                                        <p:strVal val="visible"/>
+                                      </p:to>
+                                    </p:set>
+                                  </p:childTnLst>
+                                </p:cTn>
+                              </p:par>
+                              <p:par>
+                                <p:cTn id="25" presetID="1" presetClass="entr" presetSubtype="0" fill="hold" grpId="0" nodeType="withEffect">
+                                  <p:stCondLst>
+                                    <p:cond delay="0"/>
+                                  </p:stCondLst>
+                                  <p:childTnLst>
+                                    <p:set>
+                                      <p:cBhvr>
+                                        <p:cTn id="26" dur="1" fill="hold">
+                                          <p:stCondLst>
+                                            <p:cond delay="0"/>
+                                          </p:stCondLst>
+                                        </p:cTn>
+                                        <p:tgtEl>
+                                          <p:spTgt spid="10"/>
+                                        </p:tgtEl>
+                                        <p:attrNameLst>
+                                          <p:attrName>style.visibility</p:attrName>
+                                        </p:attrNameLst>
+                                      </p:cBhvr>
+                                      <p:to>
+                                        <p:strVal val="visible"/>
+                                      </p:to>
+                                    </p:set>
+                                  </p:childTnLst>
+                                </p:cTn>
+                              </p:par>
+                            </p:childTnLst>
+                          </p:cTn>
+                        </p:par>
+                      </p:childTnLst>
+                    </p:cTn>
+                  </p:par>
+                  <p:par>
+                    <p:cTn id="27" fill="hold">
+                      <p:stCondLst>
+                        <p:cond delay="indefinite"/>
+                      </p:stCondLst>
+                      <p:childTnLst>
+                        <p:par>
+                          <p:cTn id="28" fill="hold">
+                            <p:stCondLst>
+                              <p:cond delay="0"/>
+                            </p:stCondLst>
+                            <p:childTnLst>
+                              <p:par>
+                                <p:cTn id="29" presetID="1" presetClass="entr" presetSubtype="0" fill="hold" grpId="0" nodeType="clickEffect">
+                                  <p:stCondLst>
+                                    <p:cond delay="0"/>
+                                  </p:stCondLst>
+                                  <p:childTnLst>
+                                    <p:set>
+                                      <p:cBhvr>
+                                        <p:cTn id="30" dur="1" fill="hold">
+                                          <p:stCondLst>
+                                            <p:cond delay="0"/>
+                                          </p:stCondLst>
+                                        </p:cTn>
+                                        <p:tgtEl>
+                                          <p:spTgt spid="9"/>
+                                        </p:tgtEl>
+                                        <p:attrNameLst>
+                                          <p:attrName>style.visibility</p:attrName>
+                                        </p:attrNameLst>
+                                      </p:cBhvr>
+                                      <p:to>
+                                        <p:strVal val="visible"/>
+                                      </p:to>
+                                    </p:set>
+                                  </p:childTnLst>
+                                </p:cTn>
+                              </p:par>
+                              <p:par>
+                                <p:cTn id="31" presetID="1" presetClass="entr" presetSubtype="0" fill="hold" grpId="0" nodeType="withEffect">
+                                  <p:stCondLst>
+                                    <p:cond delay="0"/>
+                                  </p:stCondLst>
+                                  <p:childTnLst>
+                                    <p:set>
+                                      <p:cBhvr>
+                                        <p:cTn id="32" dur="1" fill="hold">
+                                          <p:stCondLst>
+                                            <p:cond delay="0"/>
+                                          </p:stCondLst>
+                                        </p:cTn>
+                                        <p:tgtEl>
+                                          <p:spTgt spid="11"/>
+                                        </p:tgtEl>
+                                        <p:attrNameLst>
+                                          <p:attrName>style.visibility</p:attrName>
+                                        </p:attrNameLst>
+                                      </p:cBhvr>
+                                      <p:to>
+                                        <p:strVal val="visible"/>
+                                      </p:to>
+                                    </p:set>
+                                  </p:childTnLst>
+                                </p:cTn>
+                              </p:par>
+                            </p:childTnLst>
+                          </p:cTn>
+                        </p:par>
+                      </p:childTnLst>
+                    </p:cTn>
+                  </p:par>
+                  <p:par>
+                    <p:cTn id="33" fill="hold">
+                      <p:stCondLst>
+                        <p:cond delay="indefinite"/>
+                      </p:stCondLst>
+                      <p:childTnLst>
+                        <p:par>
+                          <p:cTn id="34" fill="hold">
+                            <p:stCondLst>
+                              <p:cond delay="0"/>
+                            </p:stCondLst>
+                            <p:childTnLst>
+                              <p:par>
+                                <p:cTn id="35" presetID="1" presetClass="entr" presetSubtype="0" fill="hold" grpId="0" nodeType="clickEffect">
+                                  <p:stCondLst>
+                                    <p:cond delay="0"/>
+                                  </p:stCondLst>
+                                  <p:childTnLst>
+                                    <p:set>
+                                      <p:cBhvr>
+                                        <p:cTn id="36" dur="1" fill="hold">
+                                          <p:stCondLst>
+                                            <p:cond delay="0"/>
+                                          </p:stCondLst>
+                                        </p:cTn>
+                                        <p:tgtEl>
+                                          <p:spTgt spid="12"/>
+                                        </p:tgtEl>
+                                        <p:attrNameLst>
+                                          <p:attrName>style.visibility</p:attrName>
+                                        </p:attrNameLst>
+                                      </p:cBhvr>
+                                      <p:to>
+                                        <p:strVal val="visible"/>
+                                      </p:to>
+                                    </p:set>
+                                  </p:childTnLst>
+                                </p:cTn>
+                              </p:par>
+                            </p:childTnLst>
+                          </p:cTn>
+                        </p:par>
+                      </p:childTnLst>
+                    </p:cTn>
+                  </p:par>
+                  <p:par>
+                    <p:cTn id="37" fill="hold">
+                      <p:stCondLst>
+                        <p:cond delay="indefinite"/>
+                      </p:stCondLst>
+                      <p:childTnLst>
+                        <p:par>
+                          <p:cTn id="38" fill="hold">
+                            <p:stCondLst>
+                              <p:cond delay="0"/>
+                            </p:stCondLst>
+                            <p:childTnLst>
+                              <p:par>
+                                <p:cTn id="39" presetID="1" presetClass="entr" presetSubtype="0" fill="hold" grpId="0" nodeType="clickEffect">
+                                  <p:stCondLst>
+                                    <p:cond delay="0"/>
+                                  </p:stCondLst>
+                                  <p:childTnLst>
+                                    <p:set>
+                                      <p:cBhvr>
+                                        <p:cTn id="40" dur="1" fill="hold">
+                                          <p:stCondLst>
+                                            <p:cond delay="0"/>
+                                          </p:stCondLst>
+                                        </p:cTn>
+                                        <p:tgtEl>
+                                          <p:spTgt spid="2"/>
+                                        </p:tgtEl>
+                                        <p:attrNameLst>
+                                          <p:attrName>style.visibility</p:attrName>
+                                        </p:attrNameLst>
+                                      </p:cBhvr>
+                                      <p:to>
+                                        <p:strVal val="visible"/>
+                                      </p:to>
+                                    </p:set>
+                                  </p:childTnLst>
+                                </p:cTn>
+                              </p:par>
+                            </p:childTnLst>
+                          </p:cTn>
+                        </p:par>
+                      </p:childTnLst>
+                    </p:cTn>
+                  </p:par>
+                </p:childTnLst>
+              </p:cTn>
+              <p:prevCondLst>
+                <p:cond evt="onPrev" delay="0">
+                  <p:tgtEl>
+                    <p:sldTgt/>
+                  </p:tgtEl>
+                </p:cond>
+              </p:prevCondLst>
+              <p:nextCondLst>
+                <p:cond evt="onNext" delay="0">
+                  <p:tgtEl>
+                    <p:sldTgt/>
+                  </p:tgtEl>
+                </p:cond>
+              </p:nextCondLst>
+            </p:seq>
+          </p:childTnLst>
+        </p:cTn>
+      </p:par>
+    </p:tnLst>
+    <p:bldLst>
+      <p:bldP spid="4" grpId="0" animBg="1"/>
+      <p:bldP spid="5" grpId="0" animBg="1"/>
+      <p:bldP spid="8" grpId="0" animBg="1"/>
+      <p:bldP spid="9" grpId="0" animBg="1"/>
+      <p:bldP spid="10" grpId="0" animBg="1"/>
+      <p:bldP spid="11" grpId="0" animBg="1"/>
+      <p:bldP spid="12" grpId="0" animBg="1"/>
+      <p:bldP spid="2" grpId="0"/>
+    </p:bldLst>
+  </p:timing>
 </p:sld>
 </file>
 
@@ -13408,6 +15848,134 @@
   <p:clrMapOvr>
     <a:masterClrMapping/>
   </p:clrMapOvr>
+  <p:timing>
+    <p:tnLst>
+      <p:par>
+        <p:cTn id="1" dur="indefinite" restart="never" nodeType="tmRoot">
+          <p:childTnLst>
+            <p:seq concurrent="1" nextAc="seek">
+              <p:cTn id="2" dur="indefinite" nodeType="mainSeq">
+                <p:childTnLst>
+                  <p:par>
+                    <p:cTn id="3" fill="hold">
+                      <p:stCondLst>
+                        <p:cond delay="indefinite"/>
+                      </p:stCondLst>
+                      <p:childTnLst>
+                        <p:par>
+                          <p:cTn id="4" fill="hold">
+                            <p:stCondLst>
+                              <p:cond delay="0"/>
+                            </p:stCondLst>
+                            <p:childTnLst>
+                              <p:par>
+                                <p:cTn id="5" presetID="1" presetClass="entr" presetSubtype="0" fill="hold" nodeType="clickEffect">
+                                  <p:stCondLst>
+                                    <p:cond delay="0"/>
+                                  </p:stCondLst>
+                                  <p:childTnLst>
+                                    <p:set>
+                                      <p:cBhvr>
+                                        <p:cTn id="6" dur="1" fill="hold">
+                                          <p:stCondLst>
+                                            <p:cond delay="0"/>
+                                          </p:stCondLst>
+                                        </p:cTn>
+                                        <p:tgtEl>
+                                          <p:spTgt spid="444419">
+                                            <p:txEl>
+                                              <p:pRg st="1" end="1"/>
+                                            </p:txEl>
+                                          </p:spTgt>
+                                        </p:tgtEl>
+                                        <p:attrNameLst>
+                                          <p:attrName>style.visibility</p:attrName>
+                                        </p:attrNameLst>
+                                      </p:cBhvr>
+                                      <p:to>
+                                        <p:strVal val="visible"/>
+                                      </p:to>
+                                    </p:set>
+                                  </p:childTnLst>
+                                </p:cTn>
+                              </p:par>
+                            </p:childTnLst>
+                          </p:cTn>
+                        </p:par>
+                      </p:childTnLst>
+                    </p:cTn>
+                  </p:par>
+                  <p:par>
+                    <p:cTn id="7" fill="hold">
+                      <p:stCondLst>
+                        <p:cond delay="indefinite"/>
+                      </p:stCondLst>
+                      <p:childTnLst>
+                        <p:par>
+                          <p:cTn id="8" fill="hold">
+                            <p:stCondLst>
+                              <p:cond delay="0"/>
+                            </p:stCondLst>
+                            <p:childTnLst>
+                              <p:par>
+                                <p:cTn id="9" presetID="1" presetClass="entr" presetSubtype="0" fill="hold" nodeType="clickEffect">
+                                  <p:stCondLst>
+                                    <p:cond delay="0"/>
+                                  </p:stCondLst>
+                                  <p:childTnLst>
+                                    <p:set>
+                                      <p:cBhvr>
+                                        <p:cTn id="10" dur="1" fill="hold">
+                                          <p:stCondLst>
+                                            <p:cond delay="0"/>
+                                          </p:stCondLst>
+                                        </p:cTn>
+                                        <p:tgtEl>
+                                          <p:spTgt spid="444419">
+                                            <p:txEl>
+                                              <p:pRg st="2" end="2"/>
+                                            </p:txEl>
+                                          </p:spTgt>
+                                        </p:tgtEl>
+                                        <p:attrNameLst>
+                                          <p:attrName>style.visibility</p:attrName>
+                                        </p:attrNameLst>
+                                      </p:cBhvr>
+                                      <p:to>
+                                        <p:strVal val="visible"/>
+                                      </p:to>
+                                    </p:set>
+                                  </p:childTnLst>
+                                </p:cTn>
+                              </p:par>
+                            </p:childTnLst>
+                          </p:cTn>
+                        </p:par>
+                      </p:childTnLst>
+                    </p:cTn>
+                  </p:par>
+                </p:childTnLst>
+              </p:cTn>
+              <p:prevCondLst>
+                <p:cond evt="onPrev" delay="0">
+                  <p:tgtEl>
+                    <p:sldTgt/>
+                  </p:tgtEl>
+                </p:cond>
+              </p:prevCondLst>
+              <p:nextCondLst>
+                <p:cond evt="onNext" delay="0">
+                  <p:tgtEl>
+                    <p:sldTgt/>
+                  </p:tgtEl>
+                </p:cond>
+              </p:nextCondLst>
+            </p:seq>
+          </p:childTnLst>
+        </p:cTn>
+      </p:par>
+    </p:tnLst>
+  </p:timing>
 </p:sld>
 </file>
 
@@ -13748,6 +16316,183 @@
     <a:masterClrMapping/>
   </p:clrMapOvr>
   <p:transition/>
+  <p:timing>
+    <p:tnLst>
+      <p:par>
+        <p:cTn id="1" dur="indefinite" restart="never" nodeType="tmRoot">
+          <p:childTnLst>
+            <p:seq concurrent="1" nextAc="seek">
+              <p:cTn id="2" dur="indefinite" nodeType="mainSeq">
+                <p:childTnLst>
+                  <p:par>
+                    <p:cTn id="3" fill="hold">
+                      <p:stCondLst>
+                        <p:cond delay="indefinite"/>
+                      </p:stCondLst>
+                      <p:childTnLst>
+                        <p:par>
+                          <p:cTn id="4" fill="hold">
+                            <p:stCondLst>
+                              <p:cond delay="0"/>
+                            </p:stCondLst>
+                            <p:childTnLst>
+                              <p:par>
+                                <p:cTn id="5" presetID="1" presetClass="entr" presetSubtype="0" fill="hold" nodeType="clickEffect">
+                                  <p:stCondLst>
+                                    <p:cond delay="0"/>
+                                  </p:stCondLst>
+                                  <p:childTnLst>
+                                    <p:set>
+                                      <p:cBhvr>
+                                        <p:cTn id="6" dur="1" fill="hold">
+                                          <p:stCondLst>
+                                            <p:cond delay="0"/>
+                                          </p:stCondLst>
+                                        </p:cTn>
+                                        <p:tgtEl>
+                                          <p:spTgt spid="434179">
+                                            <p:txEl>
+                                              <p:pRg st="1" end="1"/>
+                                            </p:txEl>
+                                          </p:spTgt>
+                                        </p:tgtEl>
+                                        <p:attrNameLst>
+                                          <p:attrName>style.visibility</p:attrName>
+                                        </p:attrNameLst>
+                                      </p:cBhvr>
+                                      <p:to>
+                                        <p:strVal val="visible"/>
+                                      </p:to>
+                                    </p:set>
+                                  </p:childTnLst>
+                                </p:cTn>
+                              </p:par>
+                            </p:childTnLst>
+                          </p:cTn>
+                        </p:par>
+                      </p:childTnLst>
+                    </p:cTn>
+                  </p:par>
+                  <p:par>
+                    <p:cTn id="7" fill="hold">
+                      <p:stCondLst>
+                        <p:cond delay="indefinite"/>
+                      </p:stCondLst>
+                      <p:childTnLst>
+                        <p:par>
+                          <p:cTn id="8" fill="hold">
+                            <p:stCondLst>
+                              <p:cond delay="0"/>
+                            </p:stCondLst>
+                            <p:childTnLst>
+                              <p:par>
+                                <p:cTn id="9" presetID="1" presetClass="entr" presetSubtype="0" fill="hold" nodeType="clickEffect">
+                                  <p:stCondLst>
+                                    <p:cond delay="0"/>
+                                  </p:stCondLst>
+                                  <p:childTnLst>
+                                    <p:set>
+                                      <p:cBhvr>
+                                        <p:cTn id="10" dur="1" fill="hold">
+                                          <p:stCondLst>
+                                            <p:cond delay="0"/>
+                                          </p:stCondLst>
+                                        </p:cTn>
+                                        <p:tgtEl>
+                                          <p:spTgt spid="434179">
+                                            <p:txEl>
+                                              <p:pRg st="2" end="2"/>
+                                            </p:txEl>
+                                          </p:spTgt>
+                                        </p:tgtEl>
+                                        <p:attrNameLst>
+                                          <p:attrName>style.visibility</p:attrName>
+                                        </p:attrNameLst>
+                                      </p:cBhvr>
+                                      <p:to>
+                                        <p:strVal val="visible"/>
+                                      </p:to>
+                                    </p:set>
+                                  </p:childTnLst>
+                                </p:cTn>
+                              </p:par>
+                            </p:childTnLst>
+                          </p:cTn>
+                        </p:par>
+                      </p:childTnLst>
+                    </p:cTn>
+                  </p:par>
+                  <p:par>
+                    <p:cTn id="11" fill="hold">
+                      <p:stCondLst>
+                        <p:cond delay="indefinite"/>
+                      </p:stCondLst>
+                      <p:childTnLst>
+                        <p:par>
+                          <p:cTn id="12" fill="hold">
+                            <p:stCondLst>
+                              <p:cond delay="0"/>
+                            </p:stCondLst>
+                            <p:childTnLst>
+                              <p:par>
+                                <p:cTn id="13" presetID="1" presetClass="entr" presetSubtype="0" fill="hold" nodeType="clickEffect">
+                                  <p:stCondLst>
+                                    <p:cond delay="0"/>
+                                  </p:stCondLst>
+                                  <p:childTnLst>
+                                    <p:set>
+                                      <p:cBhvr>
+                                        <p:cTn id="14" dur="1" fill="hold">
+                                          <p:stCondLst>
+                                            <p:cond delay="0"/>
+                                          </p:stCondLst>
+                                        </p:cTn>
+                                        <p:tgtEl>
+                                          <p:spTgt spid="434179">
+                                            <p:txEl>
+                                              <p:pRg st="3" end="3"/>
+                                            </p:txEl>
+                                          </p:spTgt>
+                                        </p:tgtEl>
+                                        <p:attrNameLst>
+                                          <p:attrName>style.visibility</p:attrName>
+                                        </p:attrNameLst>
+                                      </p:cBhvr>
+                                      <p:to>
+                                        <p:strVal val="visible"/>
+                                      </p:to>
+                                    </p:set>
+                                  </p:childTnLst>
+                                </p:cTn>
+                              </p:par>
+                            </p:childTnLst>
+                          </p:cTn>
+                        </p:par>
+                      </p:childTnLst>
+                    </p:cTn>
+                  </p:par>
+                </p:childTnLst>
+              </p:cTn>
+              <p:prevCondLst>
+                <p:cond evt="onPrev" delay="0">
+                  <p:tgtEl>
+                    <p:sldTgt/>
+                  </p:tgtEl>
+                </p:cond>
+              </p:prevCondLst>
+              <p:nextCondLst>
+                <p:cond evt="onNext" delay="0">
+                  <p:tgtEl>
+                    <p:sldTgt/>
+                  </p:tgtEl>
+                </p:cond>
+              </p:nextCondLst>
+            </p:seq>
+          </p:childTnLst>
+        </p:cTn>
+      </p:par>
+    </p:tnLst>
+  </p:timing>
 </p:sld>
 </file>
 
@@ -13795,31 +16540,133 @@
       </p:sp>
       <p:sp>
         <p:nvSpPr>
-          <p:cNvPr id="2" name="Text Placeholder 1"/>
-          <p:cNvSpPr>
-            <a:spLocks noGrp="1"/>
-          </p:cNvSpPr>
-          <p:nvPr>
-            <p:ph type="body" sz="quarter" idx="10"/>
-          </p:nvPr>
+          <p:cNvPr id="6" name="Текстово поле 1">
+            <a:extLst>
+              <a:ext uri="{FF2B5EF4-FFF2-40B4-BE49-F238E27FC236}">
+                <a16:creationId xmlns:a16="http://schemas.microsoft.com/office/drawing/2014/main" id="{B398007E-9BC4-479A-87BF-1B270134F51F}"/>
+              </a:ext>
+            </a:extLst>
+          </p:cNvPr>
+          <p:cNvSpPr txBox="1"/>
+          <p:nvPr/>
         </p:nvSpPr>
         <p:spPr>
           <a:xfrm>
-            <a:off x="1529384" y="6400802"/>
-            <a:ext cx="10482604" cy="351754"/>
+            <a:off x="795959" y="6448327"/>
+            <a:ext cx="11216029" cy="369332"/>
           </a:xfrm>
+          <a:prstGeom prst="rect">
+            <a:avLst/>
+          </a:prstGeom>
+          <a:noFill/>
         </p:spPr>
         <p:txBody>
-          <a:bodyPr/>
-          <a:lstStyle/>
-          <a:p>
-            <a:r>
-              <a:rPr lang="en-US" dirty="0">
+          <a:bodyPr wrap="square" rtlCol="0">
+            <a:spAutoFit/>
+          </a:bodyPr>
+          <a:lstStyle>
+            <a:defPPr>
+              <a:defRPr lang="en-US"/>
+            </a:defPPr>
+            <a:lvl1pPr marL="0" algn="l" defTabSz="1218987" rtl="0" eaLnBrk="1" latinLnBrk="0" hangingPunct="1">
+              <a:defRPr sz="2400" kern="1200">
+                <a:solidFill>
+                  <a:schemeClr val="tx1"/>
+                </a:solidFill>
+                <a:latin typeface="+mn-lt"/>
+                <a:ea typeface="+mn-ea"/>
+                <a:cs typeface="+mn-cs"/>
+              </a:defRPr>
+            </a:lvl1pPr>
+            <a:lvl2pPr marL="609493" algn="l" defTabSz="1218987" rtl="0" eaLnBrk="1" latinLnBrk="0" hangingPunct="1">
+              <a:defRPr sz="2400" kern="1200">
+                <a:solidFill>
+                  <a:schemeClr val="tx1"/>
+                </a:solidFill>
+                <a:latin typeface="+mn-lt"/>
+                <a:ea typeface="+mn-ea"/>
+                <a:cs typeface="+mn-cs"/>
+              </a:defRPr>
+            </a:lvl2pPr>
+            <a:lvl3pPr marL="1218987" algn="l" defTabSz="1218987" rtl="0" eaLnBrk="1" latinLnBrk="0" hangingPunct="1">
+              <a:defRPr sz="2400" kern="1200">
+                <a:solidFill>
+                  <a:schemeClr val="tx1"/>
+                </a:solidFill>
+                <a:latin typeface="+mn-lt"/>
+                <a:ea typeface="+mn-ea"/>
+                <a:cs typeface="+mn-cs"/>
+              </a:defRPr>
+            </a:lvl3pPr>
+            <a:lvl4pPr marL="1828480" algn="l" defTabSz="1218987" rtl="0" eaLnBrk="1" latinLnBrk="0" hangingPunct="1">
+              <a:defRPr sz="2400" kern="1200">
+                <a:solidFill>
+                  <a:schemeClr val="tx1"/>
+                </a:solidFill>
+                <a:latin typeface="+mn-lt"/>
+                <a:ea typeface="+mn-ea"/>
+                <a:cs typeface="+mn-cs"/>
+              </a:defRPr>
+            </a:lvl4pPr>
+            <a:lvl5pPr marL="2437973" algn="l" defTabSz="1218987" rtl="0" eaLnBrk="1" latinLnBrk="0" hangingPunct="1">
+              <a:defRPr sz="2400" kern="1200">
+                <a:solidFill>
+                  <a:schemeClr val="tx1"/>
+                </a:solidFill>
+                <a:latin typeface="+mn-lt"/>
+                <a:ea typeface="+mn-ea"/>
+                <a:cs typeface="+mn-cs"/>
+              </a:defRPr>
+            </a:lvl5pPr>
+            <a:lvl6pPr marL="3047467" algn="l" defTabSz="1218987" rtl="0" eaLnBrk="1" latinLnBrk="0" hangingPunct="1">
+              <a:defRPr sz="2400" kern="1200">
+                <a:solidFill>
+                  <a:schemeClr val="tx1"/>
+                </a:solidFill>
+                <a:latin typeface="+mn-lt"/>
+                <a:ea typeface="+mn-ea"/>
+                <a:cs typeface="+mn-cs"/>
+              </a:defRPr>
+            </a:lvl6pPr>
+            <a:lvl7pPr marL="3656960" algn="l" defTabSz="1218987" rtl="0" eaLnBrk="1" latinLnBrk="0" hangingPunct="1">
+              <a:defRPr sz="2400" kern="1200">
+                <a:solidFill>
+                  <a:schemeClr val="tx1"/>
+                </a:solidFill>
+                <a:latin typeface="+mn-lt"/>
+                <a:ea typeface="+mn-ea"/>
+                <a:cs typeface="+mn-cs"/>
+              </a:defRPr>
+            </a:lvl7pPr>
+            <a:lvl8pPr marL="4266453" algn="l" defTabSz="1218987" rtl="0" eaLnBrk="1" latinLnBrk="0" hangingPunct="1">
+              <a:defRPr sz="2400" kern="1200">
+                <a:solidFill>
+                  <a:schemeClr val="tx1"/>
+                </a:solidFill>
+                <a:latin typeface="+mn-lt"/>
+                <a:ea typeface="+mn-ea"/>
+                <a:cs typeface="+mn-cs"/>
+              </a:defRPr>
+            </a:lvl8pPr>
+            <a:lvl9pPr marL="4875947" algn="l" defTabSz="1218987" rtl="0" eaLnBrk="1" latinLnBrk="0" hangingPunct="1">
+              <a:defRPr sz="2400" kern="1200">
+                <a:solidFill>
+                  <a:schemeClr val="tx1"/>
+                </a:solidFill>
+                <a:latin typeface="+mn-lt"/>
+                <a:ea typeface="+mn-ea"/>
+                <a:cs typeface="+mn-cs"/>
+              </a:defRPr>
+            </a:lvl9pPr>
+          </a:lstStyle>
+          <a:p>
+            <a:r>
+              <a:rPr lang="en-US" sz="1800" b="1" dirty="0">
                 <a:hlinkClick r:id="rId3"/>
               </a:rPr>
-              <a:t>https://it-kariera.mon.bg/e-learning/</a:t>
-            </a:r>
-            <a:endParaRPr lang="en-US" dirty="0"/>
+              <a:t>https://github.com/BG-IT-Edu/School-Programming/tree/main/Courses/Applied-Programmer/Programming-Basics</a:t>
+            </a:r>
+            <a:endParaRPr lang="bg-BG" sz="1800" b="1" dirty="0"/>
           </a:p>
         </p:txBody>
       </p:sp>
@@ -15706,6 +18553,206 @@
                                           </p:stCondLst>
                                         </p:cTn>
                                         <p:tgtEl>
+                                          <p:spTgt spid="8"/>
+                                        </p:tgtEl>
+                                        <p:attrNameLst>
+                                          <p:attrName>style.visibility</p:attrName>
+                                        </p:attrNameLst>
+                                      </p:cBhvr>
+                                      <p:to>
+                                        <p:strVal val="visible"/>
+                                      </p:to>
+                                    </p:set>
+                                  </p:childTnLst>
+                                </p:cTn>
+                              </p:par>
+                              <p:par>
+                                <p:cTn id="7" presetID="1" presetClass="entr" presetSubtype="0" fill="hold" nodeType="withEffect">
+                                  <p:stCondLst>
+                                    <p:cond delay="0"/>
+                                  </p:stCondLst>
+                                  <p:childTnLst>
+                                    <p:set>
+                                      <p:cBhvr>
+                                        <p:cTn id="8" dur="1" fill="hold">
+                                          <p:stCondLst>
+                                            <p:cond delay="0"/>
+                                          </p:stCondLst>
+                                        </p:cTn>
+                                        <p:tgtEl>
+                                          <p:spTgt spid="8">
+                                            <p:txEl>
+                                              <p:pRg st="0" end="0"/>
+                                            </p:txEl>
+                                          </p:spTgt>
+                                        </p:tgtEl>
+                                        <p:attrNameLst>
+                                          <p:attrName>style.visibility</p:attrName>
+                                        </p:attrNameLst>
+                                      </p:cBhvr>
+                                      <p:to>
+                                        <p:strVal val="visible"/>
+                                      </p:to>
+                                    </p:set>
+                                  </p:childTnLst>
+                                </p:cTn>
+                              </p:par>
+                              <p:par>
+                                <p:cTn id="9" presetID="1" presetClass="entr" presetSubtype="0" fill="hold" nodeType="withEffect">
+                                  <p:stCondLst>
+                                    <p:cond delay="0"/>
+                                  </p:stCondLst>
+                                  <p:childTnLst>
+                                    <p:set>
+                                      <p:cBhvr>
+                                        <p:cTn id="10" dur="1" fill="hold">
+                                          <p:stCondLst>
+                                            <p:cond delay="0"/>
+                                          </p:stCondLst>
+                                        </p:cTn>
+                                        <p:tgtEl>
+                                          <p:spTgt spid="8">
+                                            <p:txEl>
+                                              <p:pRg st="1" end="1"/>
+                                            </p:txEl>
+                                          </p:spTgt>
+                                        </p:tgtEl>
+                                        <p:attrNameLst>
+                                          <p:attrName>style.visibility</p:attrName>
+                                        </p:attrNameLst>
+                                      </p:cBhvr>
+                                      <p:to>
+                                        <p:strVal val="visible"/>
+                                      </p:to>
+                                    </p:set>
+                                  </p:childTnLst>
+                                </p:cTn>
+                              </p:par>
+                              <p:par>
+                                <p:cTn id="11" presetID="1" presetClass="entr" presetSubtype="0" fill="hold" nodeType="withEffect">
+                                  <p:stCondLst>
+                                    <p:cond delay="0"/>
+                                  </p:stCondLst>
+                                  <p:childTnLst>
+                                    <p:set>
+                                      <p:cBhvr>
+                                        <p:cTn id="12" dur="1" fill="hold">
+                                          <p:stCondLst>
+                                            <p:cond delay="0"/>
+                                          </p:stCondLst>
+                                        </p:cTn>
+                                        <p:tgtEl>
+                                          <p:spTgt spid="8">
+                                            <p:txEl>
+                                              <p:pRg st="4" end="4"/>
+                                            </p:txEl>
+                                          </p:spTgt>
+                                        </p:tgtEl>
+                                        <p:attrNameLst>
+                                          <p:attrName>style.visibility</p:attrName>
+                                        </p:attrNameLst>
+                                      </p:cBhvr>
+                                      <p:to>
+                                        <p:strVal val="visible"/>
+                                      </p:to>
+                                    </p:set>
+                                  </p:childTnLst>
+                                </p:cTn>
+                              </p:par>
+                            </p:childTnLst>
+                          </p:cTn>
+                        </p:par>
+                      </p:childTnLst>
+                    </p:cTn>
+                  </p:par>
+                  <p:par>
+                    <p:cTn id="13" fill="hold">
+                      <p:stCondLst>
+                        <p:cond delay="indefinite"/>
+                      </p:stCondLst>
+                      <p:childTnLst>
+                        <p:par>
+                          <p:cTn id="14" fill="hold">
+                            <p:stCondLst>
+                              <p:cond delay="0"/>
+                            </p:stCondLst>
+                            <p:childTnLst>
+                              <p:par>
+                                <p:cTn id="15" presetID="1" presetClass="entr" presetSubtype="0" fill="hold" nodeType="clickEffect">
+                                  <p:stCondLst>
+                                    <p:cond delay="0"/>
+                                  </p:stCondLst>
+                                  <p:childTnLst>
+                                    <p:set>
+                                      <p:cBhvr>
+                                        <p:cTn id="16" dur="1" fill="hold">
+                                          <p:stCondLst>
+                                            <p:cond delay="0"/>
+                                          </p:stCondLst>
+                                        </p:cTn>
+                                        <p:tgtEl>
+                                          <p:spTgt spid="8">
+                                            <p:txEl>
+                                              <p:pRg st="2" end="2"/>
+                                            </p:txEl>
+                                          </p:spTgt>
+                                        </p:tgtEl>
+                                        <p:attrNameLst>
+                                          <p:attrName>style.visibility</p:attrName>
+                                        </p:attrNameLst>
+                                      </p:cBhvr>
+                                      <p:to>
+                                        <p:strVal val="visible"/>
+                                      </p:to>
+                                    </p:set>
+                                  </p:childTnLst>
+                                </p:cTn>
+                              </p:par>
+                              <p:par>
+                                <p:cTn id="17" presetID="1" presetClass="entr" presetSubtype="0" fill="hold" nodeType="withEffect">
+                                  <p:stCondLst>
+                                    <p:cond delay="0"/>
+                                  </p:stCondLst>
+                                  <p:childTnLst>
+                                    <p:set>
+                                      <p:cBhvr>
+                                        <p:cTn id="18" dur="1" fill="hold">
+                                          <p:stCondLst>
+                                            <p:cond delay="0"/>
+                                          </p:stCondLst>
+                                        </p:cTn>
+                                        <p:tgtEl>
+                                          <p:spTgt spid="8">
+                                            <p:txEl>
+                                              <p:pRg st="3" end="3"/>
+                                            </p:txEl>
+                                          </p:spTgt>
+                                        </p:tgtEl>
+                                        <p:attrNameLst>
+                                          <p:attrName>style.visibility</p:attrName>
+                                        </p:attrNameLst>
+                                      </p:cBhvr>
+                                      <p:to>
+                                        <p:strVal val="visible"/>
+                                      </p:to>
+                                    </p:set>
+                                  </p:childTnLst>
+                                </p:cTn>
+                              </p:par>
+                              <p:par>
+                                <p:cTn id="19" presetID="1" presetClass="entr" presetSubtype="0" fill="hold" grpId="0" nodeType="withEffect">
+                                  <p:stCondLst>
+                                    <p:cond delay="0"/>
+                                  </p:stCondLst>
+                                  <p:childTnLst>
+                                    <p:set>
+                                      <p:cBhvr>
+                                        <p:cTn id="20" dur="1" fill="hold">
+                                          <p:stCondLst>
+                                            <p:cond delay="0"/>
+                                          </p:stCondLst>
+                                        </p:cTn>
+                                        <p:tgtEl>
                                           <p:spTgt spid="7"/>
                                         </p:tgtEl>
                                         <p:attrNameLst>
@@ -15726,26 +18773,262 @@
                     </p:cTn>
                   </p:par>
                   <p:par>
-                    <p:cTn id="7" fill="hold">
+                    <p:cTn id="21" fill="hold">
                       <p:stCondLst>
                         <p:cond delay="indefinite"/>
                       </p:stCondLst>
                       <p:childTnLst>
                         <p:par>
-                          <p:cTn id="8" fill="hold">
+                          <p:cTn id="22" fill="hold">
                             <p:stCondLst>
                               <p:cond delay="0"/>
                             </p:stCondLst>
                             <p:childTnLst>
                               <p:par>
-                                <p:cTn id="9" presetID="1" presetClass="entr" presetSubtype="0" fill="hold" grpId="0" nodeType="clickEffect">
+                                <p:cTn id="23" presetID="1" presetClass="entr" presetSubtype="0" fill="hold" nodeType="clickEffect">
                                   <p:stCondLst>
                                     <p:cond delay="0"/>
                                   </p:stCondLst>
                                   <p:childTnLst>
                                     <p:set>
                                       <p:cBhvr>
-                                        <p:cTn id="10" dur="1" fill="hold">
+                                        <p:cTn id="24" dur="1" fill="hold">
+                                          <p:stCondLst>
+                                            <p:cond delay="0"/>
+                                          </p:stCondLst>
+                                        </p:cTn>
+                                        <p:tgtEl>
+                                          <p:spTgt spid="3">
+                                            <p:txEl>
+                                              <p:pRg st="4" end="4"/>
+                                            </p:txEl>
+                                          </p:spTgt>
+                                        </p:tgtEl>
+                                        <p:attrNameLst>
+                                          <p:attrName>style.visibility</p:attrName>
+                                        </p:attrNameLst>
+                                      </p:cBhvr>
+                                      <p:to>
+                                        <p:strVal val="visible"/>
+                                      </p:to>
+                                    </p:set>
+                                  </p:childTnLst>
+                                </p:cTn>
+                              </p:par>
+                            </p:childTnLst>
+                          </p:cTn>
+                        </p:par>
+                      </p:childTnLst>
+                    </p:cTn>
+                  </p:par>
+                  <p:par>
+                    <p:cTn id="25" fill="hold">
+                      <p:stCondLst>
+                        <p:cond delay="indefinite"/>
+                      </p:stCondLst>
+                      <p:childTnLst>
+                        <p:par>
+                          <p:cTn id="26" fill="hold">
+                            <p:stCondLst>
+                              <p:cond delay="0"/>
+                            </p:stCondLst>
+                            <p:childTnLst>
+                              <p:par>
+                                <p:cTn id="27" presetID="1" presetClass="entr" presetSubtype="0" fill="hold" grpId="0" nodeType="clickEffect">
+                                  <p:stCondLst>
+                                    <p:cond delay="0"/>
+                                  </p:stCondLst>
+                                  <p:childTnLst>
+                                    <p:set>
+                                      <p:cBhvr>
+                                        <p:cTn id="28" dur="1" fill="hold">
+                                          <p:stCondLst>
+                                            <p:cond delay="0"/>
+                                          </p:stCondLst>
+                                        </p:cTn>
+                                        <p:tgtEl>
+                                          <p:spTgt spid="10"/>
+                                        </p:tgtEl>
+                                        <p:attrNameLst>
+                                          <p:attrName>style.visibility</p:attrName>
+                                        </p:attrNameLst>
+                                      </p:cBhvr>
+                                      <p:to>
+                                        <p:strVal val="visible"/>
+                                      </p:to>
+                                    </p:set>
+                                  </p:childTnLst>
+                                </p:cTn>
+                              </p:par>
+                              <p:par>
+                                <p:cTn id="29" presetID="1" presetClass="entr" presetSubtype="0" fill="hold" nodeType="withEffect">
+                                  <p:stCondLst>
+                                    <p:cond delay="0"/>
+                                  </p:stCondLst>
+                                  <p:childTnLst>
+                                    <p:set>
+                                      <p:cBhvr>
+                                        <p:cTn id="30" dur="1" fill="hold">
+                                          <p:stCondLst>
+                                            <p:cond delay="0"/>
+                                          </p:stCondLst>
+                                        </p:cTn>
+                                        <p:tgtEl>
+                                          <p:spTgt spid="10">
+                                            <p:txEl>
+                                              <p:pRg st="0" end="0"/>
+                                            </p:txEl>
+                                          </p:spTgt>
+                                        </p:tgtEl>
+                                        <p:attrNameLst>
+                                          <p:attrName>style.visibility</p:attrName>
+                                        </p:attrNameLst>
+                                      </p:cBhvr>
+                                      <p:to>
+                                        <p:strVal val="visible"/>
+                                      </p:to>
+                                    </p:set>
+                                  </p:childTnLst>
+                                </p:cTn>
+                              </p:par>
+                              <p:par>
+                                <p:cTn id="31" presetID="1" presetClass="entr" presetSubtype="0" fill="hold" nodeType="withEffect">
+                                  <p:stCondLst>
+                                    <p:cond delay="0"/>
+                                  </p:stCondLst>
+                                  <p:childTnLst>
+                                    <p:set>
+                                      <p:cBhvr>
+                                        <p:cTn id="32" dur="1" fill="hold">
+                                          <p:stCondLst>
+                                            <p:cond delay="0"/>
+                                          </p:stCondLst>
+                                        </p:cTn>
+                                        <p:tgtEl>
+                                          <p:spTgt spid="10">
+                                            <p:txEl>
+                                              <p:pRg st="1" end="1"/>
+                                            </p:txEl>
+                                          </p:spTgt>
+                                        </p:tgtEl>
+                                        <p:attrNameLst>
+                                          <p:attrName>style.visibility</p:attrName>
+                                        </p:attrNameLst>
+                                      </p:cBhvr>
+                                      <p:to>
+                                        <p:strVal val="visible"/>
+                                      </p:to>
+                                    </p:set>
+                                  </p:childTnLst>
+                                </p:cTn>
+                              </p:par>
+                              <p:par>
+                                <p:cTn id="33" presetID="1" presetClass="entr" presetSubtype="0" fill="hold" nodeType="withEffect">
+                                  <p:stCondLst>
+                                    <p:cond delay="0"/>
+                                  </p:stCondLst>
+                                  <p:childTnLst>
+                                    <p:set>
+                                      <p:cBhvr>
+                                        <p:cTn id="34" dur="1" fill="hold">
+                                          <p:stCondLst>
+                                            <p:cond delay="0"/>
+                                          </p:stCondLst>
+                                        </p:cTn>
+                                        <p:tgtEl>
+                                          <p:spTgt spid="10">
+                                            <p:txEl>
+                                              <p:pRg st="3" end="3"/>
+                                            </p:txEl>
+                                          </p:spTgt>
+                                        </p:tgtEl>
+                                        <p:attrNameLst>
+                                          <p:attrName>style.visibility</p:attrName>
+                                        </p:attrNameLst>
+                                      </p:cBhvr>
+                                      <p:to>
+                                        <p:strVal val="visible"/>
+                                      </p:to>
+                                    </p:set>
+                                  </p:childTnLst>
+                                </p:cTn>
+                              </p:par>
+                            </p:childTnLst>
+                          </p:cTn>
+                        </p:par>
+                      </p:childTnLst>
+                    </p:cTn>
+                  </p:par>
+                  <p:par>
+                    <p:cTn id="35" fill="hold">
+                      <p:stCondLst>
+                        <p:cond delay="indefinite"/>
+                      </p:stCondLst>
+                      <p:childTnLst>
+                        <p:par>
+                          <p:cTn id="36" fill="hold">
+                            <p:stCondLst>
+                              <p:cond delay="0"/>
+                            </p:stCondLst>
+                            <p:childTnLst>
+                              <p:par>
+                                <p:cTn id="37" presetID="1" presetClass="entr" presetSubtype="0" fill="hold" nodeType="clickEffect">
+                                  <p:stCondLst>
+                                    <p:cond delay="0"/>
+                                  </p:stCondLst>
+                                  <p:childTnLst>
+                                    <p:set>
+                                      <p:cBhvr>
+                                        <p:cTn id="38" dur="1" fill="hold">
+                                          <p:stCondLst>
+                                            <p:cond delay="0"/>
+                                          </p:stCondLst>
+                                        </p:cTn>
+                                        <p:tgtEl>
+                                          <p:spTgt spid="10">
+                                            <p:txEl>
+                                              <p:pRg st="2" end="2"/>
+                                            </p:txEl>
+                                          </p:spTgt>
+                                        </p:tgtEl>
+                                        <p:attrNameLst>
+                                          <p:attrName>style.visibility</p:attrName>
+                                        </p:attrNameLst>
+                                      </p:cBhvr>
+                                      <p:to>
+                                        <p:strVal val="visible"/>
+                                      </p:to>
+                                    </p:set>
+                                  </p:childTnLst>
+                                </p:cTn>
+                              </p:par>
+                            </p:childTnLst>
+                          </p:cTn>
+                        </p:par>
+                      </p:childTnLst>
+                    </p:cTn>
+                  </p:par>
+                  <p:par>
+                    <p:cTn id="39" fill="hold">
+                      <p:stCondLst>
+                        <p:cond delay="indefinite"/>
+                      </p:stCondLst>
+                      <p:childTnLst>
+                        <p:par>
+                          <p:cTn id="40" fill="hold">
+                            <p:stCondLst>
+                              <p:cond delay="0"/>
+                            </p:stCondLst>
+                            <p:childTnLst>
+                              <p:par>
+                                <p:cTn id="41" presetID="1" presetClass="entr" presetSubtype="0" fill="hold" grpId="0" nodeType="clickEffect">
+                                  <p:stCondLst>
+                                    <p:cond delay="0"/>
+                                  </p:stCondLst>
+                                  <p:childTnLst>
+                                    <p:set>
+                                      <p:cBhvr>
+                                        <p:cTn id="42" dur="1" fill="hold">
                                           <p:stCondLst>
                                             <p:cond delay="0"/>
                                           </p:stCondLst>
@@ -15792,6 +19075,8 @@
       </p:par>
     </p:tnLst>
     <p:bldLst>
+      <p:bldP spid="8" grpId="0" animBg="1"/>
+      <p:bldP spid="10" grpId="0" animBg="1"/>
       <p:bldP spid="7" grpId="0" animBg="1"/>
       <p:bldP spid="9" grpId="0" animBg="1"/>
     </p:bldLst>
@@ -16720,7 +20005,7 @@
                             </p:stCondLst>
                             <p:childTnLst>
                               <p:par>
-                                <p:cTn id="5" presetID="1" presetClass="entr" presetSubtype="0" fill="hold" grpId="0" nodeType="clickEffect">
+                                <p:cTn id="5" presetID="1" presetClass="entr" presetSubtype="0" fill="hold" nodeType="clickEffect">
                                   <p:stCondLst>
                                     <p:cond delay="0"/>
                                   </p:stCondLst>
@@ -16733,7 +20018,345 @@
                                           </p:stCondLst>
                                         </p:cTn>
                                         <p:tgtEl>
+                                          <p:spTgt spid="3">
+                                            <p:txEl>
+                                              <p:pRg st="1" end="1"/>
+                                            </p:txEl>
+                                          </p:spTgt>
+                                        </p:tgtEl>
+                                        <p:attrNameLst>
+                                          <p:attrName>style.visibility</p:attrName>
+                                        </p:attrNameLst>
+                                      </p:cBhvr>
+                                      <p:to>
+                                        <p:strVal val="visible"/>
+                                      </p:to>
+                                    </p:set>
+                                  </p:childTnLst>
+                                </p:cTn>
+                              </p:par>
+                              <p:par>
+                                <p:cTn id="7" presetID="1" presetClass="entr" presetSubtype="0" fill="hold" grpId="0" nodeType="withEffect">
+                                  <p:stCondLst>
+                                    <p:cond delay="0"/>
+                                  </p:stCondLst>
+                                  <p:childTnLst>
+                                    <p:set>
+                                      <p:cBhvr>
+                                        <p:cTn id="8" dur="1" fill="hold">
+                                          <p:stCondLst>
+                                            <p:cond delay="0"/>
+                                          </p:stCondLst>
+                                        </p:cTn>
+                                        <p:tgtEl>
+                                          <p:spTgt spid="8"/>
+                                        </p:tgtEl>
+                                        <p:attrNameLst>
+                                          <p:attrName>style.visibility</p:attrName>
+                                        </p:attrNameLst>
+                                      </p:cBhvr>
+                                      <p:to>
+                                        <p:strVal val="visible"/>
+                                      </p:to>
+                                    </p:set>
+                                  </p:childTnLst>
+                                </p:cTn>
+                              </p:par>
+                              <p:par>
+                                <p:cTn id="9" presetID="1" presetClass="entr" presetSubtype="0" fill="hold" nodeType="withEffect">
+                                  <p:stCondLst>
+                                    <p:cond delay="0"/>
+                                  </p:stCondLst>
+                                  <p:childTnLst>
+                                    <p:set>
+                                      <p:cBhvr>
+                                        <p:cTn id="10" dur="1" fill="hold">
+                                          <p:stCondLst>
+                                            <p:cond delay="0"/>
+                                          </p:stCondLst>
+                                        </p:cTn>
+                                        <p:tgtEl>
+                                          <p:spTgt spid="8">
+                                            <p:txEl>
+                                              <p:pRg st="0" end="0"/>
+                                            </p:txEl>
+                                          </p:spTgt>
+                                        </p:tgtEl>
+                                        <p:attrNameLst>
+                                          <p:attrName>style.visibility</p:attrName>
+                                        </p:attrNameLst>
+                                      </p:cBhvr>
+                                      <p:to>
+                                        <p:strVal val="visible"/>
+                                      </p:to>
+                                    </p:set>
+                                  </p:childTnLst>
+                                </p:cTn>
+                              </p:par>
+                              <p:par>
+                                <p:cTn id="11" presetID="1" presetClass="entr" presetSubtype="0" fill="hold" nodeType="withEffect">
+                                  <p:stCondLst>
+                                    <p:cond delay="0"/>
+                                  </p:stCondLst>
+                                  <p:childTnLst>
+                                    <p:set>
+                                      <p:cBhvr>
+                                        <p:cTn id="12" dur="1" fill="hold">
+                                          <p:stCondLst>
+                                            <p:cond delay="0"/>
+                                          </p:stCondLst>
+                                        </p:cTn>
+                                        <p:tgtEl>
+                                          <p:spTgt spid="8">
+                                            <p:txEl>
+                                              <p:pRg st="1" end="1"/>
+                                            </p:txEl>
+                                          </p:spTgt>
+                                        </p:tgtEl>
+                                        <p:attrNameLst>
+                                          <p:attrName>style.visibility</p:attrName>
+                                        </p:attrNameLst>
+                                      </p:cBhvr>
+                                      <p:to>
+                                        <p:strVal val="visible"/>
+                                      </p:to>
+                                    </p:set>
+                                  </p:childTnLst>
+                                </p:cTn>
+                              </p:par>
+                              <p:par>
+                                <p:cTn id="13" presetID="1" presetClass="entr" presetSubtype="0" fill="hold" nodeType="withEffect">
+                                  <p:stCondLst>
+                                    <p:cond delay="0"/>
+                                  </p:stCondLst>
+                                  <p:childTnLst>
+                                    <p:set>
+                                      <p:cBhvr>
+                                        <p:cTn id="14" dur="1" fill="hold">
+                                          <p:stCondLst>
+                                            <p:cond delay="0"/>
+                                          </p:stCondLst>
+                                        </p:cTn>
+                                        <p:tgtEl>
+                                          <p:spTgt spid="8">
+                                            <p:txEl>
+                                              <p:pRg st="5" end="5"/>
+                                            </p:txEl>
+                                          </p:spTgt>
+                                        </p:tgtEl>
+                                        <p:attrNameLst>
+                                          <p:attrName>style.visibility</p:attrName>
+                                        </p:attrNameLst>
+                                      </p:cBhvr>
+                                      <p:to>
+                                        <p:strVal val="visible"/>
+                                      </p:to>
+                                    </p:set>
+                                  </p:childTnLst>
+                                </p:cTn>
+                              </p:par>
+                            </p:childTnLst>
+                          </p:cTn>
+                        </p:par>
+                      </p:childTnLst>
+                    </p:cTn>
+                  </p:par>
+                  <p:par>
+                    <p:cTn id="15" fill="hold">
+                      <p:stCondLst>
+                        <p:cond delay="indefinite"/>
+                      </p:stCondLst>
+                      <p:childTnLst>
+                        <p:par>
+                          <p:cTn id="16" fill="hold">
+                            <p:stCondLst>
+                              <p:cond delay="0"/>
+                            </p:stCondLst>
+                            <p:childTnLst>
+                              <p:par>
+                                <p:cTn id="17" presetID="1" presetClass="entr" presetSubtype="0" fill="hold" nodeType="clickEffect">
+                                  <p:stCondLst>
+                                    <p:cond delay="0"/>
+                                  </p:stCondLst>
+                                  <p:childTnLst>
+                                    <p:set>
+                                      <p:cBhvr>
+                                        <p:cTn id="18" dur="1" fill="hold">
+                                          <p:stCondLst>
+                                            <p:cond delay="0"/>
+                                          </p:stCondLst>
+                                        </p:cTn>
+                                        <p:tgtEl>
+                                          <p:spTgt spid="8">
+                                            <p:txEl>
+                                              <p:pRg st="2" end="2"/>
+                                            </p:txEl>
+                                          </p:spTgt>
+                                        </p:tgtEl>
+                                        <p:attrNameLst>
+                                          <p:attrName>style.visibility</p:attrName>
+                                        </p:attrNameLst>
+                                      </p:cBhvr>
+                                      <p:to>
+                                        <p:strVal val="visible"/>
+                                      </p:to>
+                                    </p:set>
+                                  </p:childTnLst>
+                                </p:cTn>
+                              </p:par>
+                              <p:par>
+                                <p:cTn id="19" presetID="1" presetClass="entr" presetSubtype="0" fill="hold" nodeType="withEffect">
+                                  <p:stCondLst>
+                                    <p:cond delay="0"/>
+                                  </p:stCondLst>
+                                  <p:childTnLst>
+                                    <p:set>
+                                      <p:cBhvr>
+                                        <p:cTn id="20" dur="1" fill="hold">
+                                          <p:stCondLst>
+                                            <p:cond delay="0"/>
+                                          </p:stCondLst>
+                                        </p:cTn>
+                                        <p:tgtEl>
+                                          <p:spTgt spid="8">
+                                            <p:txEl>
+                                              <p:pRg st="3" end="3"/>
+                                            </p:txEl>
+                                          </p:spTgt>
+                                        </p:tgtEl>
+                                        <p:attrNameLst>
+                                          <p:attrName>style.visibility</p:attrName>
+                                        </p:attrNameLst>
+                                      </p:cBhvr>
+                                      <p:to>
+                                        <p:strVal val="visible"/>
+                                      </p:to>
+                                    </p:set>
+                                  </p:childTnLst>
+                                </p:cTn>
+                              </p:par>
+                              <p:par>
+                                <p:cTn id="21" presetID="1" presetClass="entr" presetSubtype="0" fill="hold" nodeType="withEffect">
+                                  <p:stCondLst>
+                                    <p:cond delay="0"/>
+                                  </p:stCondLst>
+                                  <p:childTnLst>
+                                    <p:set>
+                                      <p:cBhvr>
+                                        <p:cTn id="22" dur="1" fill="hold">
+                                          <p:stCondLst>
+                                            <p:cond delay="0"/>
+                                          </p:stCondLst>
+                                        </p:cTn>
+                                        <p:tgtEl>
+                                          <p:spTgt spid="8">
+                                            <p:txEl>
+                                              <p:pRg st="4" end="4"/>
+                                            </p:txEl>
+                                          </p:spTgt>
+                                        </p:tgtEl>
+                                        <p:attrNameLst>
+                                          <p:attrName>style.visibility</p:attrName>
+                                        </p:attrNameLst>
+                                      </p:cBhvr>
+                                      <p:to>
+                                        <p:strVal val="visible"/>
+                                      </p:to>
+                                    </p:set>
+                                  </p:childTnLst>
+                                </p:cTn>
+                              </p:par>
+                              <p:par>
+                                <p:cTn id="23" presetID="1" presetClass="entr" presetSubtype="0" fill="hold" grpId="0" nodeType="withEffect">
+                                  <p:stCondLst>
+                                    <p:cond delay="0"/>
+                                  </p:stCondLst>
+                                  <p:childTnLst>
+                                    <p:set>
+                                      <p:cBhvr>
+                                        <p:cTn id="24" dur="1" fill="hold">
+                                          <p:stCondLst>
+                                            <p:cond delay="0"/>
+                                          </p:stCondLst>
+                                        </p:cTn>
+                                        <p:tgtEl>
                                           <p:spTgt spid="9"/>
+                                        </p:tgtEl>
+                                        <p:attrNameLst>
+                                          <p:attrName>style.visibility</p:attrName>
+                                        </p:attrNameLst>
+                                      </p:cBhvr>
+                                      <p:to>
+                                        <p:strVal val="visible"/>
+                                      </p:to>
+                                    </p:set>
+                                  </p:childTnLst>
+                                </p:cTn>
+                              </p:par>
+                            </p:childTnLst>
+                          </p:cTn>
+                        </p:par>
+                      </p:childTnLst>
+                    </p:cTn>
+                  </p:par>
+                  <p:par>
+                    <p:cTn id="25" fill="hold">
+                      <p:stCondLst>
+                        <p:cond delay="indefinite"/>
+                      </p:stCondLst>
+                      <p:childTnLst>
+                        <p:par>
+                          <p:cTn id="26" fill="hold">
+                            <p:stCondLst>
+                              <p:cond delay="0"/>
+                            </p:stCondLst>
+                            <p:childTnLst>
+                              <p:par>
+                                <p:cTn id="27" presetID="1" presetClass="entr" presetSubtype="0" fill="hold" nodeType="clickEffect">
+                                  <p:stCondLst>
+                                    <p:cond delay="0"/>
+                                  </p:stCondLst>
+                                  <p:childTnLst>
+                                    <p:set>
+                                      <p:cBhvr>
+                                        <p:cTn id="28" dur="1" fill="hold">
+                                          <p:stCondLst>
+                                            <p:cond delay="0"/>
+                                          </p:stCondLst>
+                                        </p:cTn>
+                                        <p:tgtEl>
+                                          <p:spTgt spid="3">
+                                            <p:txEl>
+                                              <p:pRg st="6" end="6"/>
+                                            </p:txEl>
+                                          </p:spTgt>
+                                        </p:tgtEl>
+                                        <p:attrNameLst>
+                                          <p:attrName>style.visibility</p:attrName>
+                                        </p:attrNameLst>
+                                      </p:cBhvr>
+                                      <p:to>
+                                        <p:strVal val="visible"/>
+                                      </p:to>
+                                    </p:set>
+                                  </p:childTnLst>
+                                </p:cTn>
+                              </p:par>
+                              <p:par>
+                                <p:cTn id="29" presetID="1" presetClass="entr" presetSubtype="0" fill="hold" grpId="0" nodeType="withEffect">
+                                  <p:stCondLst>
+                                    <p:cond delay="0"/>
+                                  </p:stCondLst>
+                                  <p:childTnLst>
+                                    <p:set>
+                                      <p:cBhvr>
+                                        <p:cTn id="30" dur="1" fill="hold">
+                                          <p:stCondLst>
+                                            <p:cond delay="0"/>
+                                          </p:stCondLst>
+                                        </p:cTn>
+                                        <p:tgtEl>
+                                          <p:spTgt spid="7"/>
                                         </p:tgtEl>
                                         <p:attrNameLst>
                                           <p:attrName>style.visibility</p:attrName>
@@ -16774,6 +20397,8 @@
       </p:par>
     </p:tnLst>
     <p:bldLst>
+      <p:bldP spid="8" grpId="0" animBg="1"/>
+      <p:bldP spid="7" grpId="0" animBg="1"/>
       <p:bldP spid="9" grpId="0" animBg="1"/>
     </p:bldLst>
   </p:timing>
@@ -17356,13 +20981,16 @@
           <a:p>
             <a:r>
               <a:rPr lang="en-US" dirty="0"/>
-              <a:t>decimal total </a:t>
-            </a:r>
-            <a:r>
-              <a:rPr lang="en-US"/>
-              <a:t>= GetPrice() * quantity * 1.20m;</a:t>
-            </a:r>
-            <a:endParaRPr lang="en-US" dirty="0"/>
+              <a:t>decimal total = </a:t>
+            </a:r>
+            <a:r>
+              <a:rPr lang="en-US" dirty="0" err="1"/>
+              <a:t>GetPrice</a:t>
+            </a:r>
+            <a:r>
+              <a:rPr lang="en-US" dirty="0"/>
+              <a:t>() * quantity * 1.20m;</a:t>
+            </a:r>
           </a:p>
         </p:txBody>
       </p:sp>
@@ -17569,10 +21197,25 @@
           </a:lstStyle>
           <a:p>
             <a:r>
-              <a:rPr lang="en-US"/>
-              <a:t>int age = int.Parse(Console.ReadLine());</a:t>
-            </a:r>
-            <a:endParaRPr lang="en-US" dirty="0"/>
+              <a:rPr lang="en-US" dirty="0"/>
+              <a:t>int age = </a:t>
+            </a:r>
+            <a:r>
+              <a:rPr lang="en-US" dirty="0" err="1"/>
+              <a:t>int.Parse</a:t>
+            </a:r>
+            <a:r>
+              <a:rPr lang="en-US" dirty="0"/>
+              <a:t>(</a:t>
+            </a:r>
+            <a:r>
+              <a:rPr lang="en-US" dirty="0" err="1"/>
+              <a:t>Console.ReadLine</a:t>
+            </a:r>
+            <a:r>
+              <a:rPr lang="en-US" dirty="0"/>
+              <a:t>());</a:t>
+            </a:r>
           </a:p>
         </p:txBody>
       </p:sp>
@@ -17646,6 +21289,269 @@
   <p:clrMapOvr>
     <a:masterClrMapping/>
   </p:clrMapOvr>
+  <p:timing>
+    <p:tnLst>
+      <p:par>
+        <p:cTn id="1" dur="indefinite" restart="never" nodeType="tmRoot">
+          <p:childTnLst>
+            <p:seq concurrent="1" nextAc="seek">
+              <p:cTn id="2" dur="indefinite" nodeType="mainSeq">
+                <p:childTnLst>
+                  <p:par>
+                    <p:cTn id="3" fill="hold">
+                      <p:stCondLst>
+                        <p:cond delay="indefinite"/>
+                      </p:stCondLst>
+                      <p:childTnLst>
+                        <p:par>
+                          <p:cTn id="4" fill="hold">
+                            <p:stCondLst>
+                              <p:cond delay="0"/>
+                            </p:stCondLst>
+                            <p:childTnLst>
+                              <p:par>
+                                <p:cTn id="5" presetID="1" presetClass="entr" presetSubtype="0" fill="hold" nodeType="clickEffect">
+                                  <p:stCondLst>
+                                    <p:cond delay="0"/>
+                                  </p:stCondLst>
+                                  <p:childTnLst>
+                                    <p:set>
+                                      <p:cBhvr>
+                                        <p:cTn id="6" dur="1" fill="hold">
+                                          <p:stCondLst>
+                                            <p:cond delay="0"/>
+                                          </p:stCondLst>
+                                        </p:cTn>
+                                        <p:tgtEl>
+                                          <p:spTgt spid="3">
+                                            <p:txEl>
+                                              <p:pRg st="1" end="1"/>
+                                            </p:txEl>
+                                          </p:spTgt>
+                                        </p:tgtEl>
+                                        <p:attrNameLst>
+                                          <p:attrName>style.visibility</p:attrName>
+                                        </p:attrNameLst>
+                                      </p:cBhvr>
+                                      <p:to>
+                                        <p:strVal val="visible"/>
+                                      </p:to>
+                                    </p:set>
+                                  </p:childTnLst>
+                                </p:cTn>
+                              </p:par>
+                              <p:par>
+                                <p:cTn id="7" presetID="1" presetClass="entr" presetSubtype="0" fill="hold" grpId="0" nodeType="withEffect">
+                                  <p:stCondLst>
+                                    <p:cond delay="0"/>
+                                  </p:stCondLst>
+                                  <p:childTnLst>
+                                    <p:set>
+                                      <p:cBhvr>
+                                        <p:cTn id="8" dur="1" fill="hold">
+                                          <p:stCondLst>
+                                            <p:cond delay="0"/>
+                                          </p:stCondLst>
+                                        </p:cTn>
+                                        <p:tgtEl>
+                                          <p:spTgt spid="8"/>
+                                        </p:tgtEl>
+                                        <p:attrNameLst>
+                                          <p:attrName>style.visibility</p:attrName>
+                                        </p:attrNameLst>
+                                      </p:cBhvr>
+                                      <p:to>
+                                        <p:strVal val="visible"/>
+                                      </p:to>
+                                    </p:set>
+                                  </p:childTnLst>
+                                </p:cTn>
+                              </p:par>
+                            </p:childTnLst>
+                          </p:cTn>
+                        </p:par>
+                      </p:childTnLst>
+                    </p:cTn>
+                  </p:par>
+                  <p:par>
+                    <p:cTn id="9" fill="hold">
+                      <p:stCondLst>
+                        <p:cond delay="indefinite"/>
+                      </p:stCondLst>
+                      <p:childTnLst>
+                        <p:par>
+                          <p:cTn id="10" fill="hold">
+                            <p:stCondLst>
+                              <p:cond delay="0"/>
+                            </p:stCondLst>
+                            <p:childTnLst>
+                              <p:par>
+                                <p:cTn id="11" presetID="1" presetClass="entr" presetSubtype="0" fill="hold" nodeType="clickEffect">
+                                  <p:stCondLst>
+                                    <p:cond delay="0"/>
+                                  </p:stCondLst>
+                                  <p:childTnLst>
+                                    <p:set>
+                                      <p:cBhvr>
+                                        <p:cTn id="12" dur="1" fill="hold">
+                                          <p:stCondLst>
+                                            <p:cond delay="0"/>
+                                          </p:stCondLst>
+                                        </p:cTn>
+                                        <p:tgtEl>
+                                          <p:spTgt spid="3">
+                                            <p:txEl>
+                                              <p:pRg st="3" end="3"/>
+                                            </p:txEl>
+                                          </p:spTgt>
+                                        </p:tgtEl>
+                                        <p:attrNameLst>
+                                          <p:attrName>style.visibility</p:attrName>
+                                        </p:attrNameLst>
+                                      </p:cBhvr>
+                                      <p:to>
+                                        <p:strVal val="visible"/>
+                                      </p:to>
+                                    </p:set>
+                                  </p:childTnLst>
+                                </p:cTn>
+                              </p:par>
+                              <p:par>
+                                <p:cTn id="13" presetID="1" presetClass="entr" presetSubtype="0" fill="hold" grpId="0" nodeType="withEffect">
+                                  <p:stCondLst>
+                                    <p:cond delay="0"/>
+                                  </p:stCondLst>
+                                  <p:childTnLst>
+                                    <p:set>
+                                      <p:cBhvr>
+                                        <p:cTn id="14" dur="1" fill="hold">
+                                          <p:stCondLst>
+                                            <p:cond delay="0"/>
+                                          </p:stCondLst>
+                                        </p:cTn>
+                                        <p:tgtEl>
+                                          <p:spTgt spid="7"/>
+                                        </p:tgtEl>
+                                        <p:attrNameLst>
+                                          <p:attrName>style.visibility</p:attrName>
+                                        </p:attrNameLst>
+                                      </p:cBhvr>
+                                      <p:to>
+                                        <p:strVal val="visible"/>
+                                      </p:to>
+                                    </p:set>
+                                  </p:childTnLst>
+                                </p:cTn>
+                              </p:par>
+                            </p:childTnLst>
+                          </p:cTn>
+                        </p:par>
+                      </p:childTnLst>
+                    </p:cTn>
+                  </p:par>
+                  <p:par>
+                    <p:cTn id="15" fill="hold">
+                      <p:stCondLst>
+                        <p:cond delay="indefinite"/>
+                      </p:stCondLst>
+                      <p:childTnLst>
+                        <p:par>
+                          <p:cTn id="16" fill="hold">
+                            <p:stCondLst>
+                              <p:cond delay="0"/>
+                            </p:stCondLst>
+                            <p:childTnLst>
+                              <p:par>
+                                <p:cTn id="17" presetID="1" presetClass="entr" presetSubtype="0" fill="hold" nodeType="clickEffect">
+                                  <p:stCondLst>
+                                    <p:cond delay="0"/>
+                                  </p:stCondLst>
+                                  <p:childTnLst>
+                                    <p:set>
+                                      <p:cBhvr>
+                                        <p:cTn id="18" dur="1" fill="hold">
+                                          <p:stCondLst>
+                                            <p:cond delay="0"/>
+                                          </p:stCondLst>
+                                        </p:cTn>
+                                        <p:tgtEl>
+                                          <p:spTgt spid="3">
+                                            <p:txEl>
+                                              <p:pRg st="5" end="5"/>
+                                            </p:txEl>
+                                          </p:spTgt>
+                                        </p:tgtEl>
+                                        <p:attrNameLst>
+                                          <p:attrName>style.visibility</p:attrName>
+                                        </p:attrNameLst>
+                                      </p:cBhvr>
+                                      <p:to>
+                                        <p:strVal val="visible"/>
+                                      </p:to>
+                                    </p:set>
+                                  </p:childTnLst>
+                                </p:cTn>
+                              </p:par>
+                              <p:par>
+                                <p:cTn id="19" presetID="1" presetClass="entr" presetSubtype="0" fill="hold" grpId="0" nodeType="withEffect">
+                                  <p:stCondLst>
+                                    <p:cond delay="0"/>
+                                  </p:stCondLst>
+                                  <p:childTnLst>
+                                    <p:set>
+                                      <p:cBhvr>
+                                        <p:cTn id="20" dur="1" fill="hold">
+                                          <p:stCondLst>
+                                            <p:cond delay="0"/>
+                                          </p:stCondLst>
+                                        </p:cTn>
+                                        <p:tgtEl>
+                                          <p:spTgt spid="9"/>
+                                        </p:tgtEl>
+                                        <p:attrNameLst>
+                                          <p:attrName>style.visibility</p:attrName>
+                                        </p:attrNameLst>
+                                      </p:cBhvr>
+                                      <p:to>
+                                        <p:strVal val="visible"/>
+                                      </p:to>
+                                    </p:set>
+                                  </p:childTnLst>
+                                </p:cTn>
+                              </p:par>
+                            </p:childTnLst>
+                          </p:cTn>
+                        </p:par>
+                      </p:childTnLst>
+                    </p:cTn>
+                  </p:par>
+                </p:childTnLst>
+              </p:cTn>
+              <p:prevCondLst>
+                <p:cond evt="onPrev" delay="0">
+                  <p:tgtEl>
+                    <p:sldTgt/>
+                  </p:tgtEl>
+                </p:cond>
+              </p:prevCondLst>
+              <p:nextCondLst>
+                <p:cond evt="onNext" delay="0">
+                  <p:tgtEl>
+                    <p:sldTgt/>
+                  </p:tgtEl>
+                </p:cond>
+              </p:nextCondLst>
+            </p:seq>
+          </p:childTnLst>
+        </p:cTn>
+      </p:par>
+    </p:tnLst>
+    <p:bldLst>
+      <p:bldP spid="8" grpId="0" animBg="1"/>
+      <p:bldP spid="7" grpId="0" animBg="1"/>
+      <p:bldP spid="9" grpId="0" animBg="1"/>
+    </p:bldLst>
+  </p:timing>
 </p:sld>
 </file>
 
@@ -18210,6 +22116,574 @@
     <a:masterClrMapping/>
   </p:clrMapOvr>
   <p:transition/>
+  <p:timing>
+    <p:tnLst>
+      <p:par>
+        <p:cTn id="1" dur="indefinite" restart="never" nodeType="tmRoot">
+          <p:childTnLst>
+            <p:seq concurrent="1" nextAc="seek">
+              <p:cTn id="2" dur="indefinite" nodeType="mainSeq">
+                <p:childTnLst>
+                  <p:par>
+                    <p:cTn id="3" fill="hold">
+                      <p:stCondLst>
+                        <p:cond delay="indefinite"/>
+                      </p:stCondLst>
+                      <p:childTnLst>
+                        <p:par>
+                          <p:cTn id="4" fill="hold">
+                            <p:stCondLst>
+                              <p:cond delay="0"/>
+                            </p:stCondLst>
+                            <p:childTnLst>
+                              <p:par>
+                                <p:cTn id="5" presetID="1" presetClass="entr" presetSubtype="0" fill="hold" grpId="0" nodeType="clickEffect">
+                                  <p:stCondLst>
+                                    <p:cond delay="0"/>
+                                  </p:stCondLst>
+                                  <p:childTnLst>
+                                    <p:set>
+                                      <p:cBhvr>
+                                        <p:cTn id="6" dur="1" fill="hold">
+                                          <p:stCondLst>
+                                            <p:cond delay="0"/>
+                                          </p:stCondLst>
+                                        </p:cTn>
+                                        <p:tgtEl>
+                                          <p:spTgt spid="6"/>
+                                        </p:tgtEl>
+                                        <p:attrNameLst>
+                                          <p:attrName>style.visibility</p:attrName>
+                                        </p:attrNameLst>
+                                      </p:cBhvr>
+                                      <p:to>
+                                        <p:strVal val="visible"/>
+                                      </p:to>
+                                    </p:set>
+                                  </p:childTnLst>
+                                </p:cTn>
+                              </p:par>
+                              <p:par>
+                                <p:cTn id="7" presetID="1" presetClass="entr" presetSubtype="0" fill="hold" nodeType="withEffect">
+                                  <p:stCondLst>
+                                    <p:cond delay="0"/>
+                                  </p:stCondLst>
+                                  <p:childTnLst>
+                                    <p:set>
+                                      <p:cBhvr>
+                                        <p:cTn id="8" dur="1" fill="hold">
+                                          <p:stCondLst>
+                                            <p:cond delay="0"/>
+                                          </p:stCondLst>
+                                        </p:cTn>
+                                        <p:tgtEl>
+                                          <p:spTgt spid="6">
+                                            <p:txEl>
+                                              <p:pRg st="0" end="0"/>
+                                            </p:txEl>
+                                          </p:spTgt>
+                                        </p:tgtEl>
+                                        <p:attrNameLst>
+                                          <p:attrName>style.visibility</p:attrName>
+                                        </p:attrNameLst>
+                                      </p:cBhvr>
+                                      <p:to>
+                                        <p:strVal val="visible"/>
+                                      </p:to>
+                                    </p:set>
+                                  </p:childTnLst>
+                                </p:cTn>
+                              </p:par>
+                              <p:par>
+                                <p:cTn id="9" presetID="1" presetClass="entr" presetSubtype="0" fill="hold" nodeType="withEffect">
+                                  <p:stCondLst>
+                                    <p:cond delay="0"/>
+                                  </p:stCondLst>
+                                  <p:childTnLst>
+                                    <p:set>
+                                      <p:cBhvr>
+                                        <p:cTn id="10" dur="1" fill="hold">
+                                          <p:stCondLst>
+                                            <p:cond delay="0"/>
+                                          </p:stCondLst>
+                                        </p:cTn>
+                                        <p:tgtEl>
+                                          <p:spTgt spid="6">
+                                            <p:txEl>
+                                              <p:pRg st="1" end="1"/>
+                                            </p:txEl>
+                                          </p:spTgt>
+                                        </p:tgtEl>
+                                        <p:attrNameLst>
+                                          <p:attrName>style.visibility</p:attrName>
+                                        </p:attrNameLst>
+                                      </p:cBhvr>
+                                      <p:to>
+                                        <p:strVal val="visible"/>
+                                      </p:to>
+                                    </p:set>
+                                  </p:childTnLst>
+                                </p:cTn>
+                              </p:par>
+                              <p:par>
+                                <p:cTn id="11" presetID="1" presetClass="entr" presetSubtype="0" fill="hold" nodeType="withEffect">
+                                  <p:stCondLst>
+                                    <p:cond delay="0"/>
+                                  </p:stCondLst>
+                                  <p:childTnLst>
+                                    <p:set>
+                                      <p:cBhvr>
+                                        <p:cTn id="12" dur="1" fill="hold">
+                                          <p:stCondLst>
+                                            <p:cond delay="0"/>
+                                          </p:stCondLst>
+                                        </p:cTn>
+                                        <p:tgtEl>
+                                          <p:spTgt spid="6">
+                                            <p:txEl>
+                                              <p:pRg st="4" end="4"/>
+                                            </p:txEl>
+                                          </p:spTgt>
+                                        </p:tgtEl>
+                                        <p:attrNameLst>
+                                          <p:attrName>style.visibility</p:attrName>
+                                        </p:attrNameLst>
+                                      </p:cBhvr>
+                                      <p:to>
+                                        <p:strVal val="visible"/>
+                                      </p:to>
+                                    </p:set>
+                                  </p:childTnLst>
+                                </p:cTn>
+                              </p:par>
+                            </p:childTnLst>
+                          </p:cTn>
+                        </p:par>
+                      </p:childTnLst>
+                    </p:cTn>
+                  </p:par>
+                  <p:par>
+                    <p:cTn id="13" fill="hold">
+                      <p:stCondLst>
+                        <p:cond delay="indefinite"/>
+                      </p:stCondLst>
+                      <p:childTnLst>
+                        <p:par>
+                          <p:cTn id="14" fill="hold">
+                            <p:stCondLst>
+                              <p:cond delay="0"/>
+                            </p:stCondLst>
+                            <p:childTnLst>
+                              <p:par>
+                                <p:cTn id="15" presetID="1" presetClass="entr" presetSubtype="0" fill="hold" nodeType="clickEffect">
+                                  <p:stCondLst>
+                                    <p:cond delay="0"/>
+                                  </p:stCondLst>
+                                  <p:childTnLst>
+                                    <p:set>
+                                      <p:cBhvr>
+                                        <p:cTn id="16" dur="1" fill="hold">
+                                          <p:stCondLst>
+                                            <p:cond delay="0"/>
+                                          </p:stCondLst>
+                                        </p:cTn>
+                                        <p:tgtEl>
+                                          <p:spTgt spid="6">
+                                            <p:txEl>
+                                              <p:pRg st="2" end="2"/>
+                                            </p:txEl>
+                                          </p:spTgt>
+                                        </p:tgtEl>
+                                        <p:attrNameLst>
+                                          <p:attrName>style.visibility</p:attrName>
+                                        </p:attrNameLst>
+                                      </p:cBhvr>
+                                      <p:to>
+                                        <p:strVal val="visible"/>
+                                      </p:to>
+                                    </p:set>
+                                  </p:childTnLst>
+                                </p:cTn>
+                              </p:par>
+                              <p:par>
+                                <p:cTn id="17" presetID="1" presetClass="entr" presetSubtype="0" fill="hold" nodeType="withEffect">
+                                  <p:stCondLst>
+                                    <p:cond delay="0"/>
+                                  </p:stCondLst>
+                                  <p:childTnLst>
+                                    <p:set>
+                                      <p:cBhvr>
+                                        <p:cTn id="18" dur="1" fill="hold">
+                                          <p:stCondLst>
+                                            <p:cond delay="0"/>
+                                          </p:stCondLst>
+                                        </p:cTn>
+                                        <p:tgtEl>
+                                          <p:spTgt spid="6">
+                                            <p:txEl>
+                                              <p:pRg st="3" end="3"/>
+                                            </p:txEl>
+                                          </p:spTgt>
+                                        </p:tgtEl>
+                                        <p:attrNameLst>
+                                          <p:attrName>style.visibility</p:attrName>
+                                        </p:attrNameLst>
+                                      </p:cBhvr>
+                                      <p:to>
+                                        <p:strVal val="visible"/>
+                                      </p:to>
+                                    </p:set>
+                                  </p:childTnLst>
+                                </p:cTn>
+                              </p:par>
+                            </p:childTnLst>
+                          </p:cTn>
+                        </p:par>
+                      </p:childTnLst>
+                    </p:cTn>
+                  </p:par>
+                  <p:par>
+                    <p:cTn id="19" fill="hold">
+                      <p:stCondLst>
+                        <p:cond delay="indefinite"/>
+                      </p:stCondLst>
+                      <p:childTnLst>
+                        <p:par>
+                          <p:cTn id="20" fill="hold">
+                            <p:stCondLst>
+                              <p:cond delay="0"/>
+                            </p:stCondLst>
+                            <p:childTnLst>
+                              <p:par>
+                                <p:cTn id="21" presetID="1" presetClass="entr" presetSubtype="0" fill="hold" grpId="0" nodeType="clickEffect">
+                                  <p:stCondLst>
+                                    <p:cond delay="0"/>
+                                  </p:stCondLst>
+                                  <p:childTnLst>
+                                    <p:set>
+                                      <p:cBhvr>
+                                        <p:cTn id="22" dur="1" fill="hold">
+                                          <p:stCondLst>
+                                            <p:cond delay="0"/>
+                                          </p:stCondLst>
+                                        </p:cTn>
+                                        <p:tgtEl>
+                                          <p:spTgt spid="567300"/>
+                                        </p:tgtEl>
+                                        <p:attrNameLst>
+                                          <p:attrName>style.visibility</p:attrName>
+                                        </p:attrNameLst>
+                                      </p:cBhvr>
+                                      <p:to>
+                                        <p:strVal val="visible"/>
+                                      </p:to>
+                                    </p:set>
+                                  </p:childTnLst>
+                                </p:cTn>
+                              </p:par>
+                              <p:par>
+                                <p:cTn id="23" presetID="1" presetClass="entr" presetSubtype="0" fill="hold" nodeType="withEffect">
+                                  <p:stCondLst>
+                                    <p:cond delay="0"/>
+                                  </p:stCondLst>
+                                  <p:childTnLst>
+                                    <p:set>
+                                      <p:cBhvr>
+                                        <p:cTn id="24" dur="1" fill="hold">
+                                          <p:stCondLst>
+                                            <p:cond delay="0"/>
+                                          </p:stCondLst>
+                                        </p:cTn>
+                                        <p:tgtEl>
+                                          <p:spTgt spid="567300">
+                                            <p:txEl>
+                                              <p:pRg st="0" end="0"/>
+                                            </p:txEl>
+                                          </p:spTgt>
+                                        </p:tgtEl>
+                                        <p:attrNameLst>
+                                          <p:attrName>style.visibility</p:attrName>
+                                        </p:attrNameLst>
+                                      </p:cBhvr>
+                                      <p:to>
+                                        <p:strVal val="visible"/>
+                                      </p:to>
+                                    </p:set>
+                                  </p:childTnLst>
+                                </p:cTn>
+                              </p:par>
+                              <p:par>
+                                <p:cTn id="25" presetID="1" presetClass="entr" presetSubtype="0" fill="hold" nodeType="withEffect">
+                                  <p:stCondLst>
+                                    <p:cond delay="0"/>
+                                  </p:stCondLst>
+                                  <p:childTnLst>
+                                    <p:set>
+                                      <p:cBhvr>
+                                        <p:cTn id="26" dur="1" fill="hold">
+                                          <p:stCondLst>
+                                            <p:cond delay="0"/>
+                                          </p:stCondLst>
+                                        </p:cTn>
+                                        <p:tgtEl>
+                                          <p:spTgt spid="567300">
+                                            <p:txEl>
+                                              <p:pRg st="1" end="1"/>
+                                            </p:txEl>
+                                          </p:spTgt>
+                                        </p:tgtEl>
+                                        <p:attrNameLst>
+                                          <p:attrName>style.visibility</p:attrName>
+                                        </p:attrNameLst>
+                                      </p:cBhvr>
+                                      <p:to>
+                                        <p:strVal val="visible"/>
+                                      </p:to>
+                                    </p:set>
+                                  </p:childTnLst>
+                                </p:cTn>
+                              </p:par>
+                              <p:par>
+                                <p:cTn id="27" presetID="1" presetClass="entr" presetSubtype="0" fill="hold" nodeType="withEffect">
+                                  <p:stCondLst>
+                                    <p:cond delay="0"/>
+                                  </p:stCondLst>
+                                  <p:childTnLst>
+                                    <p:set>
+                                      <p:cBhvr>
+                                        <p:cTn id="28" dur="1" fill="hold">
+                                          <p:stCondLst>
+                                            <p:cond delay="0"/>
+                                          </p:stCondLst>
+                                        </p:cTn>
+                                        <p:tgtEl>
+                                          <p:spTgt spid="567300">
+                                            <p:txEl>
+                                              <p:pRg st="6" end="6"/>
+                                            </p:txEl>
+                                          </p:spTgt>
+                                        </p:tgtEl>
+                                        <p:attrNameLst>
+                                          <p:attrName>style.visibility</p:attrName>
+                                        </p:attrNameLst>
+                                      </p:cBhvr>
+                                      <p:to>
+                                        <p:strVal val="visible"/>
+                                      </p:to>
+                                    </p:set>
+                                  </p:childTnLst>
+                                </p:cTn>
+                              </p:par>
+                            </p:childTnLst>
+                          </p:cTn>
+                        </p:par>
+                      </p:childTnLst>
+                    </p:cTn>
+                  </p:par>
+                  <p:par>
+                    <p:cTn id="29" fill="hold">
+                      <p:stCondLst>
+                        <p:cond delay="indefinite"/>
+                      </p:stCondLst>
+                      <p:childTnLst>
+                        <p:par>
+                          <p:cTn id="30" fill="hold">
+                            <p:stCondLst>
+                              <p:cond delay="0"/>
+                            </p:stCondLst>
+                            <p:childTnLst>
+                              <p:par>
+                                <p:cTn id="31" presetID="1" presetClass="entr" presetSubtype="0" fill="hold" nodeType="clickEffect">
+                                  <p:stCondLst>
+                                    <p:cond delay="0"/>
+                                  </p:stCondLst>
+                                  <p:childTnLst>
+                                    <p:set>
+                                      <p:cBhvr>
+                                        <p:cTn id="32" dur="1" fill="hold">
+                                          <p:stCondLst>
+                                            <p:cond delay="0"/>
+                                          </p:stCondLst>
+                                        </p:cTn>
+                                        <p:tgtEl>
+                                          <p:spTgt spid="567300">
+                                            <p:txEl>
+                                              <p:pRg st="2" end="2"/>
+                                            </p:txEl>
+                                          </p:spTgt>
+                                        </p:tgtEl>
+                                        <p:attrNameLst>
+                                          <p:attrName>style.visibility</p:attrName>
+                                        </p:attrNameLst>
+                                      </p:cBhvr>
+                                      <p:to>
+                                        <p:strVal val="visible"/>
+                                      </p:to>
+                                    </p:set>
+                                  </p:childTnLst>
+                                </p:cTn>
+                              </p:par>
+                              <p:par>
+                                <p:cTn id="33" presetID="1" presetClass="entr" presetSubtype="0" fill="hold" nodeType="withEffect">
+                                  <p:stCondLst>
+                                    <p:cond delay="0"/>
+                                  </p:stCondLst>
+                                  <p:childTnLst>
+                                    <p:set>
+                                      <p:cBhvr>
+                                        <p:cTn id="34" dur="1" fill="hold">
+                                          <p:stCondLst>
+                                            <p:cond delay="0"/>
+                                          </p:stCondLst>
+                                        </p:cTn>
+                                        <p:tgtEl>
+                                          <p:spTgt spid="567300">
+                                            <p:txEl>
+                                              <p:pRg st="3" end="3"/>
+                                            </p:txEl>
+                                          </p:spTgt>
+                                        </p:tgtEl>
+                                        <p:attrNameLst>
+                                          <p:attrName>style.visibility</p:attrName>
+                                        </p:attrNameLst>
+                                      </p:cBhvr>
+                                      <p:to>
+                                        <p:strVal val="visible"/>
+                                      </p:to>
+                                    </p:set>
+                                  </p:childTnLst>
+                                </p:cTn>
+                              </p:par>
+                            </p:childTnLst>
+                          </p:cTn>
+                        </p:par>
+                      </p:childTnLst>
+                    </p:cTn>
+                  </p:par>
+                  <p:par>
+                    <p:cTn id="35" fill="hold">
+                      <p:stCondLst>
+                        <p:cond delay="indefinite"/>
+                      </p:stCondLst>
+                      <p:childTnLst>
+                        <p:par>
+                          <p:cTn id="36" fill="hold">
+                            <p:stCondLst>
+                              <p:cond delay="0"/>
+                            </p:stCondLst>
+                            <p:childTnLst>
+                              <p:par>
+                                <p:cTn id="37" presetID="1" presetClass="entr" presetSubtype="0" fill="hold" nodeType="clickEffect">
+                                  <p:stCondLst>
+                                    <p:cond delay="0"/>
+                                  </p:stCondLst>
+                                  <p:childTnLst>
+                                    <p:set>
+                                      <p:cBhvr>
+                                        <p:cTn id="38" dur="1" fill="hold">
+                                          <p:stCondLst>
+                                            <p:cond delay="0"/>
+                                          </p:stCondLst>
+                                        </p:cTn>
+                                        <p:tgtEl>
+                                          <p:spTgt spid="567300">
+                                            <p:txEl>
+                                              <p:pRg st="4" end="4"/>
+                                            </p:txEl>
+                                          </p:spTgt>
+                                        </p:tgtEl>
+                                        <p:attrNameLst>
+                                          <p:attrName>style.visibility</p:attrName>
+                                        </p:attrNameLst>
+                                      </p:cBhvr>
+                                      <p:to>
+                                        <p:strVal val="visible"/>
+                                      </p:to>
+                                    </p:set>
+                                  </p:childTnLst>
+                                </p:cTn>
+                              </p:par>
+                            </p:childTnLst>
+                          </p:cTn>
+                        </p:par>
+                      </p:childTnLst>
+                    </p:cTn>
+                  </p:par>
+                  <p:par>
+                    <p:cTn id="39" fill="hold">
+                      <p:stCondLst>
+                        <p:cond delay="indefinite"/>
+                      </p:stCondLst>
+                      <p:childTnLst>
+                        <p:par>
+                          <p:cTn id="40" fill="hold">
+                            <p:stCondLst>
+                              <p:cond delay="0"/>
+                            </p:stCondLst>
+                            <p:childTnLst>
+                              <p:par>
+                                <p:cTn id="41" presetID="1" presetClass="entr" presetSubtype="0" fill="hold" nodeType="clickEffect">
+                                  <p:stCondLst>
+                                    <p:cond delay="0"/>
+                                  </p:stCondLst>
+                                  <p:childTnLst>
+                                    <p:set>
+                                      <p:cBhvr>
+                                        <p:cTn id="42" dur="1" fill="hold">
+                                          <p:stCondLst>
+                                            <p:cond delay="0"/>
+                                          </p:stCondLst>
+                                        </p:cTn>
+                                        <p:tgtEl>
+                                          <p:spTgt spid="567300">
+                                            <p:txEl>
+                                              <p:pRg st="5" end="5"/>
+                                            </p:txEl>
+                                          </p:spTgt>
+                                        </p:tgtEl>
+                                        <p:attrNameLst>
+                                          <p:attrName>style.visibility</p:attrName>
+                                        </p:attrNameLst>
+                                      </p:cBhvr>
+                                      <p:to>
+                                        <p:strVal val="visible"/>
+                                      </p:to>
+                                    </p:set>
+                                  </p:childTnLst>
+                                </p:cTn>
+                              </p:par>
+                            </p:childTnLst>
+                          </p:cTn>
+                        </p:par>
+                      </p:childTnLst>
+                    </p:cTn>
+                  </p:par>
+                </p:childTnLst>
+              </p:cTn>
+              <p:prevCondLst>
+                <p:cond evt="onPrev" delay="0">
+                  <p:tgtEl>
+                    <p:sldTgt/>
+                  </p:tgtEl>
+                </p:cond>
+              </p:prevCondLst>
+              <p:nextCondLst>
+                <p:cond evt="onNext" delay="0">
+                  <p:tgtEl>
+                    <p:sldTgt/>
+                  </p:tgtEl>
+                </p:cond>
+              </p:nextCondLst>
+            </p:seq>
+          </p:childTnLst>
+        </p:cTn>
+      </p:par>
+    </p:tnLst>
+    <p:bldLst>
+      <p:bldP spid="567300" grpId="0" animBg="1"/>
+      <p:bldP spid="6" grpId="0" animBg="1"/>
+    </p:bldLst>
+  </p:timing>
 </p:sld>
 </file>
 
@@ -18950,6 +23424,185 @@
   <p:clrMapOvr>
     <a:masterClrMapping/>
   </p:clrMapOvr>
+  <p:timing>
+    <p:tnLst>
+      <p:par>
+        <p:cTn id="1" dur="indefinite" restart="never" nodeType="tmRoot">
+          <p:childTnLst>
+            <p:seq concurrent="1" nextAc="seek">
+              <p:cTn id="2" dur="indefinite" nodeType="mainSeq">
+                <p:childTnLst>
+                  <p:par>
+                    <p:cTn id="3" fill="hold">
+                      <p:stCondLst>
+                        <p:cond delay="indefinite"/>
+                      </p:stCondLst>
+                      <p:childTnLst>
+                        <p:par>
+                          <p:cTn id="4" fill="hold">
+                            <p:stCondLst>
+                              <p:cond delay="0"/>
+                            </p:stCondLst>
+                            <p:childTnLst>
+                              <p:par>
+                                <p:cTn id="5" presetID="1" presetClass="entr" presetSubtype="0" fill="hold" nodeType="clickEffect">
+                                  <p:stCondLst>
+                                    <p:cond delay="0"/>
+                                  </p:stCondLst>
+                                  <p:childTnLst>
+                                    <p:set>
+                                      <p:cBhvr>
+                                        <p:cTn id="6" dur="1" fill="hold">
+                                          <p:stCondLst>
+                                            <p:cond delay="0"/>
+                                          </p:stCondLst>
+                                        </p:cTn>
+                                        <p:tgtEl>
+                                          <p:spTgt spid="3"/>
+                                        </p:tgtEl>
+                                        <p:attrNameLst>
+                                          <p:attrName>style.visibility</p:attrName>
+                                        </p:attrNameLst>
+                                      </p:cBhvr>
+                                      <p:to>
+                                        <p:strVal val="visible"/>
+                                      </p:to>
+                                    </p:set>
+                                  </p:childTnLst>
+                                </p:cTn>
+                              </p:par>
+                            </p:childTnLst>
+                          </p:cTn>
+                        </p:par>
+                      </p:childTnLst>
+                    </p:cTn>
+                  </p:par>
+                  <p:par>
+                    <p:cTn id="7" fill="hold">
+                      <p:stCondLst>
+                        <p:cond delay="indefinite"/>
+                      </p:stCondLst>
+                      <p:childTnLst>
+                        <p:par>
+                          <p:cTn id="8" fill="hold">
+                            <p:stCondLst>
+                              <p:cond delay="0"/>
+                            </p:stCondLst>
+                            <p:childTnLst>
+                              <p:par>
+                                <p:cTn id="9" presetID="1" presetClass="entr" presetSubtype="0" fill="hold" grpId="0" nodeType="clickEffect">
+                                  <p:stCondLst>
+                                    <p:cond delay="0"/>
+                                  </p:stCondLst>
+                                  <p:childTnLst>
+                                    <p:set>
+                                      <p:cBhvr>
+                                        <p:cTn id="10" dur="1" fill="hold">
+                                          <p:stCondLst>
+                                            <p:cond delay="0"/>
+                                          </p:stCondLst>
+                                        </p:cTn>
+                                        <p:tgtEl>
+                                          <p:spTgt spid="8"/>
+                                        </p:tgtEl>
+                                        <p:attrNameLst>
+                                          <p:attrName>style.visibility</p:attrName>
+                                        </p:attrNameLst>
+                                      </p:cBhvr>
+                                      <p:to>
+                                        <p:strVal val="visible"/>
+                                      </p:to>
+                                    </p:set>
+                                  </p:childTnLst>
+                                </p:cTn>
+                              </p:par>
+                              <p:par>
+                                <p:cTn id="11" presetID="1" presetClass="entr" presetSubtype="0" fill="hold" grpId="0" nodeType="withEffect">
+                                  <p:stCondLst>
+                                    <p:cond delay="0"/>
+                                  </p:stCondLst>
+                                  <p:childTnLst>
+                                    <p:set>
+                                      <p:cBhvr>
+                                        <p:cTn id="12" dur="1" fill="hold">
+                                          <p:stCondLst>
+                                            <p:cond delay="0"/>
+                                          </p:stCondLst>
+                                        </p:cTn>
+                                        <p:tgtEl>
+                                          <p:spTgt spid="10"/>
+                                        </p:tgtEl>
+                                        <p:attrNameLst>
+                                          <p:attrName>style.visibility</p:attrName>
+                                        </p:attrNameLst>
+                                      </p:cBhvr>
+                                      <p:to>
+                                        <p:strVal val="visible"/>
+                                      </p:to>
+                                    </p:set>
+                                  </p:childTnLst>
+                                </p:cTn>
+                              </p:par>
+                              <p:par>
+                                <p:cTn id="13" presetID="1" presetClass="entr" presetSubtype="0" fill="hold" grpId="0" nodeType="withEffect">
+                                  <p:stCondLst>
+                                    <p:cond delay="0"/>
+                                  </p:stCondLst>
+                                  <p:childTnLst>
+                                    <p:set>
+                                      <p:cBhvr>
+                                        <p:cTn id="14" dur="1" fill="hold">
+                                          <p:stCondLst>
+                                            <p:cond delay="0"/>
+                                          </p:stCondLst>
+                                        </p:cTn>
+                                        <p:tgtEl>
+                                          <p:spTgt spid="9"/>
+                                        </p:tgtEl>
+                                        <p:attrNameLst>
+                                          <p:attrName>style.visibility</p:attrName>
+                                        </p:attrNameLst>
+                                      </p:cBhvr>
+                                      <p:to>
+                                        <p:strVal val="visible"/>
+                                      </p:to>
+                                    </p:set>
+                                  </p:childTnLst>
+                                </p:cTn>
+                              </p:par>
+                            </p:childTnLst>
+                          </p:cTn>
+                        </p:par>
+                      </p:childTnLst>
+                    </p:cTn>
+                  </p:par>
+                </p:childTnLst>
+              </p:cTn>
+              <p:prevCondLst>
+                <p:cond evt="onPrev" delay="0">
+                  <p:tgtEl>
+                    <p:sldTgt/>
+                  </p:tgtEl>
+                </p:cond>
+              </p:prevCondLst>
+              <p:nextCondLst>
+                <p:cond evt="onNext" delay="0">
+                  <p:tgtEl>
+                    <p:sldTgt/>
+                  </p:tgtEl>
+                </p:cond>
+              </p:nextCondLst>
+            </p:seq>
+          </p:childTnLst>
+        </p:cTn>
+      </p:par>
+    </p:tnLst>
+    <p:bldLst>
+      <p:bldP spid="8" grpId="0" animBg="1"/>
+      <p:bldP spid="9" grpId="0" animBg="1"/>
+      <p:bldP spid="10" grpId="0" animBg="1"/>
+    </p:bldLst>
+  </p:timing>
 </p:sld>
 </file>
 
@@ -19773,6 +24426,300 @@
   <p:clrMapOvr>
     <a:masterClrMapping/>
   </p:clrMapOvr>
+  <p:timing>
+    <p:tnLst>
+      <p:par>
+        <p:cTn id="1" dur="indefinite" restart="never" nodeType="tmRoot">
+          <p:childTnLst>
+            <p:seq concurrent="1" nextAc="seek">
+              <p:cTn id="2" dur="indefinite" nodeType="mainSeq">
+                <p:childTnLst>
+                  <p:par>
+                    <p:cTn id="3" fill="hold">
+                      <p:stCondLst>
+                        <p:cond delay="indefinite"/>
+                      </p:stCondLst>
+                      <p:childTnLst>
+                        <p:par>
+                          <p:cTn id="4" fill="hold">
+                            <p:stCondLst>
+                              <p:cond delay="0"/>
+                            </p:stCondLst>
+                            <p:childTnLst>
+                              <p:par>
+                                <p:cTn id="5" presetID="1" presetClass="entr" presetSubtype="0" fill="hold" grpId="0" nodeType="clickEffect">
+                                  <p:stCondLst>
+                                    <p:cond delay="0"/>
+                                  </p:stCondLst>
+                                  <p:childTnLst>
+                                    <p:set>
+                                      <p:cBhvr>
+                                        <p:cTn id="6" dur="1" fill="hold">
+                                          <p:stCondLst>
+                                            <p:cond delay="0"/>
+                                          </p:stCondLst>
+                                        </p:cTn>
+                                        <p:tgtEl>
+                                          <p:spTgt spid="5"/>
+                                        </p:tgtEl>
+                                        <p:attrNameLst>
+                                          <p:attrName>style.visibility</p:attrName>
+                                        </p:attrNameLst>
+                                      </p:cBhvr>
+                                      <p:to>
+                                        <p:strVal val="visible"/>
+                                      </p:to>
+                                    </p:set>
+                                  </p:childTnLst>
+                                </p:cTn>
+                              </p:par>
+                              <p:par>
+                                <p:cTn id="7" presetID="1" presetClass="entr" presetSubtype="0" fill="hold" nodeType="withEffect">
+                                  <p:stCondLst>
+                                    <p:cond delay="0"/>
+                                  </p:stCondLst>
+                                  <p:childTnLst>
+                                    <p:set>
+                                      <p:cBhvr>
+                                        <p:cTn id="8" dur="1" fill="hold">
+                                          <p:stCondLst>
+                                            <p:cond delay="0"/>
+                                          </p:stCondLst>
+                                        </p:cTn>
+                                        <p:tgtEl>
+                                          <p:spTgt spid="5">
+                                            <p:txEl>
+                                              <p:pRg st="0" end="0"/>
+                                            </p:txEl>
+                                          </p:spTgt>
+                                        </p:tgtEl>
+                                        <p:attrNameLst>
+                                          <p:attrName>style.visibility</p:attrName>
+                                        </p:attrNameLst>
+                                      </p:cBhvr>
+                                      <p:to>
+                                        <p:strVal val="visible"/>
+                                      </p:to>
+                                    </p:set>
+                                  </p:childTnLst>
+                                </p:cTn>
+                              </p:par>
+                              <p:par>
+                                <p:cTn id="9" presetID="1" presetClass="entr" presetSubtype="0" fill="hold" nodeType="withEffect">
+                                  <p:stCondLst>
+                                    <p:cond delay="0"/>
+                                  </p:stCondLst>
+                                  <p:childTnLst>
+                                    <p:set>
+                                      <p:cBhvr>
+                                        <p:cTn id="10" dur="1" fill="hold">
+                                          <p:stCondLst>
+                                            <p:cond delay="0"/>
+                                          </p:stCondLst>
+                                        </p:cTn>
+                                        <p:tgtEl>
+                                          <p:spTgt spid="5">
+                                            <p:txEl>
+                                              <p:pRg st="1" end="1"/>
+                                            </p:txEl>
+                                          </p:spTgt>
+                                        </p:tgtEl>
+                                        <p:attrNameLst>
+                                          <p:attrName>style.visibility</p:attrName>
+                                        </p:attrNameLst>
+                                      </p:cBhvr>
+                                      <p:to>
+                                        <p:strVal val="visible"/>
+                                      </p:to>
+                                    </p:set>
+                                  </p:childTnLst>
+                                </p:cTn>
+                              </p:par>
+                              <p:par>
+                                <p:cTn id="11" presetID="1" presetClass="entr" presetSubtype="0" fill="hold" nodeType="withEffect">
+                                  <p:stCondLst>
+                                    <p:cond delay="0"/>
+                                  </p:stCondLst>
+                                  <p:childTnLst>
+                                    <p:set>
+                                      <p:cBhvr>
+                                        <p:cTn id="12" dur="1" fill="hold">
+                                          <p:stCondLst>
+                                            <p:cond delay="0"/>
+                                          </p:stCondLst>
+                                        </p:cTn>
+                                        <p:tgtEl>
+                                          <p:spTgt spid="5">
+                                            <p:txEl>
+                                              <p:pRg st="3" end="3"/>
+                                            </p:txEl>
+                                          </p:spTgt>
+                                        </p:tgtEl>
+                                        <p:attrNameLst>
+                                          <p:attrName>style.visibility</p:attrName>
+                                        </p:attrNameLst>
+                                      </p:cBhvr>
+                                      <p:to>
+                                        <p:strVal val="visible"/>
+                                      </p:to>
+                                    </p:set>
+                                  </p:childTnLst>
+                                </p:cTn>
+                              </p:par>
+                              <p:par>
+                                <p:cTn id="13" presetID="1" presetClass="entr" presetSubtype="0" fill="hold" nodeType="withEffect">
+                                  <p:stCondLst>
+                                    <p:cond delay="0"/>
+                                  </p:stCondLst>
+                                  <p:childTnLst>
+                                    <p:set>
+                                      <p:cBhvr>
+                                        <p:cTn id="14" dur="1" fill="hold">
+                                          <p:stCondLst>
+                                            <p:cond delay="0"/>
+                                          </p:stCondLst>
+                                        </p:cTn>
+                                        <p:tgtEl>
+                                          <p:spTgt spid="5">
+                                            <p:txEl>
+                                              <p:pRg st="2" end="2"/>
+                                            </p:txEl>
+                                          </p:spTgt>
+                                        </p:tgtEl>
+                                        <p:attrNameLst>
+                                          <p:attrName>style.visibility</p:attrName>
+                                        </p:attrNameLst>
+                                      </p:cBhvr>
+                                      <p:to>
+                                        <p:strVal val="visible"/>
+                                      </p:to>
+                                    </p:set>
+                                  </p:childTnLst>
+                                </p:cTn>
+                              </p:par>
+                            </p:childTnLst>
+                          </p:cTn>
+                        </p:par>
+                      </p:childTnLst>
+                    </p:cTn>
+                  </p:par>
+                  <p:par>
+                    <p:cTn id="15" fill="hold">
+                      <p:stCondLst>
+                        <p:cond delay="indefinite"/>
+                      </p:stCondLst>
+                      <p:childTnLst>
+                        <p:par>
+                          <p:cTn id="16" fill="hold">
+                            <p:stCondLst>
+                              <p:cond delay="0"/>
+                            </p:stCondLst>
+                            <p:childTnLst>
+                              <p:par>
+                                <p:cTn id="17" presetID="1" presetClass="entr" presetSubtype="0" fill="hold" grpId="0" nodeType="clickEffect">
+                                  <p:stCondLst>
+                                    <p:cond delay="0"/>
+                                  </p:stCondLst>
+                                  <p:childTnLst>
+                                    <p:set>
+                                      <p:cBhvr>
+                                        <p:cTn id="18" dur="1" fill="hold">
+                                          <p:stCondLst>
+                                            <p:cond delay="0"/>
+                                          </p:stCondLst>
+                                        </p:cTn>
+                                        <p:tgtEl>
+                                          <p:spTgt spid="7"/>
+                                        </p:tgtEl>
+                                        <p:attrNameLst>
+                                          <p:attrName>style.visibility</p:attrName>
+                                        </p:attrNameLst>
+                                      </p:cBhvr>
+                                      <p:to>
+                                        <p:strVal val="visible"/>
+                                      </p:to>
+                                    </p:set>
+                                  </p:childTnLst>
+                                </p:cTn>
+                              </p:par>
+                            </p:childTnLst>
+                          </p:cTn>
+                        </p:par>
+                      </p:childTnLst>
+                    </p:cTn>
+                  </p:par>
+                  <p:par>
+                    <p:cTn id="19" fill="hold">
+                      <p:stCondLst>
+                        <p:cond delay="indefinite"/>
+                      </p:stCondLst>
+                      <p:childTnLst>
+                        <p:par>
+                          <p:cTn id="20" fill="hold">
+                            <p:stCondLst>
+                              <p:cond delay="0"/>
+                            </p:stCondLst>
+                            <p:childTnLst>
+                              <p:par>
+                                <p:cTn id="21" presetID="1" presetClass="entr" presetSubtype="0" fill="hold" grpId="0" nodeType="clickEffect">
+                                  <p:stCondLst>
+                                    <p:cond delay="0"/>
+                                  </p:stCondLst>
+                                  <p:childTnLst>
+                                    <p:set>
+                                      <p:cBhvr>
+                                        <p:cTn id="22" dur="1" fill="hold">
+                                          <p:stCondLst>
+                                            <p:cond delay="0"/>
+                                          </p:stCondLst>
+                                        </p:cTn>
+                                        <p:tgtEl>
+                                          <p:spTgt spid="9"/>
+                                        </p:tgtEl>
+                                        <p:attrNameLst>
+                                          <p:attrName>style.visibility</p:attrName>
+                                        </p:attrNameLst>
+                                      </p:cBhvr>
+                                      <p:to>
+                                        <p:strVal val="visible"/>
+                                      </p:to>
+                                    </p:set>
+                                  </p:childTnLst>
+                                </p:cTn>
+                              </p:par>
+                            </p:childTnLst>
+                          </p:cTn>
+                        </p:par>
+                      </p:childTnLst>
+                    </p:cTn>
+                  </p:par>
+                </p:childTnLst>
+              </p:cTn>
+              <p:prevCondLst>
+                <p:cond evt="onPrev" delay="0">
+                  <p:tgtEl>
+                    <p:sldTgt/>
+                  </p:tgtEl>
+                </p:cond>
+              </p:prevCondLst>
+              <p:nextCondLst>
+                <p:cond evt="onNext" delay="0">
+                  <p:tgtEl>
+                    <p:sldTgt/>
+                  </p:tgtEl>
+                </p:cond>
+              </p:nextCondLst>
+            </p:seq>
+          </p:childTnLst>
+        </p:cTn>
+      </p:par>
+    </p:tnLst>
+    <p:bldLst>
+      <p:bldP spid="5" grpId="0" animBg="1"/>
+      <p:bldP spid="7" grpId="0" animBg="1"/>
+      <p:bldP spid="9" grpId="0"/>
+    </p:bldLst>
+  </p:timing>
 </p:sld>
 </file>
 
